--- a/images/theory_analysis/Kubernetes_Flannel_Plugin/Kubernetes_Flannel_Plugin.pptx
+++ b/images/theory_analysis/Kubernetes_Flannel_Plugin/Kubernetes_Flannel_Plugin.pptx
@@ -5,11 +5,12 @@
     <p:sldMasterId id="2147483648" r:id="rId1"/>
   </p:sldMasterIdLst>
   <p:notesMasterIdLst>
-    <p:notesMasterId r:id="rId4"/>
+    <p:notesMasterId r:id="rId5"/>
   </p:notesMasterIdLst>
   <p:sldIdLst>
     <p:sldId id="442" r:id="rId2"/>
-    <p:sldId id="443" r:id="rId3"/>
+    <p:sldId id="444" r:id="rId3"/>
+    <p:sldId id="443" r:id="rId4"/>
   </p:sldIdLst>
   <p:sldSz cx="9144000" cy="5143500" type="screen16x9"/>
   <p:notesSz cx="6858000" cy="9144000"/>
@@ -214,7 +215,7 @@
           <a:p>
             <a:fld id="{6CD5550B-26C4-49A9-A5BA-636EF7BE6CE9}" type="datetimeFigureOut">
               <a:rPr lang="ko-KR" altLang="en-US" smtClean="0"/>
-              <a:t>2018-08-22</a:t>
+              <a:t>2018-08-26</a:t>
             </a:fld>
             <a:endParaRPr lang="ko-KR" altLang="en-US"/>
           </a:p>
@@ -639,6 +640,90 @@
     </p:spTree>
     <p:extLst>
       <p:ext uri="{BB962C8B-B14F-4D97-AF65-F5344CB8AC3E}">
+        <p14:creationId xmlns:p14="http://schemas.microsoft.com/office/powerpoint/2010/main" val="1229564104"/>
+      </p:ext>
+    </p:extLst>
+  </p:cSld>
+  <p:clrMapOvr>
+    <a:masterClrMapping/>
+  </p:clrMapOvr>
+</p:notes>
+</file>
+
+<file path=ppt/notesSlides/notesSlide3.xml><?xml version="1.0" encoding="utf-8"?>
+<p:notes xmlns:a="http://schemas.openxmlformats.org/drawingml/2006/main" xmlns:r="http://schemas.openxmlformats.org/officeDocument/2006/relationships" xmlns:p="http://schemas.openxmlformats.org/presentationml/2006/main">
+  <p:cSld>
+    <p:spTree>
+      <p:nvGrpSpPr>
+        <p:cNvPr id="1" name=""/>
+        <p:cNvGrpSpPr/>
+        <p:nvPr/>
+      </p:nvGrpSpPr>
+      <p:grpSpPr>
+        <a:xfrm>
+          <a:off x="0" y="0"/>
+          <a:ext cx="0" cy="0"/>
+          <a:chOff x="0" y="0"/>
+          <a:chExt cx="0" cy="0"/>
+        </a:xfrm>
+      </p:grpSpPr>
+      <p:sp>
+        <p:nvSpPr>
+          <p:cNvPr id="2" name="슬라이드 이미지 개체 틀 1"/>
+          <p:cNvSpPr>
+            <a:spLocks noGrp="1" noRot="1" noChangeAspect="1"/>
+          </p:cNvSpPr>
+          <p:nvPr>
+            <p:ph type="sldImg"/>
+          </p:nvPr>
+        </p:nvSpPr>
+        <p:spPr/>
+      </p:sp>
+      <p:sp>
+        <p:nvSpPr>
+          <p:cNvPr id="3" name="슬라이드 노트 개체 틀 2"/>
+          <p:cNvSpPr>
+            <a:spLocks noGrp="1"/>
+          </p:cNvSpPr>
+          <p:nvPr>
+            <p:ph type="body" idx="1"/>
+          </p:nvPr>
+        </p:nvSpPr>
+        <p:spPr/>
+        <p:txBody>
+          <a:bodyPr/>
+          <a:lstStyle/>
+          <a:p>
+            <a:endParaRPr lang="ko-KR" altLang="en-US" dirty="0"/>
+          </a:p>
+        </p:txBody>
+      </p:sp>
+      <p:sp>
+        <p:nvSpPr>
+          <p:cNvPr id="4" name="슬라이드 번호 개체 틀 3"/>
+          <p:cNvSpPr>
+            <a:spLocks noGrp="1"/>
+          </p:cNvSpPr>
+          <p:nvPr>
+            <p:ph type="sldNum" sz="quarter" idx="10"/>
+          </p:nvPr>
+        </p:nvSpPr>
+        <p:spPr/>
+        <p:txBody>
+          <a:bodyPr/>
+          <a:lstStyle/>
+          <a:p>
+            <a:fld id="{BA5DFA43-8D57-47FB-BC46-057616015C3B}" type="slidenum">
+              <a:rPr lang="ko-KR" altLang="en-US" smtClean="0"/>
+              <a:t>3</a:t>
+            </a:fld>
+            <a:endParaRPr lang="ko-KR" altLang="en-US"/>
+          </a:p>
+        </p:txBody>
+      </p:sp>
+    </p:spTree>
+    <p:extLst>
+      <p:ext uri="{BB962C8B-B14F-4D97-AF65-F5344CB8AC3E}">
         <p14:creationId xmlns:p14="http://schemas.microsoft.com/office/powerpoint/2010/main" val="1942469522"/>
       </p:ext>
     </p:extLst>
@@ -828,7 +913,7 @@
           <a:p>
             <a:fld id="{FB30EDBD-1C2D-4C1E-B459-B60219FAB484}" type="datetimeFigureOut">
               <a:rPr lang="ko-KR" altLang="en-US" smtClean="0"/>
-              <a:t>2018-08-22</a:t>
+              <a:t>2018-08-26</a:t>
             </a:fld>
             <a:endParaRPr lang="ko-KR" altLang="en-US"/>
           </a:p>
@@ -991,7 +1076,7 @@
           <a:p>
             <a:fld id="{FB30EDBD-1C2D-4C1E-B459-B60219FAB484}" type="datetimeFigureOut">
               <a:rPr lang="ko-KR" altLang="en-US" smtClean="0"/>
-              <a:t>2018-08-22</a:t>
+              <a:t>2018-08-26</a:t>
             </a:fld>
             <a:endParaRPr lang="ko-KR" altLang="en-US"/>
           </a:p>
@@ -1164,7 +1249,7 @@
           <a:p>
             <a:fld id="{FB30EDBD-1C2D-4C1E-B459-B60219FAB484}" type="datetimeFigureOut">
               <a:rPr lang="ko-KR" altLang="en-US" smtClean="0"/>
-              <a:t>2018-08-22</a:t>
+              <a:t>2018-08-26</a:t>
             </a:fld>
             <a:endParaRPr lang="ko-KR" altLang="en-US"/>
           </a:p>
@@ -1327,7 +1412,7 @@
           <a:p>
             <a:fld id="{FB30EDBD-1C2D-4C1E-B459-B60219FAB484}" type="datetimeFigureOut">
               <a:rPr lang="ko-KR" altLang="en-US" smtClean="0"/>
-              <a:t>2018-08-22</a:t>
+              <a:t>2018-08-26</a:t>
             </a:fld>
             <a:endParaRPr lang="ko-KR" altLang="en-US"/>
           </a:p>
@@ -1567,7 +1652,7 @@
           <a:p>
             <a:fld id="{FB30EDBD-1C2D-4C1E-B459-B60219FAB484}" type="datetimeFigureOut">
               <a:rPr lang="ko-KR" altLang="en-US" smtClean="0"/>
-              <a:t>2018-08-22</a:t>
+              <a:t>2018-08-26</a:t>
             </a:fld>
             <a:endParaRPr lang="ko-KR" altLang="en-US"/>
           </a:p>
@@ -1847,7 +1932,7 @@
           <a:p>
             <a:fld id="{FB30EDBD-1C2D-4C1E-B459-B60219FAB484}" type="datetimeFigureOut">
               <a:rPr lang="ko-KR" altLang="en-US" smtClean="0"/>
-              <a:t>2018-08-22</a:t>
+              <a:t>2018-08-26</a:t>
             </a:fld>
             <a:endParaRPr lang="ko-KR" altLang="en-US"/>
           </a:p>
@@ -2261,7 +2346,7 @@
           <a:p>
             <a:fld id="{FB30EDBD-1C2D-4C1E-B459-B60219FAB484}" type="datetimeFigureOut">
               <a:rPr lang="ko-KR" altLang="en-US" smtClean="0"/>
-              <a:t>2018-08-22</a:t>
+              <a:t>2018-08-26</a:t>
             </a:fld>
             <a:endParaRPr lang="ko-KR" altLang="en-US"/>
           </a:p>
@@ -2373,7 +2458,7 @@
           <a:p>
             <a:fld id="{FB30EDBD-1C2D-4C1E-B459-B60219FAB484}" type="datetimeFigureOut">
               <a:rPr lang="ko-KR" altLang="en-US" smtClean="0"/>
-              <a:t>2018-08-22</a:t>
+              <a:t>2018-08-26</a:t>
             </a:fld>
             <a:endParaRPr lang="ko-KR" altLang="en-US"/>
           </a:p>
@@ -2463,7 +2548,7 @@
           <a:p>
             <a:fld id="{FB30EDBD-1C2D-4C1E-B459-B60219FAB484}" type="datetimeFigureOut">
               <a:rPr lang="ko-KR" altLang="en-US" smtClean="0"/>
-              <a:t>2018-08-22</a:t>
+              <a:t>2018-08-26</a:t>
             </a:fld>
             <a:endParaRPr lang="ko-KR" altLang="en-US"/>
           </a:p>
@@ -2733,7 +2818,7 @@
           <a:p>
             <a:fld id="{FB30EDBD-1C2D-4C1E-B459-B60219FAB484}" type="datetimeFigureOut">
               <a:rPr lang="ko-KR" altLang="en-US" smtClean="0"/>
-              <a:t>2018-08-22</a:t>
+              <a:t>2018-08-26</a:t>
             </a:fld>
             <a:endParaRPr lang="ko-KR" altLang="en-US"/>
           </a:p>
@@ -2980,7 +3065,7 @@
           <a:p>
             <a:fld id="{FB30EDBD-1C2D-4C1E-B459-B60219FAB484}" type="datetimeFigureOut">
               <a:rPr lang="ko-KR" altLang="en-US" smtClean="0"/>
-              <a:t>2018-08-22</a:t>
+              <a:t>2018-08-26</a:t>
             </a:fld>
             <a:endParaRPr lang="ko-KR" altLang="en-US"/>
           </a:p>
@@ -3186,7 +3271,7 @@
           <a:p>
             <a:fld id="{FB30EDBD-1C2D-4C1E-B459-B60219FAB484}" type="datetimeFigureOut">
               <a:rPr lang="ko-KR" altLang="en-US" smtClean="0"/>
-              <a:t>2018-08-22</a:t>
+              <a:t>2018-08-26</a:t>
             </a:fld>
             <a:endParaRPr lang="ko-KR" altLang="en-US"/>
           </a:p>
@@ -3600,8 +3685,8 @@
         </p:nvSpPr>
         <p:spPr>
           <a:xfrm>
-            <a:off x="1691680" y="1059582"/>
-            <a:ext cx="2520652" cy="3528392"/>
+            <a:off x="2411760" y="2841684"/>
+            <a:ext cx="2520652" cy="1800200"/>
           </a:xfrm>
           <a:prstGeom prst="roundRect">
             <a:avLst>
@@ -3631,7 +3716,7 @@
             <a:pPr algn="ctr"/>
             <a:r>
               <a:rPr lang="en-US" altLang="ko-KR" sz="1600"/>
-              <a:t>Node</a:t>
+              <a:t>Node B</a:t>
             </a:r>
             <a:endParaRPr lang="ko-KR" altLang="en-US" sz="1600" dirty="0"/>
           </a:p>
@@ -3651,8 +3736,8 @@
         </p:nvSpPr>
         <p:spPr>
           <a:xfrm>
-            <a:off x="1799878" y="1153288"/>
-            <a:ext cx="2304256" cy="3074646"/>
+            <a:off x="2519958" y="2985700"/>
+            <a:ext cx="2304256" cy="1296144"/>
           </a:xfrm>
           <a:prstGeom prst="roundRect">
             <a:avLst>
@@ -3681,8 +3766,12 @@
           <a:p>
             <a:pPr algn="ctr"/>
             <a:r>
+              <a:rPr lang="en-US" altLang="ko-KR" sz="1400" b="1"/>
+              <a:t>flanneld </a:t>
+            </a:r>
+            <a:r>
               <a:rPr lang="en-US" altLang="ko-KR" sz="1400" b="1" dirty="0"/>
-              <a:t>calico-node Container</a:t>
+              <a:t>Container</a:t>
             </a:r>
           </a:p>
           <a:p>
@@ -3700,10 +3789,10 @@
       </p:sp>
       <p:sp>
         <p:nvSpPr>
-          <p:cNvPr id="43" name="모서리가 둥근 직사각형 75">
+          <p:cNvPr id="46" name="모서리가 둥근 직사각형 75">
             <a:extLst>
               <a:ext uri="{FF2B5EF4-FFF2-40B4-BE49-F238E27FC236}">
-                <a16:creationId xmlns:a16="http://schemas.microsoft.com/office/drawing/2014/main" id="{9DEDB479-C1E5-4779-9F62-829F1D8593EE}"/>
+                <a16:creationId xmlns:a16="http://schemas.microsoft.com/office/drawing/2014/main" id="{2EBEE14D-89BD-4822-AD15-7105D7141912}"/>
               </a:ext>
             </a:extLst>
           </p:cNvPr>
@@ -3712,7 +3801,7 @@
         </p:nvSpPr>
         <p:spPr>
           <a:xfrm>
-            <a:off x="1928681" y="2175526"/>
+            <a:off x="2648761" y="3129716"/>
             <a:ext cx="2046650" cy="576064"/>
           </a:xfrm>
           <a:prstGeom prst="roundRect">
@@ -3742,8 +3831,8 @@
           <a:p>
             <a:pPr algn="ctr"/>
             <a:r>
-              <a:rPr lang="en-US" altLang="ko-KR" sz="1400" dirty="0" err="1"/>
-              <a:t>confd</a:t>
+              <a:rPr lang="en-US" altLang="ko-KR" sz="1400"/>
+              <a:t>flanneld</a:t>
             </a:r>
             <a:endParaRPr lang="ko-KR" altLang="en-US" sz="1400" dirty="0"/>
           </a:p>
@@ -3751,113 +3840,7 @@
       </p:sp>
       <p:sp>
         <p:nvSpPr>
-          <p:cNvPr id="45" name="모서리가 둥근 직사각형 75">
-            <a:extLst>
-              <a:ext uri="{FF2B5EF4-FFF2-40B4-BE49-F238E27FC236}">
-                <a16:creationId xmlns:a16="http://schemas.microsoft.com/office/drawing/2014/main" id="{07DA784D-B34A-413D-A378-7A7B113637C1}"/>
-              </a:ext>
-            </a:extLst>
-          </p:cNvPr>
-          <p:cNvSpPr/>
-          <p:nvPr/>
-        </p:nvSpPr>
-        <p:spPr>
-          <a:xfrm>
-            <a:off x="1928681" y="1297547"/>
-            <a:ext cx="2046650" cy="576064"/>
-          </a:xfrm>
-          <a:prstGeom prst="roundRect">
-            <a:avLst>
-              <a:gd name="adj" fmla="val 20612"/>
-            </a:avLst>
-          </a:prstGeom>
-          <a:ln/>
-        </p:spPr>
-        <p:style>
-          <a:lnRef idx="2">
-            <a:schemeClr val="dk1"/>
-          </a:lnRef>
-          <a:fillRef idx="1">
-            <a:schemeClr val="lt1"/>
-          </a:fillRef>
-          <a:effectRef idx="0">
-            <a:schemeClr val="dk1"/>
-          </a:effectRef>
-          <a:fontRef idx="minor">
-            <a:schemeClr val="dk1"/>
-          </a:fontRef>
-        </p:style>
-        <p:txBody>
-          <a:bodyPr rtlCol="0" anchor="ctr"/>
-          <a:lstStyle/>
-          <a:p>
-            <a:pPr algn="ctr"/>
-            <a:r>
-              <a:rPr lang="en-US" altLang="ko-KR" sz="1400"/>
-              <a:t>bird</a:t>
-            </a:r>
-            <a:endParaRPr lang="ko-KR" altLang="en-US" sz="1400" dirty="0"/>
-          </a:p>
-        </p:txBody>
-      </p:sp>
-      <p:sp>
-        <p:nvSpPr>
-          <p:cNvPr id="46" name="모서리가 둥근 직사각형 75">
-            <a:extLst>
-              <a:ext uri="{FF2B5EF4-FFF2-40B4-BE49-F238E27FC236}">
-                <a16:creationId xmlns:a16="http://schemas.microsoft.com/office/drawing/2014/main" id="{2EBEE14D-89BD-4822-AD15-7105D7141912}"/>
-              </a:ext>
-            </a:extLst>
-          </p:cNvPr>
-          <p:cNvSpPr/>
-          <p:nvPr/>
-        </p:nvSpPr>
-        <p:spPr>
-          <a:xfrm>
-            <a:off x="1928681" y="3075806"/>
-            <a:ext cx="2046650" cy="576064"/>
-          </a:xfrm>
-          <a:prstGeom prst="roundRect">
-            <a:avLst>
-              <a:gd name="adj" fmla="val 20612"/>
-            </a:avLst>
-          </a:prstGeom>
-          <a:ln/>
-        </p:spPr>
-        <p:style>
-          <a:lnRef idx="2">
-            <a:schemeClr val="dk1"/>
-          </a:lnRef>
-          <a:fillRef idx="1">
-            <a:schemeClr val="lt1"/>
-          </a:fillRef>
-          <a:effectRef idx="0">
-            <a:schemeClr val="dk1"/>
-          </a:effectRef>
-          <a:fontRef idx="minor">
-            <a:schemeClr val="dk1"/>
-          </a:fontRef>
-        </p:style>
-        <p:txBody>
-          <a:bodyPr rtlCol="0" anchor="ctr"/>
-          <a:lstStyle/>
-          <a:p>
-            <a:pPr algn="ctr"/>
-            <a:r>
-              <a:rPr lang="en-US" altLang="ko-KR" sz="1400" dirty="0"/>
-              <a:t>calico-</a:t>
-            </a:r>
-            <a:r>
-              <a:rPr lang="en-US" altLang="ko-KR" sz="1400" dirty="0" err="1"/>
-              <a:t>felix</a:t>
-            </a:r>
-            <a:endParaRPr lang="ko-KR" altLang="en-US" sz="1400" dirty="0"/>
-          </a:p>
-        </p:txBody>
-      </p:sp>
-      <p:sp>
-        <p:nvSpPr>
-          <p:cNvPr id="23" name="모서리가 둥근 직사각형 75">
+          <p:cNvPr id="8" name="모서리가 둥근 직사각형 75">
             <a:extLst>
               <a:ext uri="{FF2B5EF4-FFF2-40B4-BE49-F238E27FC236}">
                 <a16:creationId xmlns:a16="http://schemas.microsoft.com/office/drawing/2014/main" id="{9DEDB479-C1E5-4779-9F62-829F1D8593EE}"/>
@@ -3869,8 +3852,8 @@
         </p:nvSpPr>
         <p:spPr>
           <a:xfrm>
-            <a:off x="4860032" y="1059582"/>
-            <a:ext cx="1152128" cy="1403976"/>
+            <a:off x="5292080" y="2043311"/>
+            <a:ext cx="1152128" cy="1440160"/>
           </a:xfrm>
           <a:prstGeom prst="roundRect">
             <a:avLst>
@@ -3899,23 +3882,8 @@
           <a:p>
             <a:pPr algn="ctr"/>
             <a:r>
-              <a:rPr lang="en-US" altLang="ko-KR" sz="1400"/>
-              <a:t>BGP Route</a:t>
-            </a:r>
-            <a:endParaRPr lang="en-US" altLang="ko-KR" sz="1400" dirty="0"/>
-          </a:p>
-          <a:p>
-            <a:pPr algn="ctr"/>
-            <a:r>
-              <a:rPr lang="en-US" altLang="ko-KR" sz="1400"/>
-              <a:t>Reflector</a:t>
-            </a:r>
-          </a:p>
-          <a:p>
-            <a:pPr algn="ctr"/>
-            <a:r>
-              <a:rPr lang="en-US" altLang="ko-KR" sz="1400"/>
-              <a:t>(bird)</a:t>
+              <a:rPr lang="en-US" altLang="ko-KR" sz="1400" dirty="0" err="1"/>
+              <a:t>etcd</a:t>
             </a:r>
             <a:endParaRPr lang="ko-KR" altLang="en-US" sz="1400" dirty="0"/>
           </a:p>
@@ -3923,17 +3891,18 @@
       </p:sp>
       <p:cxnSp>
         <p:nvCxnSpPr>
-          <p:cNvPr id="26" name="직선 화살표 연결선 25"/>
+          <p:cNvPr id="16" name="직선 화살표 연결선 15"/>
           <p:cNvCxnSpPr>
-            <a:stCxn id="45" idx="3"/>
-            <a:endCxn id="23" idx="1"/>
+            <a:cxnSpLocks/>
+            <a:stCxn id="46" idx="3"/>
+            <a:endCxn id="8" idx="1"/>
           </p:cNvCxnSpPr>
           <p:nvPr/>
         </p:nvCxnSpPr>
         <p:spPr>
-          <a:xfrm>
-            <a:off x="3975331" y="1585579"/>
-            <a:ext cx="884701" cy="175991"/>
+          <a:xfrm flipV="1">
+            <a:off x="4695411" y="2763391"/>
+            <a:ext cx="596669" cy="654357"/>
           </a:xfrm>
           <a:prstGeom prst="straightConnector1">
             <a:avLst/>
@@ -3961,93 +3930,12 @@
           </a:fontRef>
         </p:style>
       </p:cxnSp>
-      <p:pic>
-        <p:nvPicPr>
-          <p:cNvPr id="30" name="Picture 2" descr="C:\Users\Tmax\Desktop\Network-Router-icon.png"/>
-          <p:cNvPicPr>
-            <a:picLocks noChangeAspect="1" noChangeArrowheads="1"/>
-          </p:cNvPicPr>
-          <p:nvPr/>
-        </p:nvPicPr>
-        <p:blipFill>
-          <a:blip r:embed="rId3" cstate="print">
-            <a:extLst>
-              <a:ext uri="{28A0092B-C50C-407E-A947-70E740481C1C}">
-                <a14:useLocalDpi xmlns:a14="http://schemas.microsoft.com/office/drawing/2010/main" val="0"/>
-              </a:ext>
-            </a:extLst>
-          </a:blip>
-          <a:srcRect/>
-          <a:stretch>
-            <a:fillRect/>
-          </a:stretch>
-        </p:blipFill>
-        <p:spPr bwMode="auto">
-          <a:xfrm>
-            <a:off x="6919971" y="2271484"/>
-            <a:ext cx="604357" cy="576398"/>
-          </a:xfrm>
-          <a:prstGeom prst="rect">
-            <a:avLst/>
-          </a:prstGeom>
-          <a:noFill/>
-          <a:extLst>
-            <a:ext uri="{909E8E84-426E-40DD-AFC4-6F175D3DCCD1}">
-              <a14:hiddenFill xmlns:a14="http://schemas.microsoft.com/office/drawing/2010/main">
-                <a:solidFill>
-                  <a:srgbClr val="FFFFFF"/>
-                </a:solidFill>
-              </a14:hiddenFill>
-            </a:ext>
-          </a:extLst>
-        </p:spPr>
-      </p:pic>
-      <p:cxnSp>
-        <p:nvCxnSpPr>
-          <p:cNvPr id="31" name="직선 화살표 연결선 30"/>
-          <p:cNvCxnSpPr>
-            <a:stCxn id="23" idx="3"/>
-            <a:endCxn id="30" idx="1"/>
-          </p:cNvCxnSpPr>
-          <p:nvPr/>
-        </p:nvCxnSpPr>
-        <p:spPr>
-          <a:xfrm>
-            <a:off x="6012160" y="1761570"/>
-            <a:ext cx="907811" cy="798113"/>
-          </a:xfrm>
-          <a:prstGeom prst="straightConnector1">
-            <a:avLst/>
-          </a:prstGeom>
-          <a:ln w="19050">
-            <a:solidFill>
-              <a:schemeClr val="tx1"/>
-            </a:solidFill>
-            <a:headEnd type="arrow" w="med" len="med"/>
-            <a:tailEnd type="arrow" w="med" len="med"/>
-          </a:ln>
-        </p:spPr>
-        <p:style>
-          <a:lnRef idx="1">
-            <a:schemeClr val="accent1"/>
-          </a:lnRef>
-          <a:fillRef idx="0">
-            <a:schemeClr val="accent1"/>
-          </a:fillRef>
-          <a:effectRef idx="0">
-            <a:schemeClr val="accent1"/>
-          </a:effectRef>
-          <a:fontRef idx="minor">
-            <a:schemeClr val="tx1"/>
-          </a:fontRef>
-        </p:style>
-      </p:cxnSp>
-      <p:sp>
-        <p:nvSpPr>
-          <p:cNvPr id="34" name="모서리가 둥근 직사각형 44">
+      <p:sp>
+        <p:nvSpPr>
+          <p:cNvPr id="18" name="모서리가 둥근 직사각형 44">
             <a:extLst>
               <a:ext uri="{FF2B5EF4-FFF2-40B4-BE49-F238E27FC236}">
-                <a16:creationId xmlns:a16="http://schemas.microsoft.com/office/drawing/2014/main" id="{2DBA49E2-5203-48AC-9D0B-4B3C58EE231E}"/>
+                <a16:creationId xmlns:a16="http://schemas.microsoft.com/office/drawing/2014/main" id="{0518FDB4-43E9-46EA-87A2-948622A90385}"/>
               </a:ext>
             </a:extLst>
           </p:cNvPr>
@@ -4056,113 +3944,12 @@
         </p:nvSpPr>
         <p:spPr>
           <a:xfrm>
-            <a:off x="6271898" y="2859782"/>
-            <a:ext cx="1900502" cy="278927"/>
+            <a:off x="2411760" y="915566"/>
+            <a:ext cx="2520652" cy="1800200"/>
           </a:xfrm>
           <a:prstGeom prst="roundRect">
             <a:avLst>
-              <a:gd name="adj" fmla="val 6195"/>
-            </a:avLst>
-          </a:prstGeom>
-          <a:noFill/>
-          <a:ln>
-            <a:noFill/>
-          </a:ln>
-        </p:spPr>
-        <p:style>
-          <a:lnRef idx="2">
-            <a:schemeClr val="dk1"/>
-          </a:lnRef>
-          <a:fillRef idx="1">
-            <a:schemeClr val="lt1"/>
-          </a:fillRef>
-          <a:effectRef idx="0">
-            <a:schemeClr val="dk1"/>
-          </a:effectRef>
-          <a:fontRef idx="minor">
-            <a:schemeClr val="dk1"/>
-          </a:fontRef>
-        </p:style>
-        <p:txBody>
-          <a:bodyPr rtlCol="0" anchor="ctr"/>
-          <a:lstStyle/>
-          <a:p>
-            <a:pPr algn="ctr"/>
-            <a:r>
-              <a:rPr lang="en-US" altLang="ko-KR" sz="1400" dirty="0"/>
-              <a:t>Router</a:t>
-            </a:r>
-            <a:endParaRPr lang="ko-KR" altLang="en-US" sz="1400" dirty="0"/>
-          </a:p>
-        </p:txBody>
-      </p:sp>
-      <p:cxnSp>
-        <p:nvCxnSpPr>
-          <p:cNvPr id="25" name="직선 화살표 연결선 24">
-            <a:extLst>
-              <a:ext uri="{FF2B5EF4-FFF2-40B4-BE49-F238E27FC236}">
-                <a16:creationId xmlns:a16="http://schemas.microsoft.com/office/drawing/2014/main" id="{0322715C-2F82-4D9D-A92F-23E8E273B0BD}"/>
-              </a:ext>
-            </a:extLst>
-          </p:cNvPr>
-          <p:cNvCxnSpPr>
-            <a:cxnSpLocks/>
-            <a:stCxn id="45" idx="2"/>
-            <a:endCxn id="43" idx="0"/>
-          </p:cNvCxnSpPr>
-          <p:nvPr/>
-        </p:nvCxnSpPr>
-        <p:spPr>
-          <a:xfrm>
-            <a:off x="2952006" y="1873611"/>
-            <a:ext cx="0" cy="301915"/>
-          </a:xfrm>
-          <a:prstGeom prst="straightConnector1">
-            <a:avLst/>
-          </a:prstGeom>
-          <a:ln w="19050">
-            <a:solidFill>
-              <a:schemeClr val="tx1"/>
-            </a:solidFill>
-            <a:headEnd type="arrow" w="med" len="med"/>
-            <a:tailEnd type="none" w="med" len="med"/>
-          </a:ln>
-        </p:spPr>
-        <p:style>
-          <a:lnRef idx="1">
-            <a:schemeClr val="accent1"/>
-          </a:lnRef>
-          <a:fillRef idx="0">
-            <a:schemeClr val="accent1"/>
-          </a:fillRef>
-          <a:effectRef idx="0">
-            <a:schemeClr val="accent1"/>
-          </a:effectRef>
-          <a:fontRef idx="minor">
-            <a:schemeClr val="tx1"/>
-          </a:fontRef>
-        </p:style>
-      </p:cxnSp>
-      <p:sp>
-        <p:nvSpPr>
-          <p:cNvPr id="8" name="모서리가 둥근 직사각형 75">
-            <a:extLst>
-              <a:ext uri="{FF2B5EF4-FFF2-40B4-BE49-F238E27FC236}">
-                <a16:creationId xmlns:a16="http://schemas.microsoft.com/office/drawing/2014/main" id="{9DEDB479-C1E5-4779-9F62-829F1D8593EE}"/>
-              </a:ext>
-            </a:extLst>
-          </p:cNvPr>
-          <p:cNvSpPr/>
-          <p:nvPr/>
-        </p:nvSpPr>
-        <p:spPr>
-          <a:xfrm>
-            <a:off x="4860032" y="3147814"/>
-            <a:ext cx="1152128" cy="1440160"/>
-          </a:xfrm>
-          <a:prstGeom prst="roundRect">
-            <a:avLst>
-              <a:gd name="adj" fmla="val 8720"/>
+              <a:gd name="adj" fmla="val 4480"/>
             </a:avLst>
           </a:prstGeom>
           <a:ln/>
@@ -4182,13 +3969,129 @@
           </a:fontRef>
         </p:style>
         <p:txBody>
+          <a:bodyPr rtlCol="0" anchor="b"/>
+          <a:lstStyle/>
+          <a:p>
+            <a:pPr algn="ctr"/>
+            <a:r>
+              <a:rPr lang="en-US" altLang="ko-KR" sz="1600"/>
+              <a:t>Node A</a:t>
+            </a:r>
+            <a:endParaRPr lang="ko-KR" altLang="en-US" sz="1600" dirty="0"/>
+          </a:p>
+        </p:txBody>
+      </p:sp>
+      <p:sp>
+        <p:nvSpPr>
+          <p:cNvPr id="19" name="모서리가 둥근 직사각형 55">
+            <a:extLst>
+              <a:ext uri="{FF2B5EF4-FFF2-40B4-BE49-F238E27FC236}">
+                <a16:creationId xmlns:a16="http://schemas.microsoft.com/office/drawing/2014/main" id="{E4943E0F-A5A9-421D-87BC-2FEE69A6BC70}"/>
+              </a:ext>
+            </a:extLst>
+          </p:cNvPr>
+          <p:cNvSpPr/>
+          <p:nvPr/>
+        </p:nvSpPr>
+        <p:spPr>
+          <a:xfrm>
+            <a:off x="2519958" y="1059582"/>
+            <a:ext cx="2304256" cy="1296144"/>
+          </a:xfrm>
+          <a:prstGeom prst="roundRect">
+            <a:avLst>
+              <a:gd name="adj" fmla="val 4067"/>
+            </a:avLst>
+          </a:prstGeom>
+          <a:ln/>
+        </p:spPr>
+        <p:style>
+          <a:lnRef idx="2">
+            <a:schemeClr val="dk1"/>
+          </a:lnRef>
+          <a:fillRef idx="1">
+            <a:schemeClr val="lt1"/>
+          </a:fillRef>
+          <a:effectRef idx="0">
+            <a:schemeClr val="dk1"/>
+          </a:effectRef>
+          <a:fontRef idx="minor">
+            <a:schemeClr val="dk1"/>
+          </a:fontRef>
+        </p:style>
+        <p:txBody>
+          <a:bodyPr rtlCol="0" anchor="b"/>
+          <a:lstStyle/>
+          <a:p>
+            <a:pPr algn="ctr"/>
+            <a:r>
+              <a:rPr lang="en-US" altLang="ko-KR" sz="1400" b="1"/>
+              <a:t>flanneld </a:t>
+            </a:r>
+            <a:r>
+              <a:rPr lang="en-US" altLang="ko-KR" sz="1400" b="1" dirty="0"/>
+              <a:t>Container</a:t>
+            </a:r>
+          </a:p>
+          <a:p>
+            <a:pPr algn="ctr"/>
+            <a:r>
+              <a:rPr lang="en-US" altLang="ko-KR" sz="1200" b="1"/>
+              <a:t>(Node </a:t>
+            </a:r>
+            <a:r>
+              <a:rPr lang="en-US" altLang="ko-KR" sz="1200" b="1" dirty="0"/>
+              <a:t>Network Namespace)</a:t>
+            </a:r>
+          </a:p>
+        </p:txBody>
+      </p:sp>
+      <p:sp>
+        <p:nvSpPr>
+          <p:cNvPr id="20" name="모서리가 둥근 직사각형 75">
+            <a:extLst>
+              <a:ext uri="{FF2B5EF4-FFF2-40B4-BE49-F238E27FC236}">
+                <a16:creationId xmlns:a16="http://schemas.microsoft.com/office/drawing/2014/main" id="{6B09E18D-5232-497D-B8C8-D333B06EF142}"/>
+              </a:ext>
+            </a:extLst>
+          </p:cNvPr>
+          <p:cNvSpPr/>
+          <p:nvPr/>
+        </p:nvSpPr>
+        <p:spPr>
+          <a:xfrm>
+            <a:off x="2648761" y="1203598"/>
+            <a:ext cx="2046650" cy="576064"/>
+          </a:xfrm>
+          <a:prstGeom prst="roundRect">
+            <a:avLst>
+              <a:gd name="adj" fmla="val 20612"/>
+            </a:avLst>
+          </a:prstGeom>
+          <a:ln/>
+        </p:spPr>
+        <p:style>
+          <a:lnRef idx="2">
+            <a:schemeClr val="dk1"/>
+          </a:lnRef>
+          <a:fillRef idx="1">
+            <a:schemeClr val="lt1"/>
+          </a:fillRef>
+          <a:effectRef idx="0">
+            <a:schemeClr val="dk1"/>
+          </a:effectRef>
+          <a:fontRef idx="minor">
+            <a:schemeClr val="dk1"/>
+          </a:fontRef>
+        </p:style>
+        <p:txBody>
           <a:bodyPr rtlCol="0" anchor="ctr"/>
           <a:lstStyle/>
           <a:p>
             <a:pPr algn="ctr"/>
             <a:r>
-              <a:rPr lang="en-US" altLang="ko-KR" sz="1400" dirty="0" err="1"/>
-              <a:t>etcd</a:t>
+              <a:rPr lang="en-US" altLang="ko-KR" sz="1400"/>
+              <a:t>flanneld</a:t>
             </a:r>
             <a:endParaRPr lang="ko-KR" altLang="en-US" sz="1400" dirty="0"/>
           </a:p>
@@ -4199,56 +4102,15 @@
           <p:cNvPr id="3" name="직선 화살표 연결선 2"/>
           <p:cNvCxnSpPr>
             <a:cxnSpLocks/>
-            <a:stCxn id="43" idx="3"/>
+            <a:stCxn id="20" idx="3"/>
             <a:endCxn id="8" idx="1"/>
           </p:cNvCxnSpPr>
           <p:nvPr/>
         </p:nvCxnSpPr>
         <p:spPr>
           <a:xfrm>
-            <a:off x="3975331" y="2463558"/>
-            <a:ext cx="884701" cy="1404336"/>
-          </a:xfrm>
-          <a:prstGeom prst="straightConnector1">
-            <a:avLst/>
-          </a:prstGeom>
-          <a:ln w="19050">
-            <a:solidFill>
-              <a:schemeClr val="tx1"/>
-            </a:solidFill>
-            <a:headEnd type="arrow" w="med" len="med"/>
-            <a:tailEnd type="arrow" w="med" len="med"/>
-          </a:ln>
-        </p:spPr>
-        <p:style>
-          <a:lnRef idx="1">
-            <a:schemeClr val="accent1"/>
-          </a:lnRef>
-          <a:fillRef idx="0">
-            <a:schemeClr val="accent1"/>
-          </a:fillRef>
-          <a:effectRef idx="0">
-            <a:schemeClr val="accent1"/>
-          </a:effectRef>
-          <a:fontRef idx="minor">
-            <a:schemeClr val="tx1"/>
-          </a:fontRef>
-        </p:style>
-      </p:cxnSp>
-      <p:cxnSp>
-        <p:nvCxnSpPr>
-          <p:cNvPr id="16" name="직선 화살표 연결선 15"/>
-          <p:cNvCxnSpPr>
-            <a:cxnSpLocks/>
-            <a:stCxn id="46" idx="3"/>
-            <a:endCxn id="8" idx="1"/>
-          </p:cNvCxnSpPr>
-          <p:nvPr/>
-        </p:nvCxnSpPr>
-        <p:spPr>
-          <a:xfrm>
-            <a:off x="3975331" y="3363838"/>
-            <a:ext cx="884701" cy="504056"/>
+            <a:off x="4695411" y="1491630"/>
+            <a:ext cx="596669" cy="1271761"/>
           </a:xfrm>
           <a:prstGeom prst="straightConnector1">
             <a:avLst/>
@@ -4318,19 +4180,27 @@
         </p:nvSpPr>
         <p:spPr>
           <a:xfrm>
-            <a:off x="457200" y="-20538"/>
-            <a:ext cx="8229600" cy="857250"/>
+            <a:off x="179512" y="-20538"/>
+            <a:ext cx="8784976" cy="857250"/>
           </a:xfrm>
         </p:spPr>
         <p:txBody>
           <a:bodyPr>
-            <a:normAutofit/>
+            <a:normAutofit fontScale="90000"/>
           </a:bodyPr>
           <a:lstStyle/>
           <a:p>
             <a:r>
+              <a:rPr lang="en-US" altLang="ko-KR"/>
+              <a:t>Flannel </a:t>
+            </a:r>
+            <a:r>
               <a:rPr lang="en-US" altLang="ko-KR" dirty="0"/>
-              <a:t>Calico Network with IP-in-IP</a:t>
+              <a:t>Network </a:t>
+            </a:r>
+            <a:r>
+              <a:rPr lang="en-US" altLang="ko-KR"/>
+              <a:t>with host gw mode</a:t>
             </a:r>
             <a:endParaRPr lang="ko-KR" altLang="en-US" dirty="0"/>
           </a:p>
@@ -4350,8 +4220,8 @@
         </p:nvSpPr>
         <p:spPr>
           <a:xfrm>
-            <a:off x="683568" y="843558"/>
-            <a:ext cx="3456384" cy="3528392"/>
+            <a:off x="457200" y="771551"/>
+            <a:ext cx="3682752" cy="3816420"/>
           </a:xfrm>
           <a:prstGeom prst="roundRect">
             <a:avLst>
@@ -4385,61 +4255,10 @@
           </a:p>
           <a:p>
             <a:r>
-              <a:rPr lang="en-US" altLang="ko-KR" sz="1600" b="1" dirty="0"/>
-              <a:t>(192.168.2.192/26)</a:t>
+              <a:rPr lang="en-US" altLang="ko-KR" sz="1600" b="1"/>
+              <a:t>(10.244.1.0/24)</a:t>
             </a:r>
             <a:endParaRPr lang="ko-KR" altLang="en-US" sz="1600" b="1" dirty="0"/>
-          </a:p>
-        </p:txBody>
-      </p:sp>
-      <p:sp>
-        <p:nvSpPr>
-          <p:cNvPr id="4" name="모서리가 둥근 직사각형 44">
-            <a:extLst>
-              <a:ext uri="{FF2B5EF4-FFF2-40B4-BE49-F238E27FC236}">
-                <a16:creationId xmlns:a16="http://schemas.microsoft.com/office/drawing/2014/main" id="{2DBA49E2-5203-48AC-9D0B-4B3C58EE231E}"/>
-              </a:ext>
-            </a:extLst>
-          </p:cNvPr>
-          <p:cNvSpPr/>
-          <p:nvPr/>
-        </p:nvSpPr>
-        <p:spPr>
-          <a:xfrm>
-            <a:off x="827584" y="987574"/>
-            <a:ext cx="3168352" cy="720080"/>
-          </a:xfrm>
-          <a:prstGeom prst="roundRect">
-            <a:avLst>
-              <a:gd name="adj" fmla="val 6195"/>
-            </a:avLst>
-          </a:prstGeom>
-          <a:ln/>
-        </p:spPr>
-        <p:style>
-          <a:lnRef idx="2">
-            <a:schemeClr val="dk1"/>
-          </a:lnRef>
-          <a:fillRef idx="1">
-            <a:schemeClr val="lt1"/>
-          </a:fillRef>
-          <a:effectRef idx="0">
-            <a:schemeClr val="dk1"/>
-          </a:effectRef>
-          <a:fontRef idx="minor">
-            <a:schemeClr val="dk1"/>
-          </a:fontRef>
-        </p:style>
-        <p:txBody>
-          <a:bodyPr rtlCol="0" anchor="t"/>
-          <a:lstStyle/>
-          <a:p>
-            <a:pPr algn="ctr"/>
-            <a:r>
-              <a:rPr lang="en-US" altLang="ko-KR" sz="1600" dirty="0"/>
-              <a:t>Container A </a:t>
-            </a:r>
-            <a:endParaRPr lang="ko-KR" altLang="en-US" sz="1600" dirty="0"/>
           </a:p>
         </p:txBody>
       </p:sp>
@@ -4452,14 +4271,14 @@
           <p:nvPr>
             <p:extLst>
               <p:ext uri="{D42A27DB-BD31-4B8C-83A1-F6EECF244321}">
-                <p14:modId xmlns:p14="http://schemas.microsoft.com/office/powerpoint/2010/main" val="3190202930"/>
+                <p14:modId xmlns:p14="http://schemas.microsoft.com/office/powerpoint/2010/main" val="867162018"/>
               </p:ext>
             </p:extLst>
           </p:nvPr>
         </p:nvGraphicFramePr>
         <p:xfrm>
-          <a:off x="899592" y="2355726"/>
-          <a:ext cx="3024336" cy="1112520"/>
+          <a:off x="620530" y="2393826"/>
+          <a:ext cx="3356356" cy="937683"/>
         </p:xfrm>
         <a:graphic>
           <a:graphicData uri="http://schemas.openxmlformats.org/drawingml/2006/table">
@@ -4468,14 +4287,21 @@
                 <a:tableStyleId>{2D5ABB26-0587-4C30-8999-92F81FD0307C}</a:tableStyleId>
               </a:tblPr>
               <a:tblGrid>
-                <a:gridCol w="1656184">
+                <a:gridCol w="1340134">
                   <a:extLst>
                     <a:ext uri="{9D8B030D-6E8A-4147-A177-3AD203B41FA5}">
                       <a16:colId xmlns:a16="http://schemas.microsoft.com/office/drawing/2014/main" val="20000"/>
                     </a:ext>
                   </a:extLst>
                 </a:gridCol>
-                <a:gridCol w="1368152">
+                <a:gridCol w="1112589">
+                  <a:extLst>
+                    <a:ext uri="{9D8B030D-6E8A-4147-A177-3AD203B41FA5}">
+                      <a16:colId xmlns:a16="http://schemas.microsoft.com/office/drawing/2014/main" val="959866616"/>
+                    </a:ext>
+                  </a:extLst>
+                </a:gridCol>
+                <a:gridCol w="903633">
                   <a:extLst>
                     <a:ext uri="{9D8B030D-6E8A-4147-A177-3AD203B41FA5}">
                       <a16:colId xmlns:a16="http://schemas.microsoft.com/office/drawing/2014/main" val="20001"/>
@@ -4483,7 +4309,7 @@
                   </a:extLst>
                 </a:gridCol>
               </a:tblGrid>
-              <a:tr h="370840">
+              <a:tr h="312561">
                 <a:tc>
                   <a:txBody>
                     <a:bodyPr/>
@@ -4493,6 +4319,58 @@
                       <a:r>
                         <a:rPr lang="en-US" altLang="ko-KR" sz="1400" dirty="0"/>
                         <a:t>10.0.0.1/24</a:t>
+                      </a:r>
+                      <a:endParaRPr lang="ko-KR" altLang="en-US" sz="1400" dirty="0"/>
+                    </a:p>
+                  </a:txBody>
+                  <a:tcPr>
+                    <a:lnL w="19050" cap="flat" cmpd="sng" algn="ctr">
+                      <a:solidFill>
+                        <a:schemeClr val="tx1"/>
+                      </a:solidFill>
+                      <a:prstDash val="solid"/>
+                      <a:round/>
+                      <a:headEnd type="none" w="med" len="med"/>
+                      <a:tailEnd type="none" w="med" len="med"/>
+                    </a:lnL>
+                    <a:lnR w="19050" cap="flat" cmpd="sng" algn="ctr">
+                      <a:solidFill>
+                        <a:schemeClr val="tx1"/>
+                      </a:solidFill>
+                      <a:prstDash val="solid"/>
+                      <a:round/>
+                      <a:headEnd type="none" w="med" len="med"/>
+                      <a:tailEnd type="none" w="med" len="med"/>
+                    </a:lnR>
+                    <a:lnT w="19050" cap="flat" cmpd="sng" algn="ctr">
+                      <a:solidFill>
+                        <a:schemeClr val="tx1"/>
+                      </a:solidFill>
+                      <a:prstDash val="solid"/>
+                      <a:round/>
+                      <a:headEnd type="none" w="med" len="med"/>
+                      <a:tailEnd type="none" w="med" len="med"/>
+                    </a:lnT>
+                    <a:lnB w="19050" cap="flat" cmpd="sng" algn="ctr">
+                      <a:solidFill>
+                        <a:schemeClr val="tx1"/>
+                      </a:solidFill>
+                      <a:prstDash val="solid"/>
+                      <a:round/>
+                      <a:headEnd type="none" w="med" len="med"/>
+                      <a:tailEnd type="none" w="med" len="med"/>
+                    </a:lnB>
+                  </a:tcPr>
+                </a:tc>
+                <a:tc>
+                  <a:txBody>
+                    <a:bodyPr/>
+                    <a:lstStyle/>
+                    <a:p>
+                      <a:pPr latinLnBrk="1"/>
+                      <a:r>
+                        <a:rPr lang="en-US" altLang="ko-KR" sz="1400"/>
+                        <a:t>0.0.0.0</a:t>
                       </a:r>
                       <a:endParaRPr lang="ko-KR" altLang="en-US" sz="1400" dirty="0"/>
                     </a:p>
@@ -4594,7 +4472,7 @@
                   </a:ext>
                 </a:extLst>
               </a:tr>
-              <a:tr h="370840">
+              <a:tr h="312561">
                 <a:tc>
                   <a:txBody>
                     <a:bodyPr/>
@@ -4602,8 +4480,8 @@
                     <a:p>
                       <a:pPr latinLnBrk="1"/>
                       <a:r>
-                        <a:rPr lang="en-US" altLang="ko-KR" sz="1400" dirty="0"/>
-                        <a:t>192.168.3.192/26</a:t>
+                        <a:rPr lang="en-US" altLang="ko-KR" sz="1400"/>
+                        <a:t>10.244.1.0/24</a:t>
                       </a:r>
                       <a:endParaRPr lang="ko-KR" altLang="en-US" sz="1400" dirty="0"/>
                     </a:p>
@@ -4654,67 +4532,8 @@
                     <a:p>
                       <a:pPr latinLnBrk="1"/>
                       <a:r>
-                        <a:rPr lang="en-US" altLang="ko-KR" sz="1400" dirty="0" err="1"/>
-                        <a:t>tunl0</a:t>
-                      </a:r>
-                      <a:endParaRPr lang="ko-KR" altLang="en-US" sz="1400" dirty="0"/>
-                    </a:p>
-                  </a:txBody>
-                  <a:tcPr>
-                    <a:lnL w="19050" cap="flat" cmpd="sng" algn="ctr">
-                      <a:solidFill>
-                        <a:schemeClr val="tx1"/>
-                      </a:solidFill>
-                      <a:prstDash val="solid"/>
-                      <a:round/>
-                      <a:headEnd type="none" w="med" len="med"/>
-                      <a:tailEnd type="none" w="med" len="med"/>
-                    </a:lnL>
-                    <a:lnR w="19050" cap="flat" cmpd="sng" algn="ctr">
-                      <a:solidFill>
-                        <a:schemeClr val="tx1"/>
-                      </a:solidFill>
-                      <a:prstDash val="solid"/>
-                      <a:round/>
-                      <a:headEnd type="none" w="med" len="med"/>
-                      <a:tailEnd type="none" w="med" len="med"/>
-                    </a:lnR>
-                    <a:lnT w="19050" cap="flat" cmpd="sng" algn="ctr">
-                      <a:solidFill>
-                        <a:schemeClr val="tx1"/>
-                      </a:solidFill>
-                      <a:prstDash val="solid"/>
-                      <a:round/>
-                      <a:headEnd type="none" w="med" len="med"/>
-                      <a:tailEnd type="none" w="med" len="med"/>
-                    </a:lnT>
-                    <a:lnB w="19050" cap="flat" cmpd="sng" algn="ctr">
-                      <a:solidFill>
-                        <a:schemeClr val="tx1"/>
-                      </a:solidFill>
-                      <a:prstDash val="solid"/>
-                      <a:round/>
-                      <a:headEnd type="none" w="med" len="med"/>
-                      <a:tailEnd type="none" w="med" len="med"/>
-                    </a:lnB>
-                  </a:tcPr>
-                </a:tc>
-                <a:extLst>
-                  <a:ext uri="{0D108BD9-81ED-4DB2-BD59-A6C34878D82A}">
-                    <a16:rowId xmlns:a16="http://schemas.microsoft.com/office/drawing/2014/main" val="10001"/>
-                  </a:ext>
-                </a:extLst>
-              </a:tr>
-              <a:tr h="370840">
-                <a:tc>
-                  <a:txBody>
-                    <a:bodyPr/>
-                    <a:lstStyle/>
-                    <a:p>
-                      <a:pPr latinLnBrk="1"/>
-                      <a:r>
-                        <a:rPr lang="en-US" altLang="ko-KR" sz="1400" dirty="0"/>
-                        <a:t>192.168.2.10</a:t>
+                        <a:rPr lang="en-US" altLang="ko-KR" sz="1400"/>
+                        <a:t>0.0.0.0</a:t>
                       </a:r>
                       <a:endParaRPr lang="ko-KR" altLang="en-US" sz="1400" dirty="0"/>
                     </a:p>
@@ -4765,8 +4584,171 @@
                     <a:p>
                       <a:pPr latinLnBrk="1"/>
                       <a:r>
-                        <a:rPr lang="en-US" altLang="ko-KR" sz="1400" dirty="0" err="1"/>
-                        <a:t>calixxx</a:t>
+                        <a:rPr lang="en-US" altLang="ko-KR" sz="1400"/>
+                        <a:t>cni0</a:t>
+                      </a:r>
+                      <a:endParaRPr lang="ko-KR" altLang="en-US" sz="1400" dirty="0"/>
+                    </a:p>
+                  </a:txBody>
+                  <a:tcPr>
+                    <a:lnL w="19050" cap="flat" cmpd="sng" algn="ctr">
+                      <a:solidFill>
+                        <a:schemeClr val="tx1"/>
+                      </a:solidFill>
+                      <a:prstDash val="solid"/>
+                      <a:round/>
+                      <a:headEnd type="none" w="med" len="med"/>
+                      <a:tailEnd type="none" w="med" len="med"/>
+                    </a:lnL>
+                    <a:lnR w="19050" cap="flat" cmpd="sng" algn="ctr">
+                      <a:solidFill>
+                        <a:schemeClr val="tx1"/>
+                      </a:solidFill>
+                      <a:prstDash val="solid"/>
+                      <a:round/>
+                      <a:headEnd type="none" w="med" len="med"/>
+                      <a:tailEnd type="none" w="med" len="med"/>
+                    </a:lnR>
+                    <a:lnT w="19050" cap="flat" cmpd="sng" algn="ctr">
+                      <a:solidFill>
+                        <a:schemeClr val="tx1"/>
+                      </a:solidFill>
+                      <a:prstDash val="solid"/>
+                      <a:round/>
+                      <a:headEnd type="none" w="med" len="med"/>
+                      <a:tailEnd type="none" w="med" len="med"/>
+                    </a:lnT>
+                    <a:lnB w="19050" cap="flat" cmpd="sng" algn="ctr">
+                      <a:solidFill>
+                        <a:schemeClr val="tx1"/>
+                      </a:solidFill>
+                      <a:prstDash val="solid"/>
+                      <a:round/>
+                      <a:headEnd type="none" w="med" len="med"/>
+                      <a:tailEnd type="none" w="med" len="med"/>
+                    </a:lnB>
+                  </a:tcPr>
+                </a:tc>
+                <a:extLst>
+                  <a:ext uri="{0D108BD9-81ED-4DB2-BD59-A6C34878D82A}">
+                    <a16:rowId xmlns:a16="http://schemas.microsoft.com/office/drawing/2014/main" val="10001"/>
+                  </a:ext>
+                </a:extLst>
+              </a:tr>
+              <a:tr h="312561">
+                <a:tc>
+                  <a:txBody>
+                    <a:bodyPr/>
+                    <a:lstStyle/>
+                    <a:p>
+                      <a:pPr latinLnBrk="1"/>
+                      <a:r>
+                        <a:rPr lang="en-US" altLang="ko-KR" sz="1400"/>
+                        <a:t>10.244.2.0/24</a:t>
+                      </a:r>
+                      <a:endParaRPr lang="ko-KR" altLang="en-US" sz="1400" dirty="0"/>
+                    </a:p>
+                  </a:txBody>
+                  <a:tcPr>
+                    <a:lnL w="19050" cap="flat" cmpd="sng" algn="ctr">
+                      <a:solidFill>
+                        <a:schemeClr val="tx1"/>
+                      </a:solidFill>
+                      <a:prstDash val="solid"/>
+                      <a:round/>
+                      <a:headEnd type="none" w="med" len="med"/>
+                      <a:tailEnd type="none" w="med" len="med"/>
+                    </a:lnL>
+                    <a:lnR w="19050" cap="flat" cmpd="sng" algn="ctr">
+                      <a:solidFill>
+                        <a:schemeClr val="tx1"/>
+                      </a:solidFill>
+                      <a:prstDash val="solid"/>
+                      <a:round/>
+                      <a:headEnd type="none" w="med" len="med"/>
+                      <a:tailEnd type="none" w="med" len="med"/>
+                    </a:lnR>
+                    <a:lnT w="19050" cap="flat" cmpd="sng" algn="ctr">
+                      <a:solidFill>
+                        <a:schemeClr val="tx1"/>
+                      </a:solidFill>
+                      <a:prstDash val="solid"/>
+                      <a:round/>
+                      <a:headEnd type="none" w="med" len="med"/>
+                      <a:tailEnd type="none" w="med" len="med"/>
+                    </a:lnT>
+                    <a:lnB w="19050" cap="flat" cmpd="sng" algn="ctr">
+                      <a:solidFill>
+                        <a:schemeClr val="tx1"/>
+                      </a:solidFill>
+                      <a:prstDash val="solid"/>
+                      <a:round/>
+                      <a:headEnd type="none" w="med" len="med"/>
+                      <a:tailEnd type="none" w="med" len="med"/>
+                    </a:lnB>
+                  </a:tcPr>
+                </a:tc>
+                <a:tc>
+                  <a:txBody>
+                    <a:bodyPr/>
+                    <a:lstStyle/>
+                    <a:p>
+                      <a:pPr latinLnBrk="1"/>
+                      <a:r>
+                        <a:rPr lang="en-US" altLang="ko-KR" sz="1400"/>
+                        <a:t>10.0.0.30</a:t>
+                      </a:r>
+                      <a:endParaRPr lang="ko-KR" altLang="en-US" sz="1400" dirty="0"/>
+                    </a:p>
+                  </a:txBody>
+                  <a:tcPr>
+                    <a:lnL w="19050" cap="flat" cmpd="sng" algn="ctr">
+                      <a:solidFill>
+                        <a:schemeClr val="tx1"/>
+                      </a:solidFill>
+                      <a:prstDash val="solid"/>
+                      <a:round/>
+                      <a:headEnd type="none" w="med" len="med"/>
+                      <a:tailEnd type="none" w="med" len="med"/>
+                    </a:lnL>
+                    <a:lnR w="19050" cap="flat" cmpd="sng" algn="ctr">
+                      <a:solidFill>
+                        <a:schemeClr val="tx1"/>
+                      </a:solidFill>
+                      <a:prstDash val="solid"/>
+                      <a:round/>
+                      <a:headEnd type="none" w="med" len="med"/>
+                      <a:tailEnd type="none" w="med" len="med"/>
+                    </a:lnR>
+                    <a:lnT w="19050" cap="flat" cmpd="sng" algn="ctr">
+                      <a:solidFill>
+                        <a:schemeClr val="tx1"/>
+                      </a:solidFill>
+                      <a:prstDash val="solid"/>
+                      <a:round/>
+                      <a:headEnd type="none" w="med" len="med"/>
+                      <a:tailEnd type="none" w="med" len="med"/>
+                    </a:lnT>
+                    <a:lnB w="19050" cap="flat" cmpd="sng" algn="ctr">
+                      <a:solidFill>
+                        <a:schemeClr val="tx1"/>
+                      </a:solidFill>
+                      <a:prstDash val="solid"/>
+                      <a:round/>
+                      <a:headEnd type="none" w="med" len="med"/>
+                      <a:tailEnd type="none" w="med" len="med"/>
+                    </a:lnB>
+                  </a:tcPr>
+                </a:tc>
+                <a:tc>
+                  <a:txBody>
+                    <a:bodyPr/>
+                    <a:lstStyle/>
+                    <a:p>
+                      <a:pPr latinLnBrk="1"/>
+                      <a:r>
+                        <a:rPr lang="en-US" altLang="ko-KR" sz="1400"/>
+                        <a:t>eth0</a:t>
                       </a:r>
                       <a:endParaRPr lang="ko-KR" altLang="en-US" sz="1400" dirty="0"/>
                     </a:p>
@@ -4822,7 +4804,7 @@
       </p:graphicFrame>
       <p:sp>
         <p:nvSpPr>
-          <p:cNvPr id="7" name="모서리가 둥근 직사각형 44">
+          <p:cNvPr id="13" name="모서리가 둥근 직사각형 44">
             <a:extLst>
               <a:ext uri="{FF2B5EF4-FFF2-40B4-BE49-F238E27FC236}">
                 <a16:creationId xmlns:a16="http://schemas.microsoft.com/office/drawing/2014/main" id="{2DBA49E2-5203-48AC-9D0B-4B3C58EE231E}"/>
@@ -4834,7 +4816,7 @@
         </p:nvSpPr>
         <p:spPr>
           <a:xfrm>
-            <a:off x="1043608" y="1347614"/>
+            <a:off x="2843808" y="3948689"/>
             <a:ext cx="1296144" cy="360040"/>
           </a:xfrm>
           <a:prstGeom prst="roundRect">
@@ -4873,7 +4855,7 @@
       </p:sp>
       <p:sp>
         <p:nvSpPr>
-          <p:cNvPr id="8" name="모서리가 둥근 직사각형 44">
+          <p:cNvPr id="14" name="모서리가 둥근 직사각형 44">
             <a:extLst>
               <a:ext uri="{FF2B5EF4-FFF2-40B4-BE49-F238E27FC236}">
                 <a16:creationId xmlns:a16="http://schemas.microsoft.com/office/drawing/2014/main" id="{2DBA49E2-5203-48AC-9D0B-4B3C58EE231E}"/>
@@ -4885,7 +4867,65 @@
         </p:nvSpPr>
         <p:spPr>
           <a:xfrm>
-            <a:off x="1043608" y="1851670"/>
+            <a:off x="5004048" y="771550"/>
+            <a:ext cx="3682752" cy="3816421"/>
+          </a:xfrm>
+          <a:prstGeom prst="roundRect">
+            <a:avLst>
+              <a:gd name="adj" fmla="val 2406"/>
+            </a:avLst>
+          </a:prstGeom>
+          <a:ln/>
+        </p:spPr>
+        <p:style>
+          <a:lnRef idx="2">
+            <a:schemeClr val="dk1"/>
+          </a:lnRef>
+          <a:fillRef idx="1">
+            <a:schemeClr val="lt1"/>
+          </a:fillRef>
+          <a:effectRef idx="0">
+            <a:schemeClr val="dk1"/>
+          </a:effectRef>
+          <a:fontRef idx="minor">
+            <a:schemeClr val="dk1"/>
+          </a:fontRef>
+        </p:style>
+        <p:txBody>
+          <a:bodyPr rtlCol="0" anchor="b"/>
+          <a:lstStyle/>
+          <a:p>
+            <a:pPr algn="r"/>
+            <a:r>
+              <a:rPr lang="en-US" altLang="ko-KR" sz="1600" b="1" dirty="0"/>
+              <a:t>Node 2 </a:t>
+            </a:r>
+          </a:p>
+          <a:p>
+            <a:pPr algn="r"/>
+            <a:r>
+              <a:rPr lang="en-US" altLang="ko-KR" sz="1600" b="1"/>
+              <a:t>(10.244.2.0/24)</a:t>
+            </a:r>
+            <a:endParaRPr lang="ko-KR" altLang="en-US" sz="1600" b="1" dirty="0"/>
+          </a:p>
+        </p:txBody>
+      </p:sp>
+      <p:sp>
+        <p:nvSpPr>
+          <p:cNvPr id="21" name="모서리가 둥근 직사각형 44">
+            <a:extLst>
+              <a:ext uri="{FF2B5EF4-FFF2-40B4-BE49-F238E27FC236}">
+                <a16:creationId xmlns:a16="http://schemas.microsoft.com/office/drawing/2014/main" id="{2DBA49E2-5203-48AC-9D0B-4B3C58EE231E}"/>
+              </a:ext>
+            </a:extLst>
+          </p:cNvPr>
+          <p:cNvSpPr/>
+          <p:nvPr/>
+        </p:nvSpPr>
+        <p:spPr>
+          <a:xfrm>
+            <a:off x="5004048" y="3948689"/>
             <a:ext cx="1296144" cy="360040"/>
           </a:xfrm>
           <a:prstGeom prst="roundRect">
@@ -4916,880 +4956,6 @@
             <a:pPr algn="ctr"/>
             <a:r>
               <a:rPr lang="en-US" altLang="ko-KR" sz="1400" dirty="0" err="1"/>
-              <a:t>calixxx</a:t>
-            </a:r>
-            <a:endParaRPr lang="ko-KR" altLang="en-US" sz="1400" dirty="0"/>
-          </a:p>
-        </p:txBody>
-      </p:sp>
-      <p:cxnSp>
-        <p:nvCxnSpPr>
-          <p:cNvPr id="10" name="직선 연결선 9"/>
-          <p:cNvCxnSpPr>
-            <a:stCxn id="7" idx="2"/>
-            <a:endCxn id="8" idx="0"/>
-          </p:cNvCxnSpPr>
-          <p:nvPr/>
-        </p:nvCxnSpPr>
-        <p:spPr>
-          <a:xfrm>
-            <a:off x="1691680" y="1707654"/>
-            <a:ext cx="0" cy="144016"/>
-          </a:xfrm>
-          <a:prstGeom prst="line">
-            <a:avLst/>
-          </a:prstGeom>
-          <a:ln w="19050">
-            <a:solidFill>
-              <a:schemeClr val="tx1"/>
-            </a:solidFill>
-          </a:ln>
-        </p:spPr>
-        <p:style>
-          <a:lnRef idx="1">
-            <a:schemeClr val="accent1"/>
-          </a:lnRef>
-          <a:fillRef idx="0">
-            <a:schemeClr val="accent1"/>
-          </a:fillRef>
-          <a:effectRef idx="0">
-            <a:schemeClr val="accent1"/>
-          </a:effectRef>
-          <a:fontRef idx="minor">
-            <a:schemeClr val="tx1"/>
-          </a:fontRef>
-        </p:style>
-      </p:cxnSp>
-      <p:sp>
-        <p:nvSpPr>
-          <p:cNvPr id="11" name="모서리가 둥근 직사각형 44">
-            <a:extLst>
-              <a:ext uri="{FF2B5EF4-FFF2-40B4-BE49-F238E27FC236}">
-                <a16:creationId xmlns:a16="http://schemas.microsoft.com/office/drawing/2014/main" id="{2DBA49E2-5203-48AC-9D0B-4B3C58EE231E}"/>
-              </a:ext>
-            </a:extLst>
-          </p:cNvPr>
-          <p:cNvSpPr/>
-          <p:nvPr/>
-        </p:nvSpPr>
-        <p:spPr>
-          <a:xfrm>
-            <a:off x="2123728" y="1378094"/>
-            <a:ext cx="1676975" cy="288032"/>
-          </a:xfrm>
-          <a:prstGeom prst="roundRect">
-            <a:avLst>
-              <a:gd name="adj" fmla="val 6195"/>
-            </a:avLst>
-          </a:prstGeom>
-          <a:noFill/>
-          <a:ln>
-            <a:noFill/>
-          </a:ln>
-        </p:spPr>
-        <p:style>
-          <a:lnRef idx="2">
-            <a:schemeClr val="dk1"/>
-          </a:lnRef>
-          <a:fillRef idx="1">
-            <a:schemeClr val="lt1"/>
-          </a:fillRef>
-          <a:effectRef idx="0">
-            <a:schemeClr val="dk1"/>
-          </a:effectRef>
-          <a:fontRef idx="minor">
-            <a:schemeClr val="dk1"/>
-          </a:fontRef>
-        </p:style>
-        <p:txBody>
-          <a:bodyPr rtlCol="0" anchor="ctr"/>
-          <a:lstStyle/>
-          <a:p>
-            <a:pPr algn="ctr"/>
-            <a:r>
-              <a:rPr lang="en-US" altLang="ko-KR" sz="1400" dirty="0"/>
-              <a:t>192.168.2.195</a:t>
-            </a:r>
-            <a:endParaRPr lang="ko-KR" altLang="en-US" sz="1400" dirty="0"/>
-          </a:p>
-        </p:txBody>
-      </p:sp>
-      <p:sp>
-        <p:nvSpPr>
-          <p:cNvPr id="13" name="모서리가 둥근 직사각형 44">
-            <a:extLst>
-              <a:ext uri="{FF2B5EF4-FFF2-40B4-BE49-F238E27FC236}">
-                <a16:creationId xmlns:a16="http://schemas.microsoft.com/office/drawing/2014/main" id="{2DBA49E2-5203-48AC-9D0B-4B3C58EE231E}"/>
-              </a:ext>
-            </a:extLst>
-          </p:cNvPr>
-          <p:cNvSpPr/>
-          <p:nvPr/>
-        </p:nvSpPr>
-        <p:spPr>
-          <a:xfrm>
-            <a:off x="2843808" y="3651870"/>
-            <a:ext cx="1296144" cy="360040"/>
-          </a:xfrm>
-          <a:prstGeom prst="roundRect">
-            <a:avLst>
-              <a:gd name="adj" fmla="val 6195"/>
-            </a:avLst>
-          </a:prstGeom>
-          <a:ln/>
-        </p:spPr>
-        <p:style>
-          <a:lnRef idx="2">
-            <a:schemeClr val="dk1"/>
-          </a:lnRef>
-          <a:fillRef idx="1">
-            <a:schemeClr val="lt1"/>
-          </a:fillRef>
-          <a:effectRef idx="0">
-            <a:schemeClr val="dk1"/>
-          </a:effectRef>
-          <a:fontRef idx="minor">
-            <a:schemeClr val="dk1"/>
-          </a:fontRef>
-        </p:style>
-        <p:txBody>
-          <a:bodyPr rtlCol="0" anchor="ctr"/>
-          <a:lstStyle/>
-          <a:p>
-            <a:pPr algn="ctr"/>
-            <a:r>
-              <a:rPr lang="en-US" altLang="ko-KR" sz="1400" dirty="0" err="1"/>
-              <a:t>eth0</a:t>
-            </a:r>
-            <a:endParaRPr lang="ko-KR" altLang="en-US" sz="1400" dirty="0"/>
-          </a:p>
-        </p:txBody>
-      </p:sp>
-      <p:sp>
-        <p:nvSpPr>
-          <p:cNvPr id="14" name="모서리가 둥근 직사각형 44">
-            <a:extLst>
-              <a:ext uri="{FF2B5EF4-FFF2-40B4-BE49-F238E27FC236}">
-                <a16:creationId xmlns:a16="http://schemas.microsoft.com/office/drawing/2014/main" id="{2DBA49E2-5203-48AC-9D0B-4B3C58EE231E}"/>
-              </a:ext>
-            </a:extLst>
-          </p:cNvPr>
-          <p:cNvSpPr/>
-          <p:nvPr/>
-        </p:nvSpPr>
-        <p:spPr>
-          <a:xfrm>
-            <a:off x="5004048" y="843558"/>
-            <a:ext cx="3456384" cy="3528392"/>
-          </a:xfrm>
-          <a:prstGeom prst="roundRect">
-            <a:avLst>
-              <a:gd name="adj" fmla="val 2406"/>
-            </a:avLst>
-          </a:prstGeom>
-          <a:ln/>
-        </p:spPr>
-        <p:style>
-          <a:lnRef idx="2">
-            <a:schemeClr val="dk1"/>
-          </a:lnRef>
-          <a:fillRef idx="1">
-            <a:schemeClr val="lt1"/>
-          </a:fillRef>
-          <a:effectRef idx="0">
-            <a:schemeClr val="dk1"/>
-          </a:effectRef>
-          <a:fontRef idx="minor">
-            <a:schemeClr val="dk1"/>
-          </a:fontRef>
-        </p:style>
-        <p:txBody>
-          <a:bodyPr rtlCol="0" anchor="b"/>
-          <a:lstStyle/>
-          <a:p>
-            <a:pPr algn="r"/>
-            <a:r>
-              <a:rPr lang="en-US" altLang="ko-KR" sz="1600" b="1" dirty="0"/>
-              <a:t>Node 2 </a:t>
-            </a:r>
-          </a:p>
-          <a:p>
-            <a:pPr algn="r"/>
-            <a:r>
-              <a:rPr lang="en-US" altLang="ko-KR" sz="1600" b="1" dirty="0"/>
-              <a:t>(192.168.3.192/26)</a:t>
-            </a:r>
-            <a:endParaRPr lang="ko-KR" altLang="en-US" sz="1600" b="1" dirty="0"/>
-          </a:p>
-        </p:txBody>
-      </p:sp>
-      <p:sp>
-        <p:nvSpPr>
-          <p:cNvPr id="15" name="모서리가 둥근 직사각형 44">
-            <a:extLst>
-              <a:ext uri="{FF2B5EF4-FFF2-40B4-BE49-F238E27FC236}">
-                <a16:creationId xmlns:a16="http://schemas.microsoft.com/office/drawing/2014/main" id="{2DBA49E2-5203-48AC-9D0B-4B3C58EE231E}"/>
-              </a:ext>
-            </a:extLst>
-          </p:cNvPr>
-          <p:cNvSpPr/>
-          <p:nvPr/>
-        </p:nvSpPr>
-        <p:spPr>
-          <a:xfrm>
-            <a:off x="5148064" y="987574"/>
-            <a:ext cx="3168352" cy="720080"/>
-          </a:xfrm>
-          <a:prstGeom prst="roundRect">
-            <a:avLst>
-              <a:gd name="adj" fmla="val 6195"/>
-            </a:avLst>
-          </a:prstGeom>
-          <a:ln/>
-        </p:spPr>
-        <p:style>
-          <a:lnRef idx="2">
-            <a:schemeClr val="dk1"/>
-          </a:lnRef>
-          <a:fillRef idx="1">
-            <a:schemeClr val="lt1"/>
-          </a:fillRef>
-          <a:effectRef idx="0">
-            <a:schemeClr val="dk1"/>
-          </a:effectRef>
-          <a:fontRef idx="minor">
-            <a:schemeClr val="dk1"/>
-          </a:fontRef>
-        </p:style>
-        <p:txBody>
-          <a:bodyPr rtlCol="0" anchor="t"/>
-          <a:lstStyle/>
-          <a:p>
-            <a:pPr algn="ctr"/>
-            <a:r>
-              <a:rPr lang="en-US" altLang="ko-KR" sz="1600" dirty="0"/>
-              <a:t>Container B </a:t>
-            </a:r>
-            <a:endParaRPr lang="ko-KR" altLang="en-US" sz="1600" dirty="0"/>
-          </a:p>
-        </p:txBody>
-      </p:sp>
-      <p:graphicFrame>
-        <p:nvGraphicFramePr>
-          <p:cNvPr id="16" name="표 15"/>
-          <p:cNvGraphicFramePr>
-            <a:graphicFrameLocks noGrp="1"/>
-          </p:cNvGraphicFramePr>
-          <p:nvPr>
-            <p:extLst>
-              <p:ext uri="{D42A27DB-BD31-4B8C-83A1-F6EECF244321}">
-                <p14:modId xmlns:p14="http://schemas.microsoft.com/office/powerpoint/2010/main" val="1589712063"/>
-              </p:ext>
-            </p:extLst>
-          </p:nvPr>
-        </p:nvGraphicFramePr>
-        <p:xfrm>
-          <a:off x="5220072" y="2355726"/>
-          <a:ext cx="3024336" cy="1112520"/>
-        </p:xfrm>
-        <a:graphic>
-          <a:graphicData uri="http://schemas.openxmlformats.org/drawingml/2006/table">
-            <a:tbl>
-              <a:tblPr firstRow="1" bandRow="1">
-                <a:tableStyleId>{2D5ABB26-0587-4C30-8999-92F81FD0307C}</a:tableStyleId>
-              </a:tblPr>
-              <a:tblGrid>
-                <a:gridCol w="1656184">
-                  <a:extLst>
-                    <a:ext uri="{9D8B030D-6E8A-4147-A177-3AD203B41FA5}">
-                      <a16:colId xmlns:a16="http://schemas.microsoft.com/office/drawing/2014/main" val="20000"/>
-                    </a:ext>
-                  </a:extLst>
-                </a:gridCol>
-                <a:gridCol w="1368152">
-                  <a:extLst>
-                    <a:ext uri="{9D8B030D-6E8A-4147-A177-3AD203B41FA5}">
-                      <a16:colId xmlns:a16="http://schemas.microsoft.com/office/drawing/2014/main" val="20001"/>
-                    </a:ext>
-                  </a:extLst>
-                </a:gridCol>
-              </a:tblGrid>
-              <a:tr h="370840">
-                <a:tc>
-                  <a:txBody>
-                    <a:bodyPr/>
-                    <a:lstStyle/>
-                    <a:p>
-                      <a:pPr latinLnBrk="1"/>
-                      <a:r>
-                        <a:rPr lang="en-US" altLang="ko-KR" sz="1400" dirty="0"/>
-                        <a:t>10.0.0.1/24</a:t>
-                      </a:r>
-                      <a:endParaRPr lang="ko-KR" altLang="en-US" sz="1400" dirty="0"/>
-                    </a:p>
-                  </a:txBody>
-                  <a:tcPr>
-                    <a:lnL w="19050" cap="flat" cmpd="sng" algn="ctr">
-                      <a:solidFill>
-                        <a:schemeClr val="tx1"/>
-                      </a:solidFill>
-                      <a:prstDash val="solid"/>
-                      <a:round/>
-                      <a:headEnd type="none" w="med" len="med"/>
-                      <a:tailEnd type="none" w="med" len="med"/>
-                    </a:lnL>
-                    <a:lnR w="19050" cap="flat" cmpd="sng" algn="ctr">
-                      <a:solidFill>
-                        <a:schemeClr val="tx1"/>
-                      </a:solidFill>
-                      <a:prstDash val="solid"/>
-                      <a:round/>
-                      <a:headEnd type="none" w="med" len="med"/>
-                      <a:tailEnd type="none" w="med" len="med"/>
-                    </a:lnR>
-                    <a:lnT w="19050" cap="flat" cmpd="sng" algn="ctr">
-                      <a:solidFill>
-                        <a:schemeClr val="tx1"/>
-                      </a:solidFill>
-                      <a:prstDash val="solid"/>
-                      <a:round/>
-                      <a:headEnd type="none" w="med" len="med"/>
-                      <a:tailEnd type="none" w="med" len="med"/>
-                    </a:lnT>
-                    <a:lnB w="19050" cap="flat" cmpd="sng" algn="ctr">
-                      <a:solidFill>
-                        <a:schemeClr val="tx1"/>
-                      </a:solidFill>
-                      <a:prstDash val="solid"/>
-                      <a:round/>
-                      <a:headEnd type="none" w="med" len="med"/>
-                      <a:tailEnd type="none" w="med" len="med"/>
-                    </a:lnB>
-                  </a:tcPr>
-                </a:tc>
-                <a:tc>
-                  <a:txBody>
-                    <a:bodyPr/>
-                    <a:lstStyle/>
-                    <a:p>
-                      <a:pPr latinLnBrk="1"/>
-                      <a:r>
-                        <a:rPr lang="en-US" altLang="ko-KR" sz="1400" dirty="0" err="1"/>
-                        <a:t>eth0</a:t>
-                      </a:r>
-                      <a:endParaRPr lang="ko-KR" altLang="en-US" sz="1400" dirty="0"/>
-                    </a:p>
-                  </a:txBody>
-                  <a:tcPr>
-                    <a:lnL w="19050" cap="flat" cmpd="sng" algn="ctr">
-                      <a:solidFill>
-                        <a:schemeClr val="tx1"/>
-                      </a:solidFill>
-                      <a:prstDash val="solid"/>
-                      <a:round/>
-                      <a:headEnd type="none" w="med" len="med"/>
-                      <a:tailEnd type="none" w="med" len="med"/>
-                    </a:lnL>
-                    <a:lnR w="19050" cap="flat" cmpd="sng" algn="ctr">
-                      <a:solidFill>
-                        <a:schemeClr val="tx1"/>
-                      </a:solidFill>
-                      <a:prstDash val="solid"/>
-                      <a:round/>
-                      <a:headEnd type="none" w="med" len="med"/>
-                      <a:tailEnd type="none" w="med" len="med"/>
-                    </a:lnR>
-                    <a:lnT w="19050" cap="flat" cmpd="sng" algn="ctr">
-                      <a:solidFill>
-                        <a:schemeClr val="tx1"/>
-                      </a:solidFill>
-                      <a:prstDash val="solid"/>
-                      <a:round/>
-                      <a:headEnd type="none" w="med" len="med"/>
-                      <a:tailEnd type="none" w="med" len="med"/>
-                    </a:lnT>
-                    <a:lnB w="19050" cap="flat" cmpd="sng" algn="ctr">
-                      <a:solidFill>
-                        <a:schemeClr val="tx1"/>
-                      </a:solidFill>
-                      <a:prstDash val="solid"/>
-                      <a:round/>
-                      <a:headEnd type="none" w="med" len="med"/>
-                      <a:tailEnd type="none" w="med" len="med"/>
-                    </a:lnB>
-                  </a:tcPr>
-                </a:tc>
-                <a:extLst>
-                  <a:ext uri="{0D108BD9-81ED-4DB2-BD59-A6C34878D82A}">
-                    <a16:rowId xmlns:a16="http://schemas.microsoft.com/office/drawing/2014/main" val="10000"/>
-                  </a:ext>
-                </a:extLst>
-              </a:tr>
-              <a:tr h="370840">
-                <a:tc>
-                  <a:txBody>
-                    <a:bodyPr/>
-                    <a:lstStyle/>
-                    <a:p>
-                      <a:pPr latinLnBrk="1"/>
-                      <a:r>
-                        <a:rPr lang="en-US" altLang="ko-KR" sz="1400" dirty="0"/>
-                        <a:t>192.168.2.192/26</a:t>
-                      </a:r>
-                      <a:endParaRPr lang="ko-KR" altLang="en-US" sz="1400" dirty="0"/>
-                    </a:p>
-                  </a:txBody>
-                  <a:tcPr>
-                    <a:lnL w="19050" cap="flat" cmpd="sng" algn="ctr">
-                      <a:solidFill>
-                        <a:schemeClr val="tx1"/>
-                      </a:solidFill>
-                      <a:prstDash val="solid"/>
-                      <a:round/>
-                      <a:headEnd type="none" w="med" len="med"/>
-                      <a:tailEnd type="none" w="med" len="med"/>
-                    </a:lnL>
-                    <a:lnR w="19050" cap="flat" cmpd="sng" algn="ctr">
-                      <a:solidFill>
-                        <a:schemeClr val="tx1"/>
-                      </a:solidFill>
-                      <a:prstDash val="solid"/>
-                      <a:round/>
-                      <a:headEnd type="none" w="med" len="med"/>
-                      <a:tailEnd type="none" w="med" len="med"/>
-                    </a:lnR>
-                    <a:lnT w="19050" cap="flat" cmpd="sng" algn="ctr">
-                      <a:solidFill>
-                        <a:schemeClr val="tx1"/>
-                      </a:solidFill>
-                      <a:prstDash val="solid"/>
-                      <a:round/>
-                      <a:headEnd type="none" w="med" len="med"/>
-                      <a:tailEnd type="none" w="med" len="med"/>
-                    </a:lnT>
-                    <a:lnB w="19050" cap="flat" cmpd="sng" algn="ctr">
-                      <a:solidFill>
-                        <a:schemeClr val="tx1"/>
-                      </a:solidFill>
-                      <a:prstDash val="solid"/>
-                      <a:round/>
-                      <a:headEnd type="none" w="med" len="med"/>
-                      <a:tailEnd type="none" w="med" len="med"/>
-                    </a:lnB>
-                  </a:tcPr>
-                </a:tc>
-                <a:tc>
-                  <a:txBody>
-                    <a:bodyPr/>
-                    <a:lstStyle/>
-                    <a:p>
-                      <a:pPr latinLnBrk="1"/>
-                      <a:r>
-                        <a:rPr lang="en-US" altLang="ko-KR" sz="1400" dirty="0" err="1"/>
-                        <a:t>tunl0</a:t>
-                      </a:r>
-                      <a:endParaRPr lang="ko-KR" altLang="en-US" sz="1400" dirty="0"/>
-                    </a:p>
-                  </a:txBody>
-                  <a:tcPr>
-                    <a:lnL w="19050" cap="flat" cmpd="sng" algn="ctr">
-                      <a:solidFill>
-                        <a:schemeClr val="tx1"/>
-                      </a:solidFill>
-                      <a:prstDash val="solid"/>
-                      <a:round/>
-                      <a:headEnd type="none" w="med" len="med"/>
-                      <a:tailEnd type="none" w="med" len="med"/>
-                    </a:lnL>
-                    <a:lnR w="19050" cap="flat" cmpd="sng" algn="ctr">
-                      <a:solidFill>
-                        <a:schemeClr val="tx1"/>
-                      </a:solidFill>
-                      <a:prstDash val="solid"/>
-                      <a:round/>
-                      <a:headEnd type="none" w="med" len="med"/>
-                      <a:tailEnd type="none" w="med" len="med"/>
-                    </a:lnR>
-                    <a:lnT w="19050" cap="flat" cmpd="sng" algn="ctr">
-                      <a:solidFill>
-                        <a:schemeClr val="tx1"/>
-                      </a:solidFill>
-                      <a:prstDash val="solid"/>
-                      <a:round/>
-                      <a:headEnd type="none" w="med" len="med"/>
-                      <a:tailEnd type="none" w="med" len="med"/>
-                    </a:lnT>
-                    <a:lnB w="19050" cap="flat" cmpd="sng" algn="ctr">
-                      <a:solidFill>
-                        <a:schemeClr val="tx1"/>
-                      </a:solidFill>
-                      <a:prstDash val="solid"/>
-                      <a:round/>
-                      <a:headEnd type="none" w="med" len="med"/>
-                      <a:tailEnd type="none" w="med" len="med"/>
-                    </a:lnB>
-                  </a:tcPr>
-                </a:tc>
-                <a:extLst>
-                  <a:ext uri="{0D108BD9-81ED-4DB2-BD59-A6C34878D82A}">
-                    <a16:rowId xmlns:a16="http://schemas.microsoft.com/office/drawing/2014/main" val="10001"/>
-                  </a:ext>
-                </a:extLst>
-              </a:tr>
-              <a:tr h="370840">
-                <a:tc>
-                  <a:txBody>
-                    <a:bodyPr/>
-                    <a:lstStyle/>
-                    <a:p>
-                      <a:pPr latinLnBrk="1"/>
-                      <a:r>
-                        <a:rPr lang="en-US" altLang="ko-KR" sz="1400" dirty="0"/>
-                        <a:t>192.168.3.10</a:t>
-                      </a:r>
-                      <a:endParaRPr lang="ko-KR" altLang="en-US" sz="1400" dirty="0"/>
-                    </a:p>
-                  </a:txBody>
-                  <a:tcPr>
-                    <a:lnL w="19050" cap="flat" cmpd="sng" algn="ctr">
-                      <a:solidFill>
-                        <a:schemeClr val="tx1"/>
-                      </a:solidFill>
-                      <a:prstDash val="solid"/>
-                      <a:round/>
-                      <a:headEnd type="none" w="med" len="med"/>
-                      <a:tailEnd type="none" w="med" len="med"/>
-                    </a:lnL>
-                    <a:lnR w="19050" cap="flat" cmpd="sng" algn="ctr">
-                      <a:solidFill>
-                        <a:schemeClr val="tx1"/>
-                      </a:solidFill>
-                      <a:prstDash val="solid"/>
-                      <a:round/>
-                      <a:headEnd type="none" w="med" len="med"/>
-                      <a:tailEnd type="none" w="med" len="med"/>
-                    </a:lnR>
-                    <a:lnT w="19050" cap="flat" cmpd="sng" algn="ctr">
-                      <a:solidFill>
-                        <a:schemeClr val="tx1"/>
-                      </a:solidFill>
-                      <a:prstDash val="solid"/>
-                      <a:round/>
-                      <a:headEnd type="none" w="med" len="med"/>
-                      <a:tailEnd type="none" w="med" len="med"/>
-                    </a:lnT>
-                    <a:lnB w="19050" cap="flat" cmpd="sng" algn="ctr">
-                      <a:solidFill>
-                        <a:schemeClr val="tx1"/>
-                      </a:solidFill>
-                      <a:prstDash val="solid"/>
-                      <a:round/>
-                      <a:headEnd type="none" w="med" len="med"/>
-                      <a:tailEnd type="none" w="med" len="med"/>
-                    </a:lnB>
-                  </a:tcPr>
-                </a:tc>
-                <a:tc>
-                  <a:txBody>
-                    <a:bodyPr/>
-                    <a:lstStyle/>
-                    <a:p>
-                      <a:pPr latinLnBrk="1"/>
-                      <a:r>
-                        <a:rPr lang="en-US" altLang="ko-KR" sz="1400" dirty="0" err="1"/>
-                        <a:t>caliyyy</a:t>
-                      </a:r>
-                      <a:endParaRPr lang="ko-KR" altLang="en-US" sz="1400" dirty="0"/>
-                    </a:p>
-                  </a:txBody>
-                  <a:tcPr>
-                    <a:lnL w="19050" cap="flat" cmpd="sng" algn="ctr">
-                      <a:solidFill>
-                        <a:schemeClr val="tx1"/>
-                      </a:solidFill>
-                      <a:prstDash val="solid"/>
-                      <a:round/>
-                      <a:headEnd type="none" w="med" len="med"/>
-                      <a:tailEnd type="none" w="med" len="med"/>
-                    </a:lnL>
-                    <a:lnR w="19050" cap="flat" cmpd="sng" algn="ctr">
-                      <a:solidFill>
-                        <a:schemeClr val="tx1"/>
-                      </a:solidFill>
-                      <a:prstDash val="solid"/>
-                      <a:round/>
-                      <a:headEnd type="none" w="med" len="med"/>
-                      <a:tailEnd type="none" w="med" len="med"/>
-                    </a:lnR>
-                    <a:lnT w="19050" cap="flat" cmpd="sng" algn="ctr">
-                      <a:solidFill>
-                        <a:schemeClr val="tx1"/>
-                      </a:solidFill>
-                      <a:prstDash val="solid"/>
-                      <a:round/>
-                      <a:headEnd type="none" w="med" len="med"/>
-                      <a:tailEnd type="none" w="med" len="med"/>
-                    </a:lnT>
-                    <a:lnB w="19050" cap="flat" cmpd="sng" algn="ctr">
-                      <a:solidFill>
-                        <a:schemeClr val="tx1"/>
-                      </a:solidFill>
-                      <a:prstDash val="solid"/>
-                      <a:round/>
-                      <a:headEnd type="none" w="med" len="med"/>
-                      <a:tailEnd type="none" w="med" len="med"/>
-                    </a:lnB>
-                  </a:tcPr>
-                </a:tc>
-                <a:extLst>
-                  <a:ext uri="{0D108BD9-81ED-4DB2-BD59-A6C34878D82A}">
-                    <a16:rowId xmlns:a16="http://schemas.microsoft.com/office/drawing/2014/main" val="10002"/>
-                  </a:ext>
-                </a:extLst>
-              </a:tr>
-            </a:tbl>
-          </a:graphicData>
-        </a:graphic>
-      </p:graphicFrame>
-      <p:sp>
-        <p:nvSpPr>
-          <p:cNvPr id="17" name="모서리가 둥근 직사각형 44">
-            <a:extLst>
-              <a:ext uri="{FF2B5EF4-FFF2-40B4-BE49-F238E27FC236}">
-                <a16:creationId xmlns:a16="http://schemas.microsoft.com/office/drawing/2014/main" id="{2DBA49E2-5203-48AC-9D0B-4B3C58EE231E}"/>
-              </a:ext>
-            </a:extLst>
-          </p:cNvPr>
-          <p:cNvSpPr/>
-          <p:nvPr/>
-        </p:nvSpPr>
-        <p:spPr>
-          <a:xfrm>
-            <a:off x="5364088" y="1347614"/>
-            <a:ext cx="1296144" cy="360040"/>
-          </a:xfrm>
-          <a:prstGeom prst="roundRect">
-            <a:avLst>
-              <a:gd name="adj" fmla="val 6195"/>
-            </a:avLst>
-          </a:prstGeom>
-          <a:ln/>
-        </p:spPr>
-        <p:style>
-          <a:lnRef idx="2">
-            <a:schemeClr val="dk1"/>
-          </a:lnRef>
-          <a:fillRef idx="1">
-            <a:schemeClr val="lt1"/>
-          </a:fillRef>
-          <a:effectRef idx="0">
-            <a:schemeClr val="dk1"/>
-          </a:effectRef>
-          <a:fontRef idx="minor">
-            <a:schemeClr val="dk1"/>
-          </a:fontRef>
-        </p:style>
-        <p:txBody>
-          <a:bodyPr rtlCol="0" anchor="ctr"/>
-          <a:lstStyle/>
-          <a:p>
-            <a:pPr algn="ctr"/>
-            <a:r>
-              <a:rPr lang="en-US" altLang="ko-KR" sz="1400" dirty="0" err="1"/>
-              <a:t>eth0</a:t>
-            </a:r>
-            <a:endParaRPr lang="ko-KR" altLang="en-US" sz="1400" dirty="0"/>
-          </a:p>
-        </p:txBody>
-      </p:sp>
-      <p:sp>
-        <p:nvSpPr>
-          <p:cNvPr id="18" name="모서리가 둥근 직사각형 44">
-            <a:extLst>
-              <a:ext uri="{FF2B5EF4-FFF2-40B4-BE49-F238E27FC236}">
-                <a16:creationId xmlns:a16="http://schemas.microsoft.com/office/drawing/2014/main" id="{2DBA49E2-5203-48AC-9D0B-4B3C58EE231E}"/>
-              </a:ext>
-            </a:extLst>
-          </p:cNvPr>
-          <p:cNvSpPr/>
-          <p:nvPr/>
-        </p:nvSpPr>
-        <p:spPr>
-          <a:xfrm>
-            <a:off x="5364088" y="1851670"/>
-            <a:ext cx="1296144" cy="360040"/>
-          </a:xfrm>
-          <a:prstGeom prst="roundRect">
-            <a:avLst>
-              <a:gd name="adj" fmla="val 6195"/>
-            </a:avLst>
-          </a:prstGeom>
-          <a:ln/>
-        </p:spPr>
-        <p:style>
-          <a:lnRef idx="2">
-            <a:schemeClr val="dk1"/>
-          </a:lnRef>
-          <a:fillRef idx="1">
-            <a:schemeClr val="lt1"/>
-          </a:fillRef>
-          <a:effectRef idx="0">
-            <a:schemeClr val="dk1"/>
-          </a:effectRef>
-          <a:fontRef idx="minor">
-            <a:schemeClr val="dk1"/>
-          </a:fontRef>
-        </p:style>
-        <p:txBody>
-          <a:bodyPr rtlCol="0" anchor="ctr"/>
-          <a:lstStyle/>
-          <a:p>
-            <a:pPr algn="ctr"/>
-            <a:r>
-              <a:rPr lang="en-US" altLang="ko-KR" sz="1400" dirty="0" err="1"/>
-              <a:t>caliyyy</a:t>
-            </a:r>
-            <a:endParaRPr lang="ko-KR" altLang="en-US" sz="1400" dirty="0"/>
-          </a:p>
-        </p:txBody>
-      </p:sp>
-      <p:cxnSp>
-        <p:nvCxnSpPr>
-          <p:cNvPr id="19" name="직선 연결선 18"/>
-          <p:cNvCxnSpPr>
-            <a:stCxn id="17" idx="2"/>
-            <a:endCxn id="18" idx="0"/>
-          </p:cNvCxnSpPr>
-          <p:nvPr/>
-        </p:nvCxnSpPr>
-        <p:spPr>
-          <a:xfrm>
-            <a:off x="6012160" y="1707654"/>
-            <a:ext cx="0" cy="144016"/>
-          </a:xfrm>
-          <a:prstGeom prst="line">
-            <a:avLst/>
-          </a:prstGeom>
-          <a:ln w="19050">
-            <a:solidFill>
-              <a:schemeClr val="tx1"/>
-            </a:solidFill>
-          </a:ln>
-        </p:spPr>
-        <p:style>
-          <a:lnRef idx="1">
-            <a:schemeClr val="accent1"/>
-          </a:lnRef>
-          <a:fillRef idx="0">
-            <a:schemeClr val="accent1"/>
-          </a:fillRef>
-          <a:effectRef idx="0">
-            <a:schemeClr val="accent1"/>
-          </a:effectRef>
-          <a:fontRef idx="minor">
-            <a:schemeClr val="tx1"/>
-          </a:fontRef>
-        </p:style>
-      </p:cxnSp>
-      <p:sp>
-        <p:nvSpPr>
-          <p:cNvPr id="20" name="모서리가 둥근 직사각형 44">
-            <a:extLst>
-              <a:ext uri="{FF2B5EF4-FFF2-40B4-BE49-F238E27FC236}">
-                <a16:creationId xmlns:a16="http://schemas.microsoft.com/office/drawing/2014/main" id="{2DBA49E2-5203-48AC-9D0B-4B3C58EE231E}"/>
-              </a:ext>
-            </a:extLst>
-          </p:cNvPr>
-          <p:cNvSpPr/>
-          <p:nvPr/>
-        </p:nvSpPr>
-        <p:spPr>
-          <a:xfrm>
-            <a:off x="6444208" y="1378094"/>
-            <a:ext cx="1676975" cy="288032"/>
-          </a:xfrm>
-          <a:prstGeom prst="roundRect">
-            <a:avLst>
-              <a:gd name="adj" fmla="val 6195"/>
-            </a:avLst>
-          </a:prstGeom>
-          <a:noFill/>
-          <a:ln>
-            <a:noFill/>
-          </a:ln>
-        </p:spPr>
-        <p:style>
-          <a:lnRef idx="2">
-            <a:schemeClr val="dk1"/>
-          </a:lnRef>
-          <a:fillRef idx="1">
-            <a:schemeClr val="lt1"/>
-          </a:fillRef>
-          <a:effectRef idx="0">
-            <a:schemeClr val="dk1"/>
-          </a:effectRef>
-          <a:fontRef idx="minor">
-            <a:schemeClr val="dk1"/>
-          </a:fontRef>
-        </p:style>
-        <p:txBody>
-          <a:bodyPr rtlCol="0" anchor="ctr"/>
-          <a:lstStyle/>
-          <a:p>
-            <a:pPr algn="ctr"/>
-            <a:r>
-              <a:rPr lang="en-US" altLang="ko-KR" sz="1400" dirty="0"/>
-              <a:t>192.168.3.195</a:t>
-            </a:r>
-            <a:endParaRPr lang="ko-KR" altLang="en-US" sz="1400" dirty="0"/>
-          </a:p>
-        </p:txBody>
-      </p:sp>
-      <p:sp>
-        <p:nvSpPr>
-          <p:cNvPr id="21" name="모서리가 둥근 직사각형 44">
-            <a:extLst>
-              <a:ext uri="{FF2B5EF4-FFF2-40B4-BE49-F238E27FC236}">
-                <a16:creationId xmlns:a16="http://schemas.microsoft.com/office/drawing/2014/main" id="{2DBA49E2-5203-48AC-9D0B-4B3C58EE231E}"/>
-              </a:ext>
-            </a:extLst>
-          </p:cNvPr>
-          <p:cNvSpPr/>
-          <p:nvPr/>
-        </p:nvSpPr>
-        <p:spPr>
-          <a:xfrm>
-            <a:off x="5004048" y="3651870"/>
-            <a:ext cx="1296144" cy="360040"/>
-          </a:xfrm>
-          <a:prstGeom prst="roundRect">
-            <a:avLst>
-              <a:gd name="adj" fmla="val 6195"/>
-            </a:avLst>
-          </a:prstGeom>
-          <a:ln/>
-        </p:spPr>
-        <p:style>
-          <a:lnRef idx="2">
-            <a:schemeClr val="dk1"/>
-          </a:lnRef>
-          <a:fillRef idx="1">
-            <a:schemeClr val="lt1"/>
-          </a:fillRef>
-          <a:effectRef idx="0">
-            <a:schemeClr val="dk1"/>
-          </a:effectRef>
-          <a:fontRef idx="minor">
-            <a:schemeClr val="dk1"/>
-          </a:fontRef>
-        </p:style>
-        <p:txBody>
-          <a:bodyPr rtlCol="0" anchor="ctr"/>
-          <a:lstStyle/>
-          <a:p>
-            <a:pPr algn="ctr"/>
-            <a:r>
-              <a:rPr lang="en-US" altLang="ko-KR" sz="1400" dirty="0" err="1"/>
               <a:t>eth0</a:t>
             </a:r>
             <a:endParaRPr lang="ko-KR" altLang="en-US" sz="1400" dirty="0"/>
@@ -5807,7 +4973,7 @@
         </p:nvCxnSpPr>
         <p:spPr>
           <a:xfrm flipH="1">
-            <a:off x="4139952" y="3831890"/>
+            <a:off x="4139952" y="4128709"/>
             <a:ext cx="864096" cy="0"/>
           </a:xfrm>
           <a:prstGeom prst="line">
@@ -5849,7 +5015,7 @@
         </p:nvSpPr>
         <p:spPr>
           <a:xfrm>
-            <a:off x="2653392" y="4003124"/>
+            <a:off x="2653392" y="4299943"/>
             <a:ext cx="1676975" cy="288032"/>
           </a:xfrm>
           <a:prstGeom prst="roundRect">
@@ -5903,7 +5069,7 @@
         </p:nvSpPr>
         <p:spPr>
           <a:xfrm>
-            <a:off x="4813632" y="4003124"/>
+            <a:off x="4813632" y="4299943"/>
             <a:ext cx="1676975" cy="288032"/>
           </a:xfrm>
           <a:prstGeom prst="roundRect">
@@ -5957,7 +5123,7 @@
         </p:nvSpPr>
         <p:spPr>
           <a:xfrm>
-            <a:off x="683568" y="4443958"/>
+            <a:off x="683568" y="4631408"/>
             <a:ext cx="3356356" cy="432048"/>
           </a:xfrm>
           <a:prstGeom prst="roundRect">
@@ -6004,7 +5170,4107 @@
             </a:pPr>
             <a:r>
               <a:rPr lang="en-US" altLang="ko-KR" sz="1400" dirty="0"/>
-              <a:t>Container Network 192.168.0.0/24</a:t>
+              <a:t>Container </a:t>
+            </a:r>
+            <a:r>
+              <a:rPr lang="en-US" altLang="ko-KR" sz="1400"/>
+              <a:t>Network 10.244.0.0/16</a:t>
+            </a:r>
+            <a:endParaRPr lang="ko-KR" altLang="en-US" sz="1400" dirty="0"/>
+          </a:p>
+        </p:txBody>
+      </p:sp>
+      <p:grpSp>
+        <p:nvGrpSpPr>
+          <p:cNvPr id="64" name="그룹 63">
+            <a:extLst>
+              <a:ext uri="{FF2B5EF4-FFF2-40B4-BE49-F238E27FC236}">
+                <a16:creationId xmlns:a16="http://schemas.microsoft.com/office/drawing/2014/main" id="{10774F19-BC79-4638-A196-328E0CBB560D}"/>
+              </a:ext>
+            </a:extLst>
+          </p:cNvPr>
+          <p:cNvGrpSpPr/>
+          <p:nvPr/>
+        </p:nvGrpSpPr>
+        <p:grpSpPr>
+          <a:xfrm>
+            <a:off x="719572" y="843558"/>
+            <a:ext cx="3168352" cy="1224136"/>
+            <a:chOff x="722809" y="915567"/>
+            <a:chExt cx="3168352" cy="1224136"/>
+          </a:xfrm>
+        </p:grpSpPr>
+        <p:sp>
+          <p:nvSpPr>
+            <p:cNvPr id="4" name="모서리가 둥근 직사각형 44">
+              <a:extLst>
+                <a:ext uri="{FF2B5EF4-FFF2-40B4-BE49-F238E27FC236}">
+                  <a16:creationId xmlns:a16="http://schemas.microsoft.com/office/drawing/2014/main" id="{2DBA49E2-5203-48AC-9D0B-4B3C58EE231E}"/>
+                </a:ext>
+              </a:extLst>
+            </p:cNvPr>
+            <p:cNvSpPr/>
+            <p:nvPr/>
+          </p:nvSpPr>
+          <p:spPr>
+            <a:xfrm>
+              <a:off x="722809" y="915567"/>
+              <a:ext cx="3168352" cy="720080"/>
+            </a:xfrm>
+            <a:prstGeom prst="roundRect">
+              <a:avLst>
+                <a:gd name="adj" fmla="val 6195"/>
+              </a:avLst>
+            </a:prstGeom>
+            <a:ln/>
+          </p:spPr>
+          <p:style>
+            <a:lnRef idx="2">
+              <a:schemeClr val="dk1"/>
+            </a:lnRef>
+            <a:fillRef idx="1">
+              <a:schemeClr val="lt1"/>
+            </a:fillRef>
+            <a:effectRef idx="0">
+              <a:schemeClr val="dk1"/>
+            </a:effectRef>
+            <a:fontRef idx="minor">
+              <a:schemeClr val="dk1"/>
+            </a:fontRef>
+          </p:style>
+          <p:txBody>
+            <a:bodyPr rtlCol="0" anchor="t"/>
+            <a:lstStyle/>
+            <a:p>
+              <a:pPr algn="ctr"/>
+              <a:r>
+                <a:rPr lang="en-US" altLang="ko-KR" sz="1600" dirty="0"/>
+                <a:t>Container A </a:t>
+              </a:r>
+              <a:endParaRPr lang="ko-KR" altLang="en-US" sz="1600" dirty="0"/>
+            </a:p>
+          </p:txBody>
+        </p:sp>
+        <p:sp>
+          <p:nvSpPr>
+            <p:cNvPr id="7" name="모서리가 둥근 직사각형 44">
+              <a:extLst>
+                <a:ext uri="{FF2B5EF4-FFF2-40B4-BE49-F238E27FC236}">
+                  <a16:creationId xmlns:a16="http://schemas.microsoft.com/office/drawing/2014/main" id="{2DBA49E2-5203-48AC-9D0B-4B3C58EE231E}"/>
+                </a:ext>
+              </a:extLst>
+            </p:cNvPr>
+            <p:cNvSpPr/>
+            <p:nvPr/>
+          </p:nvSpPr>
+          <p:spPr>
+            <a:xfrm>
+              <a:off x="938833" y="1275607"/>
+              <a:ext cx="1296144" cy="360040"/>
+            </a:xfrm>
+            <a:prstGeom prst="roundRect">
+              <a:avLst>
+                <a:gd name="adj" fmla="val 6195"/>
+              </a:avLst>
+            </a:prstGeom>
+            <a:ln/>
+          </p:spPr>
+          <p:style>
+            <a:lnRef idx="2">
+              <a:schemeClr val="dk1"/>
+            </a:lnRef>
+            <a:fillRef idx="1">
+              <a:schemeClr val="lt1"/>
+            </a:fillRef>
+            <a:effectRef idx="0">
+              <a:schemeClr val="dk1"/>
+            </a:effectRef>
+            <a:fontRef idx="minor">
+              <a:schemeClr val="dk1"/>
+            </a:fontRef>
+          </p:style>
+          <p:txBody>
+            <a:bodyPr rtlCol="0" anchor="ctr"/>
+            <a:lstStyle/>
+            <a:p>
+              <a:pPr algn="ctr"/>
+              <a:r>
+                <a:rPr lang="en-US" altLang="ko-KR" sz="1400" dirty="0" err="1"/>
+                <a:t>eth0</a:t>
+              </a:r>
+              <a:endParaRPr lang="ko-KR" altLang="en-US" sz="1400" dirty="0"/>
+            </a:p>
+          </p:txBody>
+        </p:sp>
+        <p:sp>
+          <p:nvSpPr>
+            <p:cNvPr id="8" name="모서리가 둥근 직사각형 44">
+              <a:extLst>
+                <a:ext uri="{FF2B5EF4-FFF2-40B4-BE49-F238E27FC236}">
+                  <a16:creationId xmlns:a16="http://schemas.microsoft.com/office/drawing/2014/main" id="{2DBA49E2-5203-48AC-9D0B-4B3C58EE231E}"/>
+                </a:ext>
+              </a:extLst>
+            </p:cNvPr>
+            <p:cNvSpPr/>
+            <p:nvPr/>
+          </p:nvSpPr>
+          <p:spPr>
+            <a:xfrm>
+              <a:off x="938833" y="1779663"/>
+              <a:ext cx="1296144" cy="360040"/>
+            </a:xfrm>
+            <a:prstGeom prst="roundRect">
+              <a:avLst>
+                <a:gd name="adj" fmla="val 6195"/>
+              </a:avLst>
+            </a:prstGeom>
+            <a:ln/>
+          </p:spPr>
+          <p:style>
+            <a:lnRef idx="2">
+              <a:schemeClr val="dk1"/>
+            </a:lnRef>
+            <a:fillRef idx="1">
+              <a:schemeClr val="lt1"/>
+            </a:fillRef>
+            <a:effectRef idx="0">
+              <a:schemeClr val="dk1"/>
+            </a:effectRef>
+            <a:fontRef idx="minor">
+              <a:schemeClr val="dk1"/>
+            </a:fontRef>
+          </p:style>
+          <p:txBody>
+            <a:bodyPr rtlCol="0" anchor="ctr"/>
+            <a:lstStyle/>
+            <a:p>
+              <a:pPr algn="ctr"/>
+              <a:r>
+                <a:rPr lang="en-US" altLang="ko-KR" sz="1400"/>
+                <a:t>vethxxx</a:t>
+              </a:r>
+              <a:endParaRPr lang="ko-KR" altLang="en-US" sz="1400" dirty="0"/>
+            </a:p>
+          </p:txBody>
+        </p:sp>
+        <p:cxnSp>
+          <p:nvCxnSpPr>
+            <p:cNvPr id="10" name="직선 연결선 9"/>
+            <p:cNvCxnSpPr>
+              <a:stCxn id="7" idx="2"/>
+              <a:endCxn id="8" idx="0"/>
+            </p:cNvCxnSpPr>
+            <p:nvPr/>
+          </p:nvCxnSpPr>
+          <p:spPr>
+            <a:xfrm>
+              <a:off x="1586905" y="1635647"/>
+              <a:ext cx="0" cy="144016"/>
+            </a:xfrm>
+            <a:prstGeom prst="line">
+              <a:avLst/>
+            </a:prstGeom>
+            <a:ln w="19050">
+              <a:solidFill>
+                <a:schemeClr val="tx1"/>
+              </a:solidFill>
+            </a:ln>
+          </p:spPr>
+          <p:style>
+            <a:lnRef idx="1">
+              <a:schemeClr val="accent1"/>
+            </a:lnRef>
+            <a:fillRef idx="0">
+              <a:schemeClr val="accent1"/>
+            </a:fillRef>
+            <a:effectRef idx="0">
+              <a:schemeClr val="accent1"/>
+            </a:effectRef>
+            <a:fontRef idx="minor">
+              <a:schemeClr val="tx1"/>
+            </a:fontRef>
+          </p:style>
+        </p:cxnSp>
+        <p:sp>
+          <p:nvSpPr>
+            <p:cNvPr id="11" name="모서리가 둥근 직사각형 44">
+              <a:extLst>
+                <a:ext uri="{FF2B5EF4-FFF2-40B4-BE49-F238E27FC236}">
+                  <a16:creationId xmlns:a16="http://schemas.microsoft.com/office/drawing/2014/main" id="{2DBA49E2-5203-48AC-9D0B-4B3C58EE231E}"/>
+                </a:ext>
+              </a:extLst>
+            </p:cNvPr>
+            <p:cNvSpPr/>
+            <p:nvPr/>
+          </p:nvSpPr>
+          <p:spPr>
+            <a:xfrm>
+              <a:off x="1874937" y="1306087"/>
+              <a:ext cx="1676975" cy="288032"/>
+            </a:xfrm>
+            <a:prstGeom prst="roundRect">
+              <a:avLst>
+                <a:gd name="adj" fmla="val 6195"/>
+              </a:avLst>
+            </a:prstGeom>
+            <a:noFill/>
+            <a:ln>
+              <a:noFill/>
+            </a:ln>
+          </p:spPr>
+          <p:style>
+            <a:lnRef idx="2">
+              <a:schemeClr val="dk1"/>
+            </a:lnRef>
+            <a:fillRef idx="1">
+              <a:schemeClr val="lt1"/>
+            </a:fillRef>
+            <a:effectRef idx="0">
+              <a:schemeClr val="dk1"/>
+            </a:effectRef>
+            <a:fontRef idx="minor">
+              <a:schemeClr val="dk1"/>
+            </a:fontRef>
+          </p:style>
+          <p:txBody>
+            <a:bodyPr rtlCol="0" anchor="ctr"/>
+            <a:lstStyle/>
+            <a:p>
+              <a:pPr algn="ctr"/>
+              <a:r>
+                <a:rPr lang="en-US" altLang="ko-KR" sz="1400"/>
+                <a:t>10.244.1.2</a:t>
+              </a:r>
+              <a:endParaRPr lang="ko-KR" altLang="en-US" sz="1400" dirty="0"/>
+            </a:p>
+          </p:txBody>
+        </p:sp>
+        <p:sp>
+          <p:nvSpPr>
+            <p:cNvPr id="24" name="모서리가 둥근 직사각형 44">
+              <a:extLst>
+                <a:ext uri="{FF2B5EF4-FFF2-40B4-BE49-F238E27FC236}">
+                  <a16:creationId xmlns:a16="http://schemas.microsoft.com/office/drawing/2014/main" id="{132E9DD2-D948-42DB-82F3-0E457413DD3F}"/>
+                </a:ext>
+              </a:extLst>
+            </p:cNvPr>
+            <p:cNvSpPr/>
+            <p:nvPr/>
+          </p:nvSpPr>
+          <p:spPr>
+            <a:xfrm>
+              <a:off x="2367133" y="1779663"/>
+              <a:ext cx="1296144" cy="360040"/>
+            </a:xfrm>
+            <a:prstGeom prst="roundRect">
+              <a:avLst>
+                <a:gd name="adj" fmla="val 6195"/>
+              </a:avLst>
+            </a:prstGeom>
+            <a:ln/>
+          </p:spPr>
+          <p:style>
+            <a:lnRef idx="2">
+              <a:schemeClr val="dk1"/>
+            </a:lnRef>
+            <a:fillRef idx="1">
+              <a:schemeClr val="lt1"/>
+            </a:fillRef>
+            <a:effectRef idx="0">
+              <a:schemeClr val="dk1"/>
+            </a:effectRef>
+            <a:fontRef idx="minor">
+              <a:schemeClr val="dk1"/>
+            </a:fontRef>
+          </p:style>
+          <p:txBody>
+            <a:bodyPr rtlCol="0" anchor="ctr"/>
+            <a:lstStyle/>
+            <a:p>
+              <a:pPr algn="ctr"/>
+              <a:r>
+                <a:rPr lang="en-US" altLang="ko-KR" sz="1400"/>
+                <a:t>cni0 bridge </a:t>
+              </a:r>
+              <a:endParaRPr lang="ko-KR" altLang="en-US" sz="1400" dirty="0"/>
+            </a:p>
+          </p:txBody>
+        </p:sp>
+        <p:cxnSp>
+          <p:nvCxnSpPr>
+            <p:cNvPr id="25" name="직선 연결선 24">
+              <a:extLst>
+                <a:ext uri="{FF2B5EF4-FFF2-40B4-BE49-F238E27FC236}">
+                  <a16:creationId xmlns:a16="http://schemas.microsoft.com/office/drawing/2014/main" id="{61BD7EEA-19F2-4D88-A764-5AF89984B1EA}"/>
+                </a:ext>
+              </a:extLst>
+            </p:cNvPr>
+            <p:cNvCxnSpPr>
+              <a:cxnSpLocks/>
+              <a:stCxn id="8" idx="3"/>
+              <a:endCxn id="24" idx="1"/>
+            </p:cNvCxnSpPr>
+            <p:nvPr/>
+          </p:nvCxnSpPr>
+          <p:spPr>
+            <a:xfrm>
+              <a:off x="2234977" y="1959683"/>
+              <a:ext cx="132156" cy="0"/>
+            </a:xfrm>
+            <a:prstGeom prst="line">
+              <a:avLst/>
+            </a:prstGeom>
+            <a:ln w="19050">
+              <a:solidFill>
+                <a:schemeClr val="tx1"/>
+              </a:solidFill>
+            </a:ln>
+          </p:spPr>
+          <p:style>
+            <a:lnRef idx="1">
+              <a:schemeClr val="accent1"/>
+            </a:lnRef>
+            <a:fillRef idx="0">
+              <a:schemeClr val="accent1"/>
+            </a:fillRef>
+            <a:effectRef idx="0">
+              <a:schemeClr val="accent1"/>
+            </a:effectRef>
+            <a:fontRef idx="minor">
+              <a:schemeClr val="tx1"/>
+            </a:fontRef>
+          </p:style>
+        </p:cxnSp>
+      </p:grpSp>
+      <p:grpSp>
+        <p:nvGrpSpPr>
+          <p:cNvPr id="65" name="그룹 64">
+            <a:extLst>
+              <a:ext uri="{FF2B5EF4-FFF2-40B4-BE49-F238E27FC236}">
+                <a16:creationId xmlns:a16="http://schemas.microsoft.com/office/drawing/2014/main" id="{6E6B2E12-C7C8-460C-A7BC-847842E9C038}"/>
+              </a:ext>
+            </a:extLst>
+          </p:cNvPr>
+          <p:cNvGrpSpPr/>
+          <p:nvPr/>
+        </p:nvGrpSpPr>
+        <p:grpSpPr>
+          <a:xfrm>
+            <a:off x="5256076" y="843558"/>
+            <a:ext cx="3168352" cy="1224136"/>
+            <a:chOff x="5148064" y="915567"/>
+            <a:chExt cx="3168352" cy="1224136"/>
+          </a:xfrm>
+        </p:grpSpPr>
+        <p:sp>
+          <p:nvSpPr>
+            <p:cNvPr id="15" name="모서리가 둥근 직사각형 44">
+              <a:extLst>
+                <a:ext uri="{FF2B5EF4-FFF2-40B4-BE49-F238E27FC236}">
+                  <a16:creationId xmlns:a16="http://schemas.microsoft.com/office/drawing/2014/main" id="{2DBA49E2-5203-48AC-9D0B-4B3C58EE231E}"/>
+                </a:ext>
+              </a:extLst>
+            </p:cNvPr>
+            <p:cNvSpPr/>
+            <p:nvPr/>
+          </p:nvSpPr>
+          <p:spPr>
+            <a:xfrm>
+              <a:off x="5148064" y="915567"/>
+              <a:ext cx="3168352" cy="720080"/>
+            </a:xfrm>
+            <a:prstGeom prst="roundRect">
+              <a:avLst>
+                <a:gd name="adj" fmla="val 6195"/>
+              </a:avLst>
+            </a:prstGeom>
+            <a:ln/>
+          </p:spPr>
+          <p:style>
+            <a:lnRef idx="2">
+              <a:schemeClr val="dk1"/>
+            </a:lnRef>
+            <a:fillRef idx="1">
+              <a:schemeClr val="lt1"/>
+            </a:fillRef>
+            <a:effectRef idx="0">
+              <a:schemeClr val="dk1"/>
+            </a:effectRef>
+            <a:fontRef idx="minor">
+              <a:schemeClr val="dk1"/>
+            </a:fontRef>
+          </p:style>
+          <p:txBody>
+            <a:bodyPr rtlCol="0" anchor="t"/>
+            <a:lstStyle/>
+            <a:p>
+              <a:pPr algn="ctr"/>
+              <a:r>
+                <a:rPr lang="en-US" altLang="ko-KR" sz="1600" dirty="0"/>
+                <a:t>Container B </a:t>
+              </a:r>
+              <a:endParaRPr lang="ko-KR" altLang="en-US" sz="1600" dirty="0"/>
+            </a:p>
+          </p:txBody>
+        </p:sp>
+        <p:sp>
+          <p:nvSpPr>
+            <p:cNvPr id="17" name="모서리가 둥근 직사각형 44">
+              <a:extLst>
+                <a:ext uri="{FF2B5EF4-FFF2-40B4-BE49-F238E27FC236}">
+                  <a16:creationId xmlns:a16="http://schemas.microsoft.com/office/drawing/2014/main" id="{2DBA49E2-5203-48AC-9D0B-4B3C58EE231E}"/>
+                </a:ext>
+              </a:extLst>
+            </p:cNvPr>
+            <p:cNvSpPr/>
+            <p:nvPr/>
+          </p:nvSpPr>
+          <p:spPr>
+            <a:xfrm>
+              <a:off x="5364088" y="1275607"/>
+              <a:ext cx="1296144" cy="360040"/>
+            </a:xfrm>
+            <a:prstGeom prst="roundRect">
+              <a:avLst>
+                <a:gd name="adj" fmla="val 6195"/>
+              </a:avLst>
+            </a:prstGeom>
+            <a:ln/>
+          </p:spPr>
+          <p:style>
+            <a:lnRef idx="2">
+              <a:schemeClr val="dk1"/>
+            </a:lnRef>
+            <a:fillRef idx="1">
+              <a:schemeClr val="lt1"/>
+            </a:fillRef>
+            <a:effectRef idx="0">
+              <a:schemeClr val="dk1"/>
+            </a:effectRef>
+            <a:fontRef idx="minor">
+              <a:schemeClr val="dk1"/>
+            </a:fontRef>
+          </p:style>
+          <p:txBody>
+            <a:bodyPr rtlCol="0" anchor="ctr"/>
+            <a:lstStyle/>
+            <a:p>
+              <a:pPr algn="ctr"/>
+              <a:r>
+                <a:rPr lang="en-US" altLang="ko-KR" sz="1400" dirty="0" err="1"/>
+                <a:t>eth0</a:t>
+              </a:r>
+              <a:endParaRPr lang="ko-KR" altLang="en-US" sz="1400" dirty="0"/>
+            </a:p>
+          </p:txBody>
+        </p:sp>
+        <p:sp>
+          <p:nvSpPr>
+            <p:cNvPr id="18" name="모서리가 둥근 직사각형 44">
+              <a:extLst>
+                <a:ext uri="{FF2B5EF4-FFF2-40B4-BE49-F238E27FC236}">
+                  <a16:creationId xmlns:a16="http://schemas.microsoft.com/office/drawing/2014/main" id="{2DBA49E2-5203-48AC-9D0B-4B3C58EE231E}"/>
+                </a:ext>
+              </a:extLst>
+            </p:cNvPr>
+            <p:cNvSpPr/>
+            <p:nvPr/>
+          </p:nvSpPr>
+          <p:spPr>
+            <a:xfrm>
+              <a:off x="5364088" y="1779663"/>
+              <a:ext cx="1296144" cy="360040"/>
+            </a:xfrm>
+            <a:prstGeom prst="roundRect">
+              <a:avLst>
+                <a:gd name="adj" fmla="val 6195"/>
+              </a:avLst>
+            </a:prstGeom>
+            <a:ln/>
+          </p:spPr>
+          <p:style>
+            <a:lnRef idx="2">
+              <a:schemeClr val="dk1"/>
+            </a:lnRef>
+            <a:fillRef idx="1">
+              <a:schemeClr val="lt1"/>
+            </a:fillRef>
+            <a:effectRef idx="0">
+              <a:schemeClr val="dk1"/>
+            </a:effectRef>
+            <a:fontRef idx="minor">
+              <a:schemeClr val="dk1"/>
+            </a:fontRef>
+          </p:style>
+          <p:txBody>
+            <a:bodyPr rtlCol="0" anchor="ctr"/>
+            <a:lstStyle/>
+            <a:p>
+              <a:pPr algn="ctr"/>
+              <a:r>
+                <a:rPr lang="en-US" altLang="ko-KR" sz="1400"/>
+                <a:t>vethyyy</a:t>
+              </a:r>
+              <a:endParaRPr lang="ko-KR" altLang="en-US" sz="1400" dirty="0"/>
+            </a:p>
+          </p:txBody>
+        </p:sp>
+        <p:cxnSp>
+          <p:nvCxnSpPr>
+            <p:cNvPr id="19" name="직선 연결선 18"/>
+            <p:cNvCxnSpPr>
+              <a:stCxn id="17" idx="2"/>
+              <a:endCxn id="18" idx="0"/>
+            </p:cNvCxnSpPr>
+            <p:nvPr/>
+          </p:nvCxnSpPr>
+          <p:spPr>
+            <a:xfrm>
+              <a:off x="6012160" y="1635647"/>
+              <a:ext cx="0" cy="144016"/>
+            </a:xfrm>
+            <a:prstGeom prst="line">
+              <a:avLst/>
+            </a:prstGeom>
+            <a:ln w="19050">
+              <a:solidFill>
+                <a:schemeClr val="tx1"/>
+              </a:solidFill>
+            </a:ln>
+          </p:spPr>
+          <p:style>
+            <a:lnRef idx="1">
+              <a:schemeClr val="accent1"/>
+            </a:lnRef>
+            <a:fillRef idx="0">
+              <a:schemeClr val="accent1"/>
+            </a:fillRef>
+            <a:effectRef idx="0">
+              <a:schemeClr val="accent1"/>
+            </a:effectRef>
+            <a:fontRef idx="minor">
+              <a:schemeClr val="tx1"/>
+            </a:fontRef>
+          </p:style>
+        </p:cxnSp>
+        <p:sp>
+          <p:nvSpPr>
+            <p:cNvPr id="20" name="모서리가 둥근 직사각형 44">
+              <a:extLst>
+                <a:ext uri="{FF2B5EF4-FFF2-40B4-BE49-F238E27FC236}">
+                  <a16:creationId xmlns:a16="http://schemas.microsoft.com/office/drawing/2014/main" id="{2DBA49E2-5203-48AC-9D0B-4B3C58EE231E}"/>
+                </a:ext>
+              </a:extLst>
+            </p:cNvPr>
+            <p:cNvSpPr/>
+            <p:nvPr/>
+          </p:nvSpPr>
+          <p:spPr>
+            <a:xfrm>
+              <a:off x="6315405" y="1306087"/>
+              <a:ext cx="1676975" cy="288032"/>
+            </a:xfrm>
+            <a:prstGeom prst="roundRect">
+              <a:avLst>
+                <a:gd name="adj" fmla="val 6195"/>
+              </a:avLst>
+            </a:prstGeom>
+            <a:noFill/>
+            <a:ln>
+              <a:noFill/>
+            </a:ln>
+          </p:spPr>
+          <p:style>
+            <a:lnRef idx="2">
+              <a:schemeClr val="dk1"/>
+            </a:lnRef>
+            <a:fillRef idx="1">
+              <a:schemeClr val="lt1"/>
+            </a:fillRef>
+            <a:effectRef idx="0">
+              <a:schemeClr val="dk1"/>
+            </a:effectRef>
+            <a:fontRef idx="minor">
+              <a:schemeClr val="dk1"/>
+            </a:fontRef>
+          </p:style>
+          <p:txBody>
+            <a:bodyPr rtlCol="0" anchor="ctr"/>
+            <a:lstStyle/>
+            <a:p>
+              <a:pPr algn="ctr"/>
+              <a:r>
+                <a:rPr lang="en-US" altLang="ko-KR" sz="1400"/>
+                <a:t>10.244.2.2</a:t>
+              </a:r>
+              <a:endParaRPr lang="ko-KR" altLang="en-US" sz="1400" dirty="0"/>
+            </a:p>
+          </p:txBody>
+        </p:sp>
+        <p:sp>
+          <p:nvSpPr>
+            <p:cNvPr id="52" name="모서리가 둥근 직사각형 44">
+              <a:extLst>
+                <a:ext uri="{FF2B5EF4-FFF2-40B4-BE49-F238E27FC236}">
+                  <a16:creationId xmlns:a16="http://schemas.microsoft.com/office/drawing/2014/main" id="{9BB562E9-3F81-4003-A260-4B53443A91D6}"/>
+                </a:ext>
+              </a:extLst>
+            </p:cNvPr>
+            <p:cNvSpPr/>
+            <p:nvPr/>
+          </p:nvSpPr>
+          <p:spPr>
+            <a:xfrm>
+              <a:off x="6804248" y="1779663"/>
+              <a:ext cx="1296144" cy="360040"/>
+            </a:xfrm>
+            <a:prstGeom prst="roundRect">
+              <a:avLst>
+                <a:gd name="adj" fmla="val 6195"/>
+              </a:avLst>
+            </a:prstGeom>
+            <a:ln/>
+          </p:spPr>
+          <p:style>
+            <a:lnRef idx="2">
+              <a:schemeClr val="dk1"/>
+            </a:lnRef>
+            <a:fillRef idx="1">
+              <a:schemeClr val="lt1"/>
+            </a:fillRef>
+            <a:effectRef idx="0">
+              <a:schemeClr val="dk1"/>
+            </a:effectRef>
+            <a:fontRef idx="minor">
+              <a:schemeClr val="dk1"/>
+            </a:fontRef>
+          </p:style>
+          <p:txBody>
+            <a:bodyPr rtlCol="0" anchor="ctr"/>
+            <a:lstStyle/>
+            <a:p>
+              <a:pPr algn="ctr"/>
+              <a:r>
+                <a:rPr lang="en-US" altLang="ko-KR" sz="1400"/>
+                <a:t>cni0 bridge </a:t>
+              </a:r>
+              <a:endParaRPr lang="ko-KR" altLang="en-US" sz="1400" dirty="0"/>
+            </a:p>
+          </p:txBody>
+        </p:sp>
+        <p:cxnSp>
+          <p:nvCxnSpPr>
+            <p:cNvPr id="53" name="직선 연결선 52">
+              <a:extLst>
+                <a:ext uri="{FF2B5EF4-FFF2-40B4-BE49-F238E27FC236}">
+                  <a16:creationId xmlns:a16="http://schemas.microsoft.com/office/drawing/2014/main" id="{0321CE52-54E5-4C9F-BAE5-ECEB72DB0B6B}"/>
+                </a:ext>
+              </a:extLst>
+            </p:cNvPr>
+            <p:cNvCxnSpPr>
+              <a:cxnSpLocks/>
+              <a:endCxn id="52" idx="1"/>
+            </p:cNvCxnSpPr>
+            <p:nvPr/>
+          </p:nvCxnSpPr>
+          <p:spPr>
+            <a:xfrm>
+              <a:off x="6672092" y="1959683"/>
+              <a:ext cx="132156" cy="0"/>
+            </a:xfrm>
+            <a:prstGeom prst="line">
+              <a:avLst/>
+            </a:prstGeom>
+            <a:ln w="19050">
+              <a:solidFill>
+                <a:schemeClr val="tx1"/>
+              </a:solidFill>
+            </a:ln>
+          </p:spPr>
+          <p:style>
+            <a:lnRef idx="1">
+              <a:schemeClr val="accent1"/>
+            </a:lnRef>
+            <a:fillRef idx="0">
+              <a:schemeClr val="accent1"/>
+            </a:fillRef>
+            <a:effectRef idx="0">
+              <a:schemeClr val="accent1"/>
+            </a:effectRef>
+            <a:fontRef idx="minor">
+              <a:schemeClr val="tx1"/>
+            </a:fontRef>
+          </p:style>
+        </p:cxnSp>
+      </p:grpSp>
+      <p:graphicFrame>
+        <p:nvGraphicFramePr>
+          <p:cNvPr id="66" name="표 65">
+            <a:extLst>
+              <a:ext uri="{FF2B5EF4-FFF2-40B4-BE49-F238E27FC236}">
+                <a16:creationId xmlns:a16="http://schemas.microsoft.com/office/drawing/2014/main" id="{6150A898-A77A-4648-B2C4-A03ADA5C8CD3}"/>
+              </a:ext>
+            </a:extLst>
+          </p:cNvPr>
+          <p:cNvGraphicFramePr>
+            <a:graphicFrameLocks noGrp="1"/>
+          </p:cNvGraphicFramePr>
+          <p:nvPr>
+            <p:extLst>
+              <p:ext uri="{D42A27DB-BD31-4B8C-83A1-F6EECF244321}">
+                <p14:modId xmlns:p14="http://schemas.microsoft.com/office/powerpoint/2010/main" val="2589299287"/>
+              </p:ext>
+            </p:extLst>
+          </p:nvPr>
+        </p:nvGraphicFramePr>
+        <p:xfrm>
+          <a:off x="5169504" y="2389364"/>
+          <a:ext cx="3356356" cy="937683"/>
+        </p:xfrm>
+        <a:graphic>
+          <a:graphicData uri="http://schemas.openxmlformats.org/drawingml/2006/table">
+            <a:tbl>
+              <a:tblPr firstRow="1" bandRow="1">
+                <a:tableStyleId>{2D5ABB26-0587-4C30-8999-92F81FD0307C}</a:tableStyleId>
+              </a:tblPr>
+              <a:tblGrid>
+                <a:gridCol w="1340134">
+                  <a:extLst>
+                    <a:ext uri="{9D8B030D-6E8A-4147-A177-3AD203B41FA5}">
+                      <a16:colId xmlns:a16="http://schemas.microsoft.com/office/drawing/2014/main" val="20000"/>
+                    </a:ext>
+                  </a:extLst>
+                </a:gridCol>
+                <a:gridCol w="1112589">
+                  <a:extLst>
+                    <a:ext uri="{9D8B030D-6E8A-4147-A177-3AD203B41FA5}">
+                      <a16:colId xmlns:a16="http://schemas.microsoft.com/office/drawing/2014/main" val="959866616"/>
+                    </a:ext>
+                  </a:extLst>
+                </a:gridCol>
+                <a:gridCol w="903633">
+                  <a:extLst>
+                    <a:ext uri="{9D8B030D-6E8A-4147-A177-3AD203B41FA5}">
+                      <a16:colId xmlns:a16="http://schemas.microsoft.com/office/drawing/2014/main" val="20001"/>
+                    </a:ext>
+                  </a:extLst>
+                </a:gridCol>
+              </a:tblGrid>
+              <a:tr h="312561">
+                <a:tc>
+                  <a:txBody>
+                    <a:bodyPr/>
+                    <a:lstStyle/>
+                    <a:p>
+                      <a:pPr latinLnBrk="1"/>
+                      <a:r>
+                        <a:rPr lang="en-US" altLang="ko-KR" sz="1400" dirty="0"/>
+                        <a:t>10.0.0.1/24</a:t>
+                      </a:r>
+                      <a:endParaRPr lang="ko-KR" altLang="en-US" sz="1400" dirty="0"/>
+                    </a:p>
+                  </a:txBody>
+                  <a:tcPr>
+                    <a:lnL w="19050" cap="flat" cmpd="sng" algn="ctr">
+                      <a:solidFill>
+                        <a:schemeClr val="tx1"/>
+                      </a:solidFill>
+                      <a:prstDash val="solid"/>
+                      <a:round/>
+                      <a:headEnd type="none" w="med" len="med"/>
+                      <a:tailEnd type="none" w="med" len="med"/>
+                    </a:lnL>
+                    <a:lnR w="19050" cap="flat" cmpd="sng" algn="ctr">
+                      <a:solidFill>
+                        <a:schemeClr val="tx1"/>
+                      </a:solidFill>
+                      <a:prstDash val="solid"/>
+                      <a:round/>
+                      <a:headEnd type="none" w="med" len="med"/>
+                      <a:tailEnd type="none" w="med" len="med"/>
+                    </a:lnR>
+                    <a:lnT w="19050" cap="flat" cmpd="sng" algn="ctr">
+                      <a:solidFill>
+                        <a:schemeClr val="tx1"/>
+                      </a:solidFill>
+                      <a:prstDash val="solid"/>
+                      <a:round/>
+                      <a:headEnd type="none" w="med" len="med"/>
+                      <a:tailEnd type="none" w="med" len="med"/>
+                    </a:lnT>
+                    <a:lnB w="19050" cap="flat" cmpd="sng" algn="ctr">
+                      <a:solidFill>
+                        <a:schemeClr val="tx1"/>
+                      </a:solidFill>
+                      <a:prstDash val="solid"/>
+                      <a:round/>
+                      <a:headEnd type="none" w="med" len="med"/>
+                      <a:tailEnd type="none" w="med" len="med"/>
+                    </a:lnB>
+                  </a:tcPr>
+                </a:tc>
+                <a:tc>
+                  <a:txBody>
+                    <a:bodyPr/>
+                    <a:lstStyle/>
+                    <a:p>
+                      <a:pPr latinLnBrk="1"/>
+                      <a:r>
+                        <a:rPr lang="en-US" altLang="ko-KR" sz="1400"/>
+                        <a:t>0.0.0.0</a:t>
+                      </a:r>
+                      <a:endParaRPr lang="ko-KR" altLang="en-US" sz="1400" dirty="0"/>
+                    </a:p>
+                  </a:txBody>
+                  <a:tcPr>
+                    <a:lnL w="19050" cap="flat" cmpd="sng" algn="ctr">
+                      <a:solidFill>
+                        <a:schemeClr val="tx1"/>
+                      </a:solidFill>
+                      <a:prstDash val="solid"/>
+                      <a:round/>
+                      <a:headEnd type="none" w="med" len="med"/>
+                      <a:tailEnd type="none" w="med" len="med"/>
+                    </a:lnL>
+                    <a:lnR w="19050" cap="flat" cmpd="sng" algn="ctr">
+                      <a:solidFill>
+                        <a:schemeClr val="tx1"/>
+                      </a:solidFill>
+                      <a:prstDash val="solid"/>
+                      <a:round/>
+                      <a:headEnd type="none" w="med" len="med"/>
+                      <a:tailEnd type="none" w="med" len="med"/>
+                    </a:lnR>
+                    <a:lnT w="19050" cap="flat" cmpd="sng" algn="ctr">
+                      <a:solidFill>
+                        <a:schemeClr val="tx1"/>
+                      </a:solidFill>
+                      <a:prstDash val="solid"/>
+                      <a:round/>
+                      <a:headEnd type="none" w="med" len="med"/>
+                      <a:tailEnd type="none" w="med" len="med"/>
+                    </a:lnT>
+                    <a:lnB w="19050" cap="flat" cmpd="sng" algn="ctr">
+                      <a:solidFill>
+                        <a:schemeClr val="tx1"/>
+                      </a:solidFill>
+                      <a:prstDash val="solid"/>
+                      <a:round/>
+                      <a:headEnd type="none" w="med" len="med"/>
+                      <a:tailEnd type="none" w="med" len="med"/>
+                    </a:lnB>
+                  </a:tcPr>
+                </a:tc>
+                <a:tc>
+                  <a:txBody>
+                    <a:bodyPr/>
+                    <a:lstStyle/>
+                    <a:p>
+                      <a:pPr latinLnBrk="1"/>
+                      <a:r>
+                        <a:rPr lang="en-US" altLang="ko-KR" sz="1400" dirty="0" err="1"/>
+                        <a:t>eth0</a:t>
+                      </a:r>
+                      <a:endParaRPr lang="ko-KR" altLang="en-US" sz="1400" dirty="0"/>
+                    </a:p>
+                  </a:txBody>
+                  <a:tcPr>
+                    <a:lnL w="19050" cap="flat" cmpd="sng" algn="ctr">
+                      <a:solidFill>
+                        <a:schemeClr val="tx1"/>
+                      </a:solidFill>
+                      <a:prstDash val="solid"/>
+                      <a:round/>
+                      <a:headEnd type="none" w="med" len="med"/>
+                      <a:tailEnd type="none" w="med" len="med"/>
+                    </a:lnL>
+                    <a:lnR w="19050" cap="flat" cmpd="sng" algn="ctr">
+                      <a:solidFill>
+                        <a:schemeClr val="tx1"/>
+                      </a:solidFill>
+                      <a:prstDash val="solid"/>
+                      <a:round/>
+                      <a:headEnd type="none" w="med" len="med"/>
+                      <a:tailEnd type="none" w="med" len="med"/>
+                    </a:lnR>
+                    <a:lnT w="19050" cap="flat" cmpd="sng" algn="ctr">
+                      <a:solidFill>
+                        <a:schemeClr val="tx1"/>
+                      </a:solidFill>
+                      <a:prstDash val="solid"/>
+                      <a:round/>
+                      <a:headEnd type="none" w="med" len="med"/>
+                      <a:tailEnd type="none" w="med" len="med"/>
+                    </a:lnT>
+                    <a:lnB w="19050" cap="flat" cmpd="sng" algn="ctr">
+                      <a:solidFill>
+                        <a:schemeClr val="tx1"/>
+                      </a:solidFill>
+                      <a:prstDash val="solid"/>
+                      <a:round/>
+                      <a:headEnd type="none" w="med" len="med"/>
+                      <a:tailEnd type="none" w="med" len="med"/>
+                    </a:lnB>
+                  </a:tcPr>
+                </a:tc>
+                <a:extLst>
+                  <a:ext uri="{0D108BD9-81ED-4DB2-BD59-A6C34878D82A}">
+                    <a16:rowId xmlns:a16="http://schemas.microsoft.com/office/drawing/2014/main" val="10000"/>
+                  </a:ext>
+                </a:extLst>
+              </a:tr>
+              <a:tr h="312561">
+                <a:tc>
+                  <a:txBody>
+                    <a:bodyPr/>
+                    <a:lstStyle/>
+                    <a:p>
+                      <a:pPr latinLnBrk="1"/>
+                      <a:r>
+                        <a:rPr lang="en-US" altLang="ko-KR" sz="1400"/>
+                        <a:t>10.244.2.0/24</a:t>
+                      </a:r>
+                      <a:endParaRPr lang="ko-KR" altLang="en-US" sz="1400" dirty="0"/>
+                    </a:p>
+                  </a:txBody>
+                  <a:tcPr>
+                    <a:lnL w="19050" cap="flat" cmpd="sng" algn="ctr">
+                      <a:solidFill>
+                        <a:schemeClr val="tx1"/>
+                      </a:solidFill>
+                      <a:prstDash val="solid"/>
+                      <a:round/>
+                      <a:headEnd type="none" w="med" len="med"/>
+                      <a:tailEnd type="none" w="med" len="med"/>
+                    </a:lnL>
+                    <a:lnR w="19050" cap="flat" cmpd="sng" algn="ctr">
+                      <a:solidFill>
+                        <a:schemeClr val="tx1"/>
+                      </a:solidFill>
+                      <a:prstDash val="solid"/>
+                      <a:round/>
+                      <a:headEnd type="none" w="med" len="med"/>
+                      <a:tailEnd type="none" w="med" len="med"/>
+                    </a:lnR>
+                    <a:lnT w="19050" cap="flat" cmpd="sng" algn="ctr">
+                      <a:solidFill>
+                        <a:schemeClr val="tx1"/>
+                      </a:solidFill>
+                      <a:prstDash val="solid"/>
+                      <a:round/>
+                      <a:headEnd type="none" w="med" len="med"/>
+                      <a:tailEnd type="none" w="med" len="med"/>
+                    </a:lnT>
+                    <a:lnB w="19050" cap="flat" cmpd="sng" algn="ctr">
+                      <a:solidFill>
+                        <a:schemeClr val="tx1"/>
+                      </a:solidFill>
+                      <a:prstDash val="solid"/>
+                      <a:round/>
+                      <a:headEnd type="none" w="med" len="med"/>
+                      <a:tailEnd type="none" w="med" len="med"/>
+                    </a:lnB>
+                  </a:tcPr>
+                </a:tc>
+                <a:tc>
+                  <a:txBody>
+                    <a:bodyPr/>
+                    <a:lstStyle/>
+                    <a:p>
+                      <a:pPr latinLnBrk="1"/>
+                      <a:r>
+                        <a:rPr lang="en-US" altLang="ko-KR" sz="1400"/>
+                        <a:t>0.0.0.0</a:t>
+                      </a:r>
+                      <a:endParaRPr lang="ko-KR" altLang="en-US" sz="1400" dirty="0"/>
+                    </a:p>
+                  </a:txBody>
+                  <a:tcPr>
+                    <a:lnL w="19050" cap="flat" cmpd="sng" algn="ctr">
+                      <a:solidFill>
+                        <a:schemeClr val="tx1"/>
+                      </a:solidFill>
+                      <a:prstDash val="solid"/>
+                      <a:round/>
+                      <a:headEnd type="none" w="med" len="med"/>
+                      <a:tailEnd type="none" w="med" len="med"/>
+                    </a:lnL>
+                    <a:lnR w="19050" cap="flat" cmpd="sng" algn="ctr">
+                      <a:solidFill>
+                        <a:schemeClr val="tx1"/>
+                      </a:solidFill>
+                      <a:prstDash val="solid"/>
+                      <a:round/>
+                      <a:headEnd type="none" w="med" len="med"/>
+                      <a:tailEnd type="none" w="med" len="med"/>
+                    </a:lnR>
+                    <a:lnT w="19050" cap="flat" cmpd="sng" algn="ctr">
+                      <a:solidFill>
+                        <a:schemeClr val="tx1"/>
+                      </a:solidFill>
+                      <a:prstDash val="solid"/>
+                      <a:round/>
+                      <a:headEnd type="none" w="med" len="med"/>
+                      <a:tailEnd type="none" w="med" len="med"/>
+                    </a:lnT>
+                    <a:lnB w="19050" cap="flat" cmpd="sng" algn="ctr">
+                      <a:solidFill>
+                        <a:schemeClr val="tx1"/>
+                      </a:solidFill>
+                      <a:prstDash val="solid"/>
+                      <a:round/>
+                      <a:headEnd type="none" w="med" len="med"/>
+                      <a:tailEnd type="none" w="med" len="med"/>
+                    </a:lnB>
+                  </a:tcPr>
+                </a:tc>
+                <a:tc>
+                  <a:txBody>
+                    <a:bodyPr/>
+                    <a:lstStyle/>
+                    <a:p>
+                      <a:pPr latinLnBrk="1"/>
+                      <a:r>
+                        <a:rPr lang="en-US" altLang="ko-KR" sz="1400"/>
+                        <a:t>cni0</a:t>
+                      </a:r>
+                      <a:endParaRPr lang="ko-KR" altLang="en-US" sz="1400" dirty="0"/>
+                    </a:p>
+                  </a:txBody>
+                  <a:tcPr>
+                    <a:lnL w="19050" cap="flat" cmpd="sng" algn="ctr">
+                      <a:solidFill>
+                        <a:schemeClr val="tx1"/>
+                      </a:solidFill>
+                      <a:prstDash val="solid"/>
+                      <a:round/>
+                      <a:headEnd type="none" w="med" len="med"/>
+                      <a:tailEnd type="none" w="med" len="med"/>
+                    </a:lnL>
+                    <a:lnR w="19050" cap="flat" cmpd="sng" algn="ctr">
+                      <a:solidFill>
+                        <a:schemeClr val="tx1"/>
+                      </a:solidFill>
+                      <a:prstDash val="solid"/>
+                      <a:round/>
+                      <a:headEnd type="none" w="med" len="med"/>
+                      <a:tailEnd type="none" w="med" len="med"/>
+                    </a:lnR>
+                    <a:lnT w="19050" cap="flat" cmpd="sng" algn="ctr">
+                      <a:solidFill>
+                        <a:schemeClr val="tx1"/>
+                      </a:solidFill>
+                      <a:prstDash val="solid"/>
+                      <a:round/>
+                      <a:headEnd type="none" w="med" len="med"/>
+                      <a:tailEnd type="none" w="med" len="med"/>
+                    </a:lnT>
+                    <a:lnB w="19050" cap="flat" cmpd="sng" algn="ctr">
+                      <a:solidFill>
+                        <a:schemeClr val="tx1"/>
+                      </a:solidFill>
+                      <a:prstDash val="solid"/>
+                      <a:round/>
+                      <a:headEnd type="none" w="med" len="med"/>
+                      <a:tailEnd type="none" w="med" len="med"/>
+                    </a:lnB>
+                  </a:tcPr>
+                </a:tc>
+                <a:extLst>
+                  <a:ext uri="{0D108BD9-81ED-4DB2-BD59-A6C34878D82A}">
+                    <a16:rowId xmlns:a16="http://schemas.microsoft.com/office/drawing/2014/main" val="10001"/>
+                  </a:ext>
+                </a:extLst>
+              </a:tr>
+              <a:tr h="312561">
+                <a:tc>
+                  <a:txBody>
+                    <a:bodyPr/>
+                    <a:lstStyle/>
+                    <a:p>
+                      <a:pPr latinLnBrk="1"/>
+                      <a:r>
+                        <a:rPr lang="en-US" altLang="ko-KR" sz="1400"/>
+                        <a:t>10.244.1.0/24</a:t>
+                      </a:r>
+                      <a:endParaRPr lang="ko-KR" altLang="en-US" sz="1400" dirty="0"/>
+                    </a:p>
+                  </a:txBody>
+                  <a:tcPr>
+                    <a:lnL w="19050" cap="flat" cmpd="sng" algn="ctr">
+                      <a:solidFill>
+                        <a:schemeClr val="tx1"/>
+                      </a:solidFill>
+                      <a:prstDash val="solid"/>
+                      <a:round/>
+                      <a:headEnd type="none" w="med" len="med"/>
+                      <a:tailEnd type="none" w="med" len="med"/>
+                    </a:lnL>
+                    <a:lnR w="19050" cap="flat" cmpd="sng" algn="ctr">
+                      <a:solidFill>
+                        <a:schemeClr val="tx1"/>
+                      </a:solidFill>
+                      <a:prstDash val="solid"/>
+                      <a:round/>
+                      <a:headEnd type="none" w="med" len="med"/>
+                      <a:tailEnd type="none" w="med" len="med"/>
+                    </a:lnR>
+                    <a:lnT w="19050" cap="flat" cmpd="sng" algn="ctr">
+                      <a:solidFill>
+                        <a:schemeClr val="tx1"/>
+                      </a:solidFill>
+                      <a:prstDash val="solid"/>
+                      <a:round/>
+                      <a:headEnd type="none" w="med" len="med"/>
+                      <a:tailEnd type="none" w="med" len="med"/>
+                    </a:lnT>
+                    <a:lnB w="19050" cap="flat" cmpd="sng" algn="ctr">
+                      <a:solidFill>
+                        <a:schemeClr val="tx1"/>
+                      </a:solidFill>
+                      <a:prstDash val="solid"/>
+                      <a:round/>
+                      <a:headEnd type="none" w="med" len="med"/>
+                      <a:tailEnd type="none" w="med" len="med"/>
+                    </a:lnB>
+                  </a:tcPr>
+                </a:tc>
+                <a:tc>
+                  <a:txBody>
+                    <a:bodyPr/>
+                    <a:lstStyle/>
+                    <a:p>
+                      <a:pPr latinLnBrk="1"/>
+                      <a:r>
+                        <a:rPr lang="en-US" altLang="ko-KR" sz="1400"/>
+                        <a:t>10.0.0.20</a:t>
+                      </a:r>
+                      <a:endParaRPr lang="ko-KR" altLang="en-US" sz="1400" dirty="0"/>
+                    </a:p>
+                  </a:txBody>
+                  <a:tcPr>
+                    <a:lnL w="19050" cap="flat" cmpd="sng" algn="ctr">
+                      <a:solidFill>
+                        <a:schemeClr val="tx1"/>
+                      </a:solidFill>
+                      <a:prstDash val="solid"/>
+                      <a:round/>
+                      <a:headEnd type="none" w="med" len="med"/>
+                      <a:tailEnd type="none" w="med" len="med"/>
+                    </a:lnL>
+                    <a:lnR w="19050" cap="flat" cmpd="sng" algn="ctr">
+                      <a:solidFill>
+                        <a:schemeClr val="tx1"/>
+                      </a:solidFill>
+                      <a:prstDash val="solid"/>
+                      <a:round/>
+                      <a:headEnd type="none" w="med" len="med"/>
+                      <a:tailEnd type="none" w="med" len="med"/>
+                    </a:lnR>
+                    <a:lnT w="19050" cap="flat" cmpd="sng" algn="ctr">
+                      <a:solidFill>
+                        <a:schemeClr val="tx1"/>
+                      </a:solidFill>
+                      <a:prstDash val="solid"/>
+                      <a:round/>
+                      <a:headEnd type="none" w="med" len="med"/>
+                      <a:tailEnd type="none" w="med" len="med"/>
+                    </a:lnT>
+                    <a:lnB w="19050" cap="flat" cmpd="sng" algn="ctr">
+                      <a:solidFill>
+                        <a:schemeClr val="tx1"/>
+                      </a:solidFill>
+                      <a:prstDash val="solid"/>
+                      <a:round/>
+                      <a:headEnd type="none" w="med" len="med"/>
+                      <a:tailEnd type="none" w="med" len="med"/>
+                    </a:lnB>
+                  </a:tcPr>
+                </a:tc>
+                <a:tc>
+                  <a:txBody>
+                    <a:bodyPr/>
+                    <a:lstStyle/>
+                    <a:p>
+                      <a:pPr latinLnBrk="1"/>
+                      <a:r>
+                        <a:rPr lang="en-US" altLang="ko-KR" sz="1400"/>
+                        <a:t>eth0</a:t>
+                      </a:r>
+                      <a:endParaRPr lang="ko-KR" altLang="en-US" sz="1400" dirty="0"/>
+                    </a:p>
+                  </a:txBody>
+                  <a:tcPr>
+                    <a:lnL w="19050" cap="flat" cmpd="sng" algn="ctr">
+                      <a:solidFill>
+                        <a:schemeClr val="tx1"/>
+                      </a:solidFill>
+                      <a:prstDash val="solid"/>
+                      <a:round/>
+                      <a:headEnd type="none" w="med" len="med"/>
+                      <a:tailEnd type="none" w="med" len="med"/>
+                    </a:lnL>
+                    <a:lnR w="19050" cap="flat" cmpd="sng" algn="ctr">
+                      <a:solidFill>
+                        <a:schemeClr val="tx1"/>
+                      </a:solidFill>
+                      <a:prstDash val="solid"/>
+                      <a:round/>
+                      <a:headEnd type="none" w="med" len="med"/>
+                      <a:tailEnd type="none" w="med" len="med"/>
+                    </a:lnR>
+                    <a:lnT w="19050" cap="flat" cmpd="sng" algn="ctr">
+                      <a:solidFill>
+                        <a:schemeClr val="tx1"/>
+                      </a:solidFill>
+                      <a:prstDash val="solid"/>
+                      <a:round/>
+                      <a:headEnd type="none" w="med" len="med"/>
+                      <a:tailEnd type="none" w="med" len="med"/>
+                    </a:lnT>
+                    <a:lnB w="19050" cap="flat" cmpd="sng" algn="ctr">
+                      <a:solidFill>
+                        <a:schemeClr val="tx1"/>
+                      </a:solidFill>
+                      <a:prstDash val="solid"/>
+                      <a:round/>
+                      <a:headEnd type="none" w="med" len="med"/>
+                      <a:tailEnd type="none" w="med" len="med"/>
+                    </a:lnB>
+                  </a:tcPr>
+                </a:tc>
+                <a:extLst>
+                  <a:ext uri="{0D108BD9-81ED-4DB2-BD59-A6C34878D82A}">
+                    <a16:rowId xmlns:a16="http://schemas.microsoft.com/office/drawing/2014/main" val="10002"/>
+                  </a:ext>
+                </a:extLst>
+              </a:tr>
+            </a:tbl>
+          </a:graphicData>
+        </a:graphic>
+      </p:graphicFrame>
+      <p:sp>
+        <p:nvSpPr>
+          <p:cNvPr id="67" name="모서리가 둥근 직사각형 44">
+            <a:extLst>
+              <a:ext uri="{FF2B5EF4-FFF2-40B4-BE49-F238E27FC236}">
+                <a16:creationId xmlns:a16="http://schemas.microsoft.com/office/drawing/2014/main" id="{F7C0FDFB-B441-4E04-A1DC-B1A1A3FB9868}"/>
+              </a:ext>
+            </a:extLst>
+          </p:cNvPr>
+          <p:cNvSpPr/>
+          <p:nvPr/>
+        </p:nvSpPr>
+        <p:spPr>
+          <a:xfrm>
+            <a:off x="2174945" y="2067694"/>
+            <a:ext cx="1676975" cy="288032"/>
+          </a:xfrm>
+          <a:prstGeom prst="roundRect">
+            <a:avLst>
+              <a:gd name="adj" fmla="val 6195"/>
+            </a:avLst>
+          </a:prstGeom>
+          <a:noFill/>
+          <a:ln>
+            <a:noFill/>
+          </a:ln>
+        </p:spPr>
+        <p:style>
+          <a:lnRef idx="2">
+            <a:schemeClr val="dk1"/>
+          </a:lnRef>
+          <a:fillRef idx="1">
+            <a:schemeClr val="lt1"/>
+          </a:fillRef>
+          <a:effectRef idx="0">
+            <a:schemeClr val="dk1"/>
+          </a:effectRef>
+          <a:fontRef idx="minor">
+            <a:schemeClr val="dk1"/>
+          </a:fontRef>
+        </p:style>
+        <p:txBody>
+          <a:bodyPr rtlCol="0" anchor="ctr"/>
+          <a:lstStyle/>
+          <a:p>
+            <a:pPr algn="ctr"/>
+            <a:r>
+              <a:rPr lang="en-US" altLang="ko-KR" sz="1400"/>
+              <a:t>10.244.1.1</a:t>
+            </a:r>
+            <a:endParaRPr lang="ko-KR" altLang="en-US" sz="1400" dirty="0"/>
+          </a:p>
+        </p:txBody>
+      </p:sp>
+      <p:sp>
+        <p:nvSpPr>
+          <p:cNvPr id="68" name="모서리가 둥근 직사각형 44">
+            <a:extLst>
+              <a:ext uri="{FF2B5EF4-FFF2-40B4-BE49-F238E27FC236}">
+                <a16:creationId xmlns:a16="http://schemas.microsoft.com/office/drawing/2014/main" id="{27B03ADC-F842-458F-99ED-B4C5CBBABF52}"/>
+              </a:ext>
+            </a:extLst>
+          </p:cNvPr>
+          <p:cNvSpPr/>
+          <p:nvPr/>
+        </p:nvSpPr>
+        <p:spPr>
+          <a:xfrm>
+            <a:off x="6719224" y="2067694"/>
+            <a:ext cx="1676975" cy="288032"/>
+          </a:xfrm>
+          <a:prstGeom prst="roundRect">
+            <a:avLst>
+              <a:gd name="adj" fmla="val 6195"/>
+            </a:avLst>
+          </a:prstGeom>
+          <a:noFill/>
+          <a:ln>
+            <a:noFill/>
+          </a:ln>
+        </p:spPr>
+        <p:style>
+          <a:lnRef idx="2">
+            <a:schemeClr val="dk1"/>
+          </a:lnRef>
+          <a:fillRef idx="1">
+            <a:schemeClr val="lt1"/>
+          </a:fillRef>
+          <a:effectRef idx="0">
+            <a:schemeClr val="dk1"/>
+          </a:effectRef>
+          <a:fontRef idx="minor">
+            <a:schemeClr val="dk1"/>
+          </a:fontRef>
+        </p:style>
+        <p:txBody>
+          <a:bodyPr rtlCol="0" anchor="ctr"/>
+          <a:lstStyle/>
+          <a:p>
+            <a:pPr algn="ctr"/>
+            <a:r>
+              <a:rPr lang="en-US" altLang="ko-KR" sz="1400"/>
+              <a:t>10.244.2.1</a:t>
+            </a:r>
+            <a:endParaRPr lang="ko-KR" altLang="en-US" sz="1400" dirty="0"/>
+          </a:p>
+        </p:txBody>
+      </p:sp>
+    </p:spTree>
+    <p:extLst>
+      <p:ext uri="{BB962C8B-B14F-4D97-AF65-F5344CB8AC3E}">
+        <p14:creationId xmlns:p14="http://schemas.microsoft.com/office/powerpoint/2010/main" val="621495884"/>
+      </p:ext>
+    </p:extLst>
+  </p:cSld>
+  <p:clrMapOvr>
+    <a:masterClrMapping/>
+  </p:clrMapOvr>
+</p:sld>
+</file>
+
+<file path=ppt/slides/slide3.xml><?xml version="1.0" encoding="utf-8"?>
+<p:sld xmlns:a="http://schemas.openxmlformats.org/drawingml/2006/main" xmlns:r="http://schemas.openxmlformats.org/officeDocument/2006/relationships" xmlns:p="http://schemas.openxmlformats.org/presentationml/2006/main">
+  <p:cSld>
+    <p:spTree>
+      <p:nvGrpSpPr>
+        <p:cNvPr id="1" name=""/>
+        <p:cNvGrpSpPr/>
+        <p:nvPr/>
+      </p:nvGrpSpPr>
+      <p:grpSpPr>
+        <a:xfrm>
+          <a:off x="0" y="0"/>
+          <a:ext cx="0" cy="0"/>
+          <a:chOff x="0" y="0"/>
+          <a:chExt cx="0" cy="0"/>
+        </a:xfrm>
+      </p:grpSpPr>
+      <p:sp>
+        <p:nvSpPr>
+          <p:cNvPr id="6" name="제목 1"/>
+          <p:cNvSpPr>
+            <a:spLocks noGrp="1"/>
+          </p:cNvSpPr>
+          <p:nvPr>
+            <p:ph type="title"/>
+          </p:nvPr>
+        </p:nvSpPr>
+        <p:spPr>
+          <a:xfrm>
+            <a:off x="457200" y="-20538"/>
+            <a:ext cx="8229600" cy="857250"/>
+          </a:xfrm>
+        </p:spPr>
+        <p:txBody>
+          <a:bodyPr>
+            <a:normAutofit fontScale="90000"/>
+          </a:bodyPr>
+          <a:lstStyle/>
+          <a:p>
+            <a:r>
+              <a:rPr lang="en-US" altLang="ko-KR"/>
+              <a:t>Flannel </a:t>
+            </a:r>
+            <a:r>
+              <a:rPr lang="en-US" altLang="ko-KR" dirty="0"/>
+              <a:t>Network </a:t>
+            </a:r>
+            <a:r>
+              <a:rPr lang="en-US" altLang="ko-KR"/>
+              <a:t>with vxlan mode</a:t>
+            </a:r>
+            <a:endParaRPr lang="ko-KR" altLang="en-US" dirty="0"/>
+          </a:p>
+        </p:txBody>
+      </p:sp>
+      <p:sp>
+        <p:nvSpPr>
+          <p:cNvPr id="3" name="모서리가 둥근 직사각형 44">
+            <a:extLst>
+              <a:ext uri="{FF2B5EF4-FFF2-40B4-BE49-F238E27FC236}">
+                <a16:creationId xmlns:a16="http://schemas.microsoft.com/office/drawing/2014/main" id="{2DBA49E2-5203-48AC-9D0B-4B3C58EE231E}"/>
+              </a:ext>
+            </a:extLst>
+          </p:cNvPr>
+          <p:cNvSpPr/>
+          <p:nvPr/>
+        </p:nvSpPr>
+        <p:spPr>
+          <a:xfrm>
+            <a:off x="457200" y="771551"/>
+            <a:ext cx="3682752" cy="3816420"/>
+          </a:xfrm>
+          <a:prstGeom prst="roundRect">
+            <a:avLst>
+              <a:gd name="adj" fmla="val 1946"/>
+            </a:avLst>
+          </a:prstGeom>
+          <a:ln/>
+        </p:spPr>
+        <p:style>
+          <a:lnRef idx="2">
+            <a:schemeClr val="dk1"/>
+          </a:lnRef>
+          <a:fillRef idx="1">
+            <a:schemeClr val="lt1"/>
+          </a:fillRef>
+          <a:effectRef idx="0">
+            <a:schemeClr val="dk1"/>
+          </a:effectRef>
+          <a:fontRef idx="minor">
+            <a:schemeClr val="dk1"/>
+          </a:fontRef>
+        </p:style>
+        <p:txBody>
+          <a:bodyPr rtlCol="0" anchor="b"/>
+          <a:lstStyle/>
+          <a:p>
+            <a:r>
+              <a:rPr lang="en-US" altLang="ko-KR" sz="1600" b="1" dirty="0"/>
+              <a:t>Node 1 </a:t>
+            </a:r>
+          </a:p>
+          <a:p>
+            <a:r>
+              <a:rPr lang="en-US" altLang="ko-KR" sz="1600" b="1"/>
+              <a:t>(10.244.1.0/24)</a:t>
+            </a:r>
+            <a:endParaRPr lang="ko-KR" altLang="en-US" sz="1600" b="1" dirty="0"/>
+          </a:p>
+        </p:txBody>
+      </p:sp>
+      <p:graphicFrame>
+        <p:nvGraphicFramePr>
+          <p:cNvPr id="2" name="표 1"/>
+          <p:cNvGraphicFramePr>
+            <a:graphicFrameLocks noGrp="1"/>
+          </p:cNvGraphicFramePr>
+          <p:nvPr>
+            <p:extLst>
+              <p:ext uri="{D42A27DB-BD31-4B8C-83A1-F6EECF244321}">
+                <p14:modId xmlns:p14="http://schemas.microsoft.com/office/powerpoint/2010/main" val="4106359287"/>
+              </p:ext>
+            </p:extLst>
+          </p:nvPr>
+        </p:nvGraphicFramePr>
+        <p:xfrm>
+          <a:off x="620530" y="2393826"/>
+          <a:ext cx="3356356" cy="937683"/>
+        </p:xfrm>
+        <a:graphic>
+          <a:graphicData uri="http://schemas.openxmlformats.org/drawingml/2006/table">
+            <a:tbl>
+              <a:tblPr firstRow="1" bandRow="1">
+                <a:tableStyleId>{2D5ABB26-0587-4C30-8999-92F81FD0307C}</a:tableStyleId>
+              </a:tblPr>
+              <a:tblGrid>
+                <a:gridCol w="1340134">
+                  <a:extLst>
+                    <a:ext uri="{9D8B030D-6E8A-4147-A177-3AD203B41FA5}">
+                      <a16:colId xmlns:a16="http://schemas.microsoft.com/office/drawing/2014/main" val="20000"/>
+                    </a:ext>
+                  </a:extLst>
+                </a:gridCol>
+                <a:gridCol w="1112589">
+                  <a:extLst>
+                    <a:ext uri="{9D8B030D-6E8A-4147-A177-3AD203B41FA5}">
+                      <a16:colId xmlns:a16="http://schemas.microsoft.com/office/drawing/2014/main" val="959866616"/>
+                    </a:ext>
+                  </a:extLst>
+                </a:gridCol>
+                <a:gridCol w="903633">
+                  <a:extLst>
+                    <a:ext uri="{9D8B030D-6E8A-4147-A177-3AD203B41FA5}">
+                      <a16:colId xmlns:a16="http://schemas.microsoft.com/office/drawing/2014/main" val="20001"/>
+                    </a:ext>
+                  </a:extLst>
+                </a:gridCol>
+              </a:tblGrid>
+              <a:tr h="312561">
+                <a:tc>
+                  <a:txBody>
+                    <a:bodyPr/>
+                    <a:lstStyle/>
+                    <a:p>
+                      <a:pPr latinLnBrk="1"/>
+                      <a:r>
+                        <a:rPr lang="en-US" altLang="ko-KR" sz="1400" dirty="0"/>
+                        <a:t>10.0.0.1/24</a:t>
+                      </a:r>
+                      <a:endParaRPr lang="ko-KR" altLang="en-US" sz="1400" dirty="0"/>
+                    </a:p>
+                  </a:txBody>
+                  <a:tcPr>
+                    <a:lnL w="19050" cap="flat" cmpd="sng" algn="ctr">
+                      <a:solidFill>
+                        <a:schemeClr val="tx1"/>
+                      </a:solidFill>
+                      <a:prstDash val="solid"/>
+                      <a:round/>
+                      <a:headEnd type="none" w="med" len="med"/>
+                      <a:tailEnd type="none" w="med" len="med"/>
+                    </a:lnL>
+                    <a:lnR w="19050" cap="flat" cmpd="sng" algn="ctr">
+                      <a:solidFill>
+                        <a:schemeClr val="tx1"/>
+                      </a:solidFill>
+                      <a:prstDash val="solid"/>
+                      <a:round/>
+                      <a:headEnd type="none" w="med" len="med"/>
+                      <a:tailEnd type="none" w="med" len="med"/>
+                    </a:lnR>
+                    <a:lnT w="19050" cap="flat" cmpd="sng" algn="ctr">
+                      <a:solidFill>
+                        <a:schemeClr val="tx1"/>
+                      </a:solidFill>
+                      <a:prstDash val="solid"/>
+                      <a:round/>
+                      <a:headEnd type="none" w="med" len="med"/>
+                      <a:tailEnd type="none" w="med" len="med"/>
+                    </a:lnT>
+                    <a:lnB w="19050" cap="flat" cmpd="sng" algn="ctr">
+                      <a:solidFill>
+                        <a:schemeClr val="tx1"/>
+                      </a:solidFill>
+                      <a:prstDash val="solid"/>
+                      <a:round/>
+                      <a:headEnd type="none" w="med" len="med"/>
+                      <a:tailEnd type="none" w="med" len="med"/>
+                    </a:lnB>
+                  </a:tcPr>
+                </a:tc>
+                <a:tc>
+                  <a:txBody>
+                    <a:bodyPr/>
+                    <a:lstStyle/>
+                    <a:p>
+                      <a:pPr latinLnBrk="1"/>
+                      <a:r>
+                        <a:rPr lang="en-US" altLang="ko-KR" sz="1400"/>
+                        <a:t>0.0.0.0</a:t>
+                      </a:r>
+                      <a:endParaRPr lang="ko-KR" altLang="en-US" sz="1400" dirty="0"/>
+                    </a:p>
+                  </a:txBody>
+                  <a:tcPr>
+                    <a:lnL w="19050" cap="flat" cmpd="sng" algn="ctr">
+                      <a:solidFill>
+                        <a:schemeClr val="tx1"/>
+                      </a:solidFill>
+                      <a:prstDash val="solid"/>
+                      <a:round/>
+                      <a:headEnd type="none" w="med" len="med"/>
+                      <a:tailEnd type="none" w="med" len="med"/>
+                    </a:lnL>
+                    <a:lnR w="19050" cap="flat" cmpd="sng" algn="ctr">
+                      <a:solidFill>
+                        <a:schemeClr val="tx1"/>
+                      </a:solidFill>
+                      <a:prstDash val="solid"/>
+                      <a:round/>
+                      <a:headEnd type="none" w="med" len="med"/>
+                      <a:tailEnd type="none" w="med" len="med"/>
+                    </a:lnR>
+                    <a:lnT w="19050" cap="flat" cmpd="sng" algn="ctr">
+                      <a:solidFill>
+                        <a:schemeClr val="tx1"/>
+                      </a:solidFill>
+                      <a:prstDash val="solid"/>
+                      <a:round/>
+                      <a:headEnd type="none" w="med" len="med"/>
+                      <a:tailEnd type="none" w="med" len="med"/>
+                    </a:lnT>
+                    <a:lnB w="19050" cap="flat" cmpd="sng" algn="ctr">
+                      <a:solidFill>
+                        <a:schemeClr val="tx1"/>
+                      </a:solidFill>
+                      <a:prstDash val="solid"/>
+                      <a:round/>
+                      <a:headEnd type="none" w="med" len="med"/>
+                      <a:tailEnd type="none" w="med" len="med"/>
+                    </a:lnB>
+                  </a:tcPr>
+                </a:tc>
+                <a:tc>
+                  <a:txBody>
+                    <a:bodyPr/>
+                    <a:lstStyle/>
+                    <a:p>
+                      <a:pPr latinLnBrk="1"/>
+                      <a:r>
+                        <a:rPr lang="en-US" altLang="ko-KR" sz="1400" dirty="0" err="1"/>
+                        <a:t>eth0</a:t>
+                      </a:r>
+                      <a:endParaRPr lang="ko-KR" altLang="en-US" sz="1400" dirty="0"/>
+                    </a:p>
+                  </a:txBody>
+                  <a:tcPr>
+                    <a:lnL w="19050" cap="flat" cmpd="sng" algn="ctr">
+                      <a:solidFill>
+                        <a:schemeClr val="tx1"/>
+                      </a:solidFill>
+                      <a:prstDash val="solid"/>
+                      <a:round/>
+                      <a:headEnd type="none" w="med" len="med"/>
+                      <a:tailEnd type="none" w="med" len="med"/>
+                    </a:lnL>
+                    <a:lnR w="19050" cap="flat" cmpd="sng" algn="ctr">
+                      <a:solidFill>
+                        <a:schemeClr val="tx1"/>
+                      </a:solidFill>
+                      <a:prstDash val="solid"/>
+                      <a:round/>
+                      <a:headEnd type="none" w="med" len="med"/>
+                      <a:tailEnd type="none" w="med" len="med"/>
+                    </a:lnR>
+                    <a:lnT w="19050" cap="flat" cmpd="sng" algn="ctr">
+                      <a:solidFill>
+                        <a:schemeClr val="tx1"/>
+                      </a:solidFill>
+                      <a:prstDash val="solid"/>
+                      <a:round/>
+                      <a:headEnd type="none" w="med" len="med"/>
+                      <a:tailEnd type="none" w="med" len="med"/>
+                    </a:lnT>
+                    <a:lnB w="19050" cap="flat" cmpd="sng" algn="ctr">
+                      <a:solidFill>
+                        <a:schemeClr val="tx1"/>
+                      </a:solidFill>
+                      <a:prstDash val="solid"/>
+                      <a:round/>
+                      <a:headEnd type="none" w="med" len="med"/>
+                      <a:tailEnd type="none" w="med" len="med"/>
+                    </a:lnB>
+                  </a:tcPr>
+                </a:tc>
+                <a:extLst>
+                  <a:ext uri="{0D108BD9-81ED-4DB2-BD59-A6C34878D82A}">
+                    <a16:rowId xmlns:a16="http://schemas.microsoft.com/office/drawing/2014/main" val="10000"/>
+                  </a:ext>
+                </a:extLst>
+              </a:tr>
+              <a:tr h="312561">
+                <a:tc>
+                  <a:txBody>
+                    <a:bodyPr/>
+                    <a:lstStyle/>
+                    <a:p>
+                      <a:pPr latinLnBrk="1"/>
+                      <a:r>
+                        <a:rPr lang="en-US" altLang="ko-KR" sz="1400"/>
+                        <a:t>10.244.1.0/24</a:t>
+                      </a:r>
+                      <a:endParaRPr lang="ko-KR" altLang="en-US" sz="1400" dirty="0"/>
+                    </a:p>
+                  </a:txBody>
+                  <a:tcPr>
+                    <a:lnL w="19050" cap="flat" cmpd="sng" algn="ctr">
+                      <a:solidFill>
+                        <a:schemeClr val="tx1"/>
+                      </a:solidFill>
+                      <a:prstDash val="solid"/>
+                      <a:round/>
+                      <a:headEnd type="none" w="med" len="med"/>
+                      <a:tailEnd type="none" w="med" len="med"/>
+                    </a:lnL>
+                    <a:lnR w="19050" cap="flat" cmpd="sng" algn="ctr">
+                      <a:solidFill>
+                        <a:schemeClr val="tx1"/>
+                      </a:solidFill>
+                      <a:prstDash val="solid"/>
+                      <a:round/>
+                      <a:headEnd type="none" w="med" len="med"/>
+                      <a:tailEnd type="none" w="med" len="med"/>
+                    </a:lnR>
+                    <a:lnT w="19050" cap="flat" cmpd="sng" algn="ctr">
+                      <a:solidFill>
+                        <a:schemeClr val="tx1"/>
+                      </a:solidFill>
+                      <a:prstDash val="solid"/>
+                      <a:round/>
+                      <a:headEnd type="none" w="med" len="med"/>
+                      <a:tailEnd type="none" w="med" len="med"/>
+                    </a:lnT>
+                    <a:lnB w="19050" cap="flat" cmpd="sng" algn="ctr">
+                      <a:solidFill>
+                        <a:schemeClr val="tx1"/>
+                      </a:solidFill>
+                      <a:prstDash val="solid"/>
+                      <a:round/>
+                      <a:headEnd type="none" w="med" len="med"/>
+                      <a:tailEnd type="none" w="med" len="med"/>
+                    </a:lnB>
+                  </a:tcPr>
+                </a:tc>
+                <a:tc>
+                  <a:txBody>
+                    <a:bodyPr/>
+                    <a:lstStyle/>
+                    <a:p>
+                      <a:pPr latinLnBrk="1"/>
+                      <a:r>
+                        <a:rPr lang="en-US" altLang="ko-KR" sz="1400"/>
+                        <a:t>0.0.0.0</a:t>
+                      </a:r>
+                      <a:endParaRPr lang="ko-KR" altLang="en-US" sz="1400" dirty="0"/>
+                    </a:p>
+                  </a:txBody>
+                  <a:tcPr>
+                    <a:lnL w="19050" cap="flat" cmpd="sng" algn="ctr">
+                      <a:solidFill>
+                        <a:schemeClr val="tx1"/>
+                      </a:solidFill>
+                      <a:prstDash val="solid"/>
+                      <a:round/>
+                      <a:headEnd type="none" w="med" len="med"/>
+                      <a:tailEnd type="none" w="med" len="med"/>
+                    </a:lnL>
+                    <a:lnR w="19050" cap="flat" cmpd="sng" algn="ctr">
+                      <a:solidFill>
+                        <a:schemeClr val="tx1"/>
+                      </a:solidFill>
+                      <a:prstDash val="solid"/>
+                      <a:round/>
+                      <a:headEnd type="none" w="med" len="med"/>
+                      <a:tailEnd type="none" w="med" len="med"/>
+                    </a:lnR>
+                    <a:lnT w="19050" cap="flat" cmpd="sng" algn="ctr">
+                      <a:solidFill>
+                        <a:schemeClr val="tx1"/>
+                      </a:solidFill>
+                      <a:prstDash val="solid"/>
+                      <a:round/>
+                      <a:headEnd type="none" w="med" len="med"/>
+                      <a:tailEnd type="none" w="med" len="med"/>
+                    </a:lnT>
+                    <a:lnB w="19050" cap="flat" cmpd="sng" algn="ctr">
+                      <a:solidFill>
+                        <a:schemeClr val="tx1"/>
+                      </a:solidFill>
+                      <a:prstDash val="solid"/>
+                      <a:round/>
+                      <a:headEnd type="none" w="med" len="med"/>
+                      <a:tailEnd type="none" w="med" len="med"/>
+                    </a:lnB>
+                  </a:tcPr>
+                </a:tc>
+                <a:tc>
+                  <a:txBody>
+                    <a:bodyPr/>
+                    <a:lstStyle/>
+                    <a:p>
+                      <a:pPr latinLnBrk="1"/>
+                      <a:r>
+                        <a:rPr lang="en-US" altLang="ko-KR" sz="1400"/>
+                        <a:t>cni0</a:t>
+                      </a:r>
+                      <a:endParaRPr lang="ko-KR" altLang="en-US" sz="1400" dirty="0"/>
+                    </a:p>
+                  </a:txBody>
+                  <a:tcPr>
+                    <a:lnL w="19050" cap="flat" cmpd="sng" algn="ctr">
+                      <a:solidFill>
+                        <a:schemeClr val="tx1"/>
+                      </a:solidFill>
+                      <a:prstDash val="solid"/>
+                      <a:round/>
+                      <a:headEnd type="none" w="med" len="med"/>
+                      <a:tailEnd type="none" w="med" len="med"/>
+                    </a:lnL>
+                    <a:lnR w="19050" cap="flat" cmpd="sng" algn="ctr">
+                      <a:solidFill>
+                        <a:schemeClr val="tx1"/>
+                      </a:solidFill>
+                      <a:prstDash val="solid"/>
+                      <a:round/>
+                      <a:headEnd type="none" w="med" len="med"/>
+                      <a:tailEnd type="none" w="med" len="med"/>
+                    </a:lnR>
+                    <a:lnT w="19050" cap="flat" cmpd="sng" algn="ctr">
+                      <a:solidFill>
+                        <a:schemeClr val="tx1"/>
+                      </a:solidFill>
+                      <a:prstDash val="solid"/>
+                      <a:round/>
+                      <a:headEnd type="none" w="med" len="med"/>
+                      <a:tailEnd type="none" w="med" len="med"/>
+                    </a:lnT>
+                    <a:lnB w="19050" cap="flat" cmpd="sng" algn="ctr">
+                      <a:solidFill>
+                        <a:schemeClr val="tx1"/>
+                      </a:solidFill>
+                      <a:prstDash val="solid"/>
+                      <a:round/>
+                      <a:headEnd type="none" w="med" len="med"/>
+                      <a:tailEnd type="none" w="med" len="med"/>
+                    </a:lnB>
+                  </a:tcPr>
+                </a:tc>
+                <a:extLst>
+                  <a:ext uri="{0D108BD9-81ED-4DB2-BD59-A6C34878D82A}">
+                    <a16:rowId xmlns:a16="http://schemas.microsoft.com/office/drawing/2014/main" val="10001"/>
+                  </a:ext>
+                </a:extLst>
+              </a:tr>
+              <a:tr h="312561">
+                <a:tc>
+                  <a:txBody>
+                    <a:bodyPr/>
+                    <a:lstStyle/>
+                    <a:p>
+                      <a:pPr latinLnBrk="1"/>
+                      <a:r>
+                        <a:rPr lang="en-US" altLang="ko-KR" sz="1400"/>
+                        <a:t>10.244.2.0/24</a:t>
+                      </a:r>
+                      <a:endParaRPr lang="ko-KR" altLang="en-US" sz="1400" dirty="0"/>
+                    </a:p>
+                  </a:txBody>
+                  <a:tcPr>
+                    <a:lnL w="19050" cap="flat" cmpd="sng" algn="ctr">
+                      <a:solidFill>
+                        <a:schemeClr val="tx1"/>
+                      </a:solidFill>
+                      <a:prstDash val="solid"/>
+                      <a:round/>
+                      <a:headEnd type="none" w="med" len="med"/>
+                      <a:tailEnd type="none" w="med" len="med"/>
+                    </a:lnL>
+                    <a:lnR w="19050" cap="flat" cmpd="sng" algn="ctr">
+                      <a:solidFill>
+                        <a:schemeClr val="tx1"/>
+                      </a:solidFill>
+                      <a:prstDash val="solid"/>
+                      <a:round/>
+                      <a:headEnd type="none" w="med" len="med"/>
+                      <a:tailEnd type="none" w="med" len="med"/>
+                    </a:lnR>
+                    <a:lnT w="19050" cap="flat" cmpd="sng" algn="ctr">
+                      <a:solidFill>
+                        <a:schemeClr val="tx1"/>
+                      </a:solidFill>
+                      <a:prstDash val="solid"/>
+                      <a:round/>
+                      <a:headEnd type="none" w="med" len="med"/>
+                      <a:tailEnd type="none" w="med" len="med"/>
+                    </a:lnT>
+                    <a:lnB w="19050" cap="flat" cmpd="sng" algn="ctr">
+                      <a:solidFill>
+                        <a:schemeClr val="tx1"/>
+                      </a:solidFill>
+                      <a:prstDash val="solid"/>
+                      <a:round/>
+                      <a:headEnd type="none" w="med" len="med"/>
+                      <a:tailEnd type="none" w="med" len="med"/>
+                    </a:lnB>
+                  </a:tcPr>
+                </a:tc>
+                <a:tc>
+                  <a:txBody>
+                    <a:bodyPr/>
+                    <a:lstStyle/>
+                    <a:p>
+                      <a:pPr latinLnBrk="1"/>
+                      <a:r>
+                        <a:rPr lang="en-US" altLang="ko-KR" sz="1400"/>
+                        <a:t>10.244.2.0</a:t>
+                      </a:r>
+                      <a:endParaRPr lang="ko-KR" altLang="en-US" sz="1400" dirty="0"/>
+                    </a:p>
+                  </a:txBody>
+                  <a:tcPr>
+                    <a:lnL w="19050" cap="flat" cmpd="sng" algn="ctr">
+                      <a:solidFill>
+                        <a:schemeClr val="tx1"/>
+                      </a:solidFill>
+                      <a:prstDash val="solid"/>
+                      <a:round/>
+                      <a:headEnd type="none" w="med" len="med"/>
+                      <a:tailEnd type="none" w="med" len="med"/>
+                    </a:lnL>
+                    <a:lnR w="19050" cap="flat" cmpd="sng" algn="ctr">
+                      <a:solidFill>
+                        <a:schemeClr val="tx1"/>
+                      </a:solidFill>
+                      <a:prstDash val="solid"/>
+                      <a:round/>
+                      <a:headEnd type="none" w="med" len="med"/>
+                      <a:tailEnd type="none" w="med" len="med"/>
+                    </a:lnR>
+                    <a:lnT w="19050" cap="flat" cmpd="sng" algn="ctr">
+                      <a:solidFill>
+                        <a:schemeClr val="tx1"/>
+                      </a:solidFill>
+                      <a:prstDash val="solid"/>
+                      <a:round/>
+                      <a:headEnd type="none" w="med" len="med"/>
+                      <a:tailEnd type="none" w="med" len="med"/>
+                    </a:lnT>
+                    <a:lnB w="19050" cap="flat" cmpd="sng" algn="ctr">
+                      <a:solidFill>
+                        <a:schemeClr val="tx1"/>
+                      </a:solidFill>
+                      <a:prstDash val="solid"/>
+                      <a:round/>
+                      <a:headEnd type="none" w="med" len="med"/>
+                      <a:tailEnd type="none" w="med" len="med"/>
+                    </a:lnB>
+                  </a:tcPr>
+                </a:tc>
+                <a:tc>
+                  <a:txBody>
+                    <a:bodyPr/>
+                    <a:lstStyle/>
+                    <a:p>
+                      <a:pPr latinLnBrk="1"/>
+                      <a:r>
+                        <a:rPr lang="en-US" altLang="ko-KR" sz="1400"/>
+                        <a:t>flannel.1</a:t>
+                      </a:r>
+                      <a:endParaRPr lang="ko-KR" altLang="en-US" sz="1400" dirty="0"/>
+                    </a:p>
+                  </a:txBody>
+                  <a:tcPr>
+                    <a:lnL w="19050" cap="flat" cmpd="sng" algn="ctr">
+                      <a:solidFill>
+                        <a:schemeClr val="tx1"/>
+                      </a:solidFill>
+                      <a:prstDash val="solid"/>
+                      <a:round/>
+                      <a:headEnd type="none" w="med" len="med"/>
+                      <a:tailEnd type="none" w="med" len="med"/>
+                    </a:lnL>
+                    <a:lnR w="19050" cap="flat" cmpd="sng" algn="ctr">
+                      <a:solidFill>
+                        <a:schemeClr val="tx1"/>
+                      </a:solidFill>
+                      <a:prstDash val="solid"/>
+                      <a:round/>
+                      <a:headEnd type="none" w="med" len="med"/>
+                      <a:tailEnd type="none" w="med" len="med"/>
+                    </a:lnR>
+                    <a:lnT w="19050" cap="flat" cmpd="sng" algn="ctr">
+                      <a:solidFill>
+                        <a:schemeClr val="tx1"/>
+                      </a:solidFill>
+                      <a:prstDash val="solid"/>
+                      <a:round/>
+                      <a:headEnd type="none" w="med" len="med"/>
+                      <a:tailEnd type="none" w="med" len="med"/>
+                    </a:lnT>
+                    <a:lnB w="19050" cap="flat" cmpd="sng" algn="ctr">
+                      <a:solidFill>
+                        <a:schemeClr val="tx1"/>
+                      </a:solidFill>
+                      <a:prstDash val="solid"/>
+                      <a:round/>
+                      <a:headEnd type="none" w="med" len="med"/>
+                      <a:tailEnd type="none" w="med" len="med"/>
+                    </a:lnB>
+                  </a:tcPr>
+                </a:tc>
+                <a:extLst>
+                  <a:ext uri="{0D108BD9-81ED-4DB2-BD59-A6C34878D82A}">
+                    <a16:rowId xmlns:a16="http://schemas.microsoft.com/office/drawing/2014/main" val="10002"/>
+                  </a:ext>
+                </a:extLst>
+              </a:tr>
+            </a:tbl>
+          </a:graphicData>
+        </a:graphic>
+      </p:graphicFrame>
+      <p:sp>
+        <p:nvSpPr>
+          <p:cNvPr id="13" name="모서리가 둥근 직사각형 44">
+            <a:extLst>
+              <a:ext uri="{FF2B5EF4-FFF2-40B4-BE49-F238E27FC236}">
+                <a16:creationId xmlns:a16="http://schemas.microsoft.com/office/drawing/2014/main" id="{2DBA49E2-5203-48AC-9D0B-4B3C58EE231E}"/>
+              </a:ext>
+            </a:extLst>
+          </p:cNvPr>
+          <p:cNvSpPr/>
+          <p:nvPr/>
+        </p:nvSpPr>
+        <p:spPr>
+          <a:xfrm>
+            <a:off x="2843808" y="3948689"/>
+            <a:ext cx="1296144" cy="360040"/>
+          </a:xfrm>
+          <a:prstGeom prst="roundRect">
+            <a:avLst>
+              <a:gd name="adj" fmla="val 6195"/>
+            </a:avLst>
+          </a:prstGeom>
+          <a:ln/>
+        </p:spPr>
+        <p:style>
+          <a:lnRef idx="2">
+            <a:schemeClr val="dk1"/>
+          </a:lnRef>
+          <a:fillRef idx="1">
+            <a:schemeClr val="lt1"/>
+          </a:fillRef>
+          <a:effectRef idx="0">
+            <a:schemeClr val="dk1"/>
+          </a:effectRef>
+          <a:fontRef idx="minor">
+            <a:schemeClr val="dk1"/>
+          </a:fontRef>
+        </p:style>
+        <p:txBody>
+          <a:bodyPr rtlCol="0" anchor="ctr"/>
+          <a:lstStyle/>
+          <a:p>
+            <a:pPr algn="ctr"/>
+            <a:r>
+              <a:rPr lang="en-US" altLang="ko-KR" sz="1400" dirty="0" err="1"/>
+              <a:t>eth0</a:t>
+            </a:r>
+            <a:endParaRPr lang="ko-KR" altLang="en-US" sz="1400" dirty="0"/>
+          </a:p>
+        </p:txBody>
+      </p:sp>
+      <p:sp>
+        <p:nvSpPr>
+          <p:cNvPr id="14" name="모서리가 둥근 직사각형 44">
+            <a:extLst>
+              <a:ext uri="{FF2B5EF4-FFF2-40B4-BE49-F238E27FC236}">
+                <a16:creationId xmlns:a16="http://schemas.microsoft.com/office/drawing/2014/main" id="{2DBA49E2-5203-48AC-9D0B-4B3C58EE231E}"/>
+              </a:ext>
+            </a:extLst>
+          </p:cNvPr>
+          <p:cNvSpPr/>
+          <p:nvPr/>
+        </p:nvSpPr>
+        <p:spPr>
+          <a:xfrm>
+            <a:off x="5004048" y="771550"/>
+            <a:ext cx="3682752" cy="3816421"/>
+          </a:xfrm>
+          <a:prstGeom prst="roundRect">
+            <a:avLst>
+              <a:gd name="adj" fmla="val 2406"/>
+            </a:avLst>
+          </a:prstGeom>
+          <a:ln/>
+        </p:spPr>
+        <p:style>
+          <a:lnRef idx="2">
+            <a:schemeClr val="dk1"/>
+          </a:lnRef>
+          <a:fillRef idx="1">
+            <a:schemeClr val="lt1"/>
+          </a:fillRef>
+          <a:effectRef idx="0">
+            <a:schemeClr val="dk1"/>
+          </a:effectRef>
+          <a:fontRef idx="minor">
+            <a:schemeClr val="dk1"/>
+          </a:fontRef>
+        </p:style>
+        <p:txBody>
+          <a:bodyPr rtlCol="0" anchor="b"/>
+          <a:lstStyle/>
+          <a:p>
+            <a:pPr algn="r"/>
+            <a:r>
+              <a:rPr lang="en-US" altLang="ko-KR" sz="1600" b="1" dirty="0"/>
+              <a:t>Node 2 </a:t>
+            </a:r>
+          </a:p>
+          <a:p>
+            <a:pPr algn="r"/>
+            <a:r>
+              <a:rPr lang="en-US" altLang="ko-KR" sz="1600" b="1"/>
+              <a:t>(10.244.2.0/24)</a:t>
+            </a:r>
+            <a:endParaRPr lang="ko-KR" altLang="en-US" sz="1600" b="1" dirty="0"/>
+          </a:p>
+        </p:txBody>
+      </p:sp>
+      <p:sp>
+        <p:nvSpPr>
+          <p:cNvPr id="21" name="모서리가 둥근 직사각형 44">
+            <a:extLst>
+              <a:ext uri="{FF2B5EF4-FFF2-40B4-BE49-F238E27FC236}">
+                <a16:creationId xmlns:a16="http://schemas.microsoft.com/office/drawing/2014/main" id="{2DBA49E2-5203-48AC-9D0B-4B3C58EE231E}"/>
+              </a:ext>
+            </a:extLst>
+          </p:cNvPr>
+          <p:cNvSpPr/>
+          <p:nvPr/>
+        </p:nvSpPr>
+        <p:spPr>
+          <a:xfrm>
+            <a:off x="5004048" y="3948689"/>
+            <a:ext cx="1296144" cy="360040"/>
+          </a:xfrm>
+          <a:prstGeom prst="roundRect">
+            <a:avLst>
+              <a:gd name="adj" fmla="val 6195"/>
+            </a:avLst>
+          </a:prstGeom>
+          <a:ln/>
+        </p:spPr>
+        <p:style>
+          <a:lnRef idx="2">
+            <a:schemeClr val="dk1"/>
+          </a:lnRef>
+          <a:fillRef idx="1">
+            <a:schemeClr val="lt1"/>
+          </a:fillRef>
+          <a:effectRef idx="0">
+            <a:schemeClr val="dk1"/>
+          </a:effectRef>
+          <a:fontRef idx="minor">
+            <a:schemeClr val="dk1"/>
+          </a:fontRef>
+        </p:style>
+        <p:txBody>
+          <a:bodyPr rtlCol="0" anchor="ctr"/>
+          <a:lstStyle/>
+          <a:p>
+            <a:pPr algn="ctr"/>
+            <a:r>
+              <a:rPr lang="en-US" altLang="ko-KR" sz="1400" dirty="0" err="1"/>
+              <a:t>eth0</a:t>
+            </a:r>
+            <a:endParaRPr lang="ko-KR" altLang="en-US" sz="1400" dirty="0"/>
+          </a:p>
+        </p:txBody>
+      </p:sp>
+      <p:cxnSp>
+        <p:nvCxnSpPr>
+          <p:cNvPr id="23" name="직선 연결선 22"/>
+          <p:cNvCxnSpPr>
+            <a:stCxn id="21" idx="1"/>
+            <a:endCxn id="13" idx="3"/>
+          </p:cNvCxnSpPr>
+          <p:nvPr/>
+        </p:nvCxnSpPr>
+        <p:spPr>
+          <a:xfrm flipH="1">
+            <a:off x="4139952" y="4128709"/>
+            <a:ext cx="864096" cy="0"/>
+          </a:xfrm>
+          <a:prstGeom prst="line">
+            <a:avLst/>
+          </a:prstGeom>
+          <a:ln w="19050">
+            <a:solidFill>
+              <a:schemeClr val="tx1"/>
+            </a:solidFill>
+            <a:prstDash val="solid"/>
+          </a:ln>
+        </p:spPr>
+        <p:style>
+          <a:lnRef idx="1">
+            <a:schemeClr val="accent1"/>
+          </a:lnRef>
+          <a:fillRef idx="0">
+            <a:schemeClr val="accent1"/>
+          </a:fillRef>
+          <a:effectRef idx="0">
+            <a:schemeClr val="accent1"/>
+          </a:effectRef>
+          <a:fontRef idx="minor">
+            <a:schemeClr val="tx1"/>
+          </a:fontRef>
+        </p:style>
+      </p:cxnSp>
+      <p:sp>
+        <p:nvSpPr>
+          <p:cNvPr id="27" name="모서리가 둥근 직사각형 44">
+            <a:extLst>
+              <a:ext uri="{FF2B5EF4-FFF2-40B4-BE49-F238E27FC236}">
+                <a16:creationId xmlns:a16="http://schemas.microsoft.com/office/drawing/2014/main" id="{2DBA49E2-5203-48AC-9D0B-4B3C58EE231E}"/>
+              </a:ext>
+            </a:extLst>
+          </p:cNvPr>
+          <p:cNvSpPr/>
+          <p:nvPr/>
+        </p:nvSpPr>
+        <p:spPr>
+          <a:xfrm>
+            <a:off x="2653392" y="4299943"/>
+            <a:ext cx="1676975" cy="288032"/>
+          </a:xfrm>
+          <a:prstGeom prst="roundRect">
+            <a:avLst>
+              <a:gd name="adj" fmla="val 6195"/>
+            </a:avLst>
+          </a:prstGeom>
+          <a:noFill/>
+          <a:ln>
+            <a:noFill/>
+          </a:ln>
+        </p:spPr>
+        <p:style>
+          <a:lnRef idx="2">
+            <a:schemeClr val="dk1"/>
+          </a:lnRef>
+          <a:fillRef idx="1">
+            <a:schemeClr val="lt1"/>
+          </a:fillRef>
+          <a:effectRef idx="0">
+            <a:schemeClr val="dk1"/>
+          </a:effectRef>
+          <a:fontRef idx="minor">
+            <a:schemeClr val="dk1"/>
+          </a:fontRef>
+        </p:style>
+        <p:txBody>
+          <a:bodyPr rtlCol="0" anchor="ctr"/>
+          <a:lstStyle/>
+          <a:p>
+            <a:pPr algn="ctr"/>
+            <a:r>
+              <a:rPr lang="en-US" altLang="ko-KR" sz="1400" dirty="0"/>
+              <a:t>10.0.0.20</a:t>
+            </a:r>
+            <a:endParaRPr lang="ko-KR" altLang="en-US" sz="1400" dirty="0"/>
+          </a:p>
+        </p:txBody>
+      </p:sp>
+      <p:sp>
+        <p:nvSpPr>
+          <p:cNvPr id="30" name="모서리가 둥근 직사각형 44">
+            <a:extLst>
+              <a:ext uri="{FF2B5EF4-FFF2-40B4-BE49-F238E27FC236}">
+                <a16:creationId xmlns:a16="http://schemas.microsoft.com/office/drawing/2014/main" id="{2DBA49E2-5203-48AC-9D0B-4B3C58EE231E}"/>
+              </a:ext>
+            </a:extLst>
+          </p:cNvPr>
+          <p:cNvSpPr/>
+          <p:nvPr/>
+        </p:nvSpPr>
+        <p:spPr>
+          <a:xfrm>
+            <a:off x="4813632" y="4299943"/>
+            <a:ext cx="1676975" cy="288032"/>
+          </a:xfrm>
+          <a:prstGeom prst="roundRect">
+            <a:avLst>
+              <a:gd name="adj" fmla="val 6195"/>
+            </a:avLst>
+          </a:prstGeom>
+          <a:noFill/>
+          <a:ln>
+            <a:noFill/>
+          </a:ln>
+        </p:spPr>
+        <p:style>
+          <a:lnRef idx="2">
+            <a:schemeClr val="dk1"/>
+          </a:lnRef>
+          <a:fillRef idx="1">
+            <a:schemeClr val="lt1"/>
+          </a:fillRef>
+          <a:effectRef idx="0">
+            <a:schemeClr val="dk1"/>
+          </a:effectRef>
+          <a:fontRef idx="minor">
+            <a:schemeClr val="dk1"/>
+          </a:fontRef>
+        </p:style>
+        <p:txBody>
+          <a:bodyPr rtlCol="0" anchor="ctr"/>
+          <a:lstStyle/>
+          <a:p>
+            <a:pPr algn="ctr"/>
+            <a:r>
+              <a:rPr lang="en-US" altLang="ko-KR" sz="1400" dirty="0"/>
+              <a:t>10.0.0.30</a:t>
+            </a:r>
+            <a:endParaRPr lang="ko-KR" altLang="en-US" sz="1400" dirty="0"/>
+          </a:p>
+        </p:txBody>
+      </p:sp>
+      <p:sp>
+        <p:nvSpPr>
+          <p:cNvPr id="31" name="모서리가 둥근 직사각형 44">
+            <a:extLst>
+              <a:ext uri="{FF2B5EF4-FFF2-40B4-BE49-F238E27FC236}">
+                <a16:creationId xmlns:a16="http://schemas.microsoft.com/office/drawing/2014/main" id="{2DBA49E2-5203-48AC-9D0B-4B3C58EE231E}"/>
+              </a:ext>
+            </a:extLst>
+          </p:cNvPr>
+          <p:cNvSpPr/>
+          <p:nvPr/>
+        </p:nvSpPr>
+        <p:spPr>
+          <a:xfrm>
+            <a:off x="683568" y="4631408"/>
+            <a:ext cx="3356356" cy="432048"/>
+          </a:xfrm>
+          <a:prstGeom prst="roundRect">
+            <a:avLst>
+              <a:gd name="adj" fmla="val 6195"/>
+            </a:avLst>
+          </a:prstGeom>
+          <a:noFill/>
+          <a:ln>
+            <a:noFill/>
+          </a:ln>
+        </p:spPr>
+        <p:style>
+          <a:lnRef idx="2">
+            <a:schemeClr val="dk1"/>
+          </a:lnRef>
+          <a:fillRef idx="1">
+            <a:schemeClr val="lt1"/>
+          </a:fillRef>
+          <a:effectRef idx="0">
+            <a:schemeClr val="dk1"/>
+          </a:effectRef>
+          <a:fontRef idx="minor">
+            <a:schemeClr val="dk1"/>
+          </a:fontRef>
+        </p:style>
+        <p:txBody>
+          <a:bodyPr rtlCol="0" anchor="ctr"/>
+          <a:lstStyle/>
+          <a:p>
+            <a:pPr marL="285750" indent="-285750">
+              <a:buFont typeface="Arial" pitchFamily="34" charset="0"/>
+              <a:buChar char="•"/>
+            </a:pPr>
+            <a:r>
+              <a:rPr lang="en-US" altLang="ko-KR" sz="1400" dirty="0"/>
+              <a:t>Node Network : 10.0.0.0/24</a:t>
+            </a:r>
+          </a:p>
+          <a:p>
+            <a:pPr marL="285750" indent="-285750">
+              <a:buFont typeface="Arial" pitchFamily="34" charset="0"/>
+              <a:buChar char="•"/>
+            </a:pPr>
+            <a:r>
+              <a:rPr lang="en-US" altLang="ko-KR" sz="1400" dirty="0"/>
+              <a:t>Container </a:t>
+            </a:r>
+            <a:r>
+              <a:rPr lang="en-US" altLang="ko-KR" sz="1400"/>
+              <a:t>Network 10.244.0.0/16</a:t>
+            </a:r>
+            <a:endParaRPr lang="ko-KR" altLang="en-US" sz="1400" dirty="0"/>
+          </a:p>
+        </p:txBody>
+      </p:sp>
+      <p:grpSp>
+        <p:nvGrpSpPr>
+          <p:cNvPr id="64" name="그룹 63">
+            <a:extLst>
+              <a:ext uri="{FF2B5EF4-FFF2-40B4-BE49-F238E27FC236}">
+                <a16:creationId xmlns:a16="http://schemas.microsoft.com/office/drawing/2014/main" id="{10774F19-BC79-4638-A196-328E0CBB560D}"/>
+              </a:ext>
+            </a:extLst>
+          </p:cNvPr>
+          <p:cNvGrpSpPr/>
+          <p:nvPr/>
+        </p:nvGrpSpPr>
+        <p:grpSpPr>
+          <a:xfrm>
+            <a:off x="719572" y="843558"/>
+            <a:ext cx="3168352" cy="1224136"/>
+            <a:chOff x="722809" y="915567"/>
+            <a:chExt cx="3168352" cy="1224136"/>
+          </a:xfrm>
+        </p:grpSpPr>
+        <p:sp>
+          <p:nvSpPr>
+            <p:cNvPr id="4" name="모서리가 둥근 직사각형 44">
+              <a:extLst>
+                <a:ext uri="{FF2B5EF4-FFF2-40B4-BE49-F238E27FC236}">
+                  <a16:creationId xmlns:a16="http://schemas.microsoft.com/office/drawing/2014/main" id="{2DBA49E2-5203-48AC-9D0B-4B3C58EE231E}"/>
+                </a:ext>
+              </a:extLst>
+            </p:cNvPr>
+            <p:cNvSpPr/>
+            <p:nvPr/>
+          </p:nvSpPr>
+          <p:spPr>
+            <a:xfrm>
+              <a:off x="722809" y="915567"/>
+              <a:ext cx="3168352" cy="720080"/>
+            </a:xfrm>
+            <a:prstGeom prst="roundRect">
+              <a:avLst>
+                <a:gd name="adj" fmla="val 6195"/>
+              </a:avLst>
+            </a:prstGeom>
+            <a:ln/>
+          </p:spPr>
+          <p:style>
+            <a:lnRef idx="2">
+              <a:schemeClr val="dk1"/>
+            </a:lnRef>
+            <a:fillRef idx="1">
+              <a:schemeClr val="lt1"/>
+            </a:fillRef>
+            <a:effectRef idx="0">
+              <a:schemeClr val="dk1"/>
+            </a:effectRef>
+            <a:fontRef idx="minor">
+              <a:schemeClr val="dk1"/>
+            </a:fontRef>
+          </p:style>
+          <p:txBody>
+            <a:bodyPr rtlCol="0" anchor="t"/>
+            <a:lstStyle/>
+            <a:p>
+              <a:pPr algn="ctr"/>
+              <a:r>
+                <a:rPr lang="en-US" altLang="ko-KR" sz="1600" dirty="0"/>
+                <a:t>Container A </a:t>
+              </a:r>
+              <a:endParaRPr lang="ko-KR" altLang="en-US" sz="1600" dirty="0"/>
+            </a:p>
+          </p:txBody>
+        </p:sp>
+        <p:sp>
+          <p:nvSpPr>
+            <p:cNvPr id="7" name="모서리가 둥근 직사각형 44">
+              <a:extLst>
+                <a:ext uri="{FF2B5EF4-FFF2-40B4-BE49-F238E27FC236}">
+                  <a16:creationId xmlns:a16="http://schemas.microsoft.com/office/drawing/2014/main" id="{2DBA49E2-5203-48AC-9D0B-4B3C58EE231E}"/>
+                </a:ext>
+              </a:extLst>
+            </p:cNvPr>
+            <p:cNvSpPr/>
+            <p:nvPr/>
+          </p:nvSpPr>
+          <p:spPr>
+            <a:xfrm>
+              <a:off x="938833" y="1275607"/>
+              <a:ext cx="1296144" cy="360040"/>
+            </a:xfrm>
+            <a:prstGeom prst="roundRect">
+              <a:avLst>
+                <a:gd name="adj" fmla="val 6195"/>
+              </a:avLst>
+            </a:prstGeom>
+            <a:ln/>
+          </p:spPr>
+          <p:style>
+            <a:lnRef idx="2">
+              <a:schemeClr val="dk1"/>
+            </a:lnRef>
+            <a:fillRef idx="1">
+              <a:schemeClr val="lt1"/>
+            </a:fillRef>
+            <a:effectRef idx="0">
+              <a:schemeClr val="dk1"/>
+            </a:effectRef>
+            <a:fontRef idx="minor">
+              <a:schemeClr val="dk1"/>
+            </a:fontRef>
+          </p:style>
+          <p:txBody>
+            <a:bodyPr rtlCol="0" anchor="ctr"/>
+            <a:lstStyle/>
+            <a:p>
+              <a:pPr algn="ctr"/>
+              <a:r>
+                <a:rPr lang="en-US" altLang="ko-KR" sz="1400" dirty="0" err="1"/>
+                <a:t>eth0</a:t>
+              </a:r>
+              <a:endParaRPr lang="ko-KR" altLang="en-US" sz="1400" dirty="0"/>
+            </a:p>
+          </p:txBody>
+        </p:sp>
+        <p:sp>
+          <p:nvSpPr>
+            <p:cNvPr id="8" name="모서리가 둥근 직사각형 44">
+              <a:extLst>
+                <a:ext uri="{FF2B5EF4-FFF2-40B4-BE49-F238E27FC236}">
+                  <a16:creationId xmlns:a16="http://schemas.microsoft.com/office/drawing/2014/main" id="{2DBA49E2-5203-48AC-9D0B-4B3C58EE231E}"/>
+                </a:ext>
+              </a:extLst>
+            </p:cNvPr>
+            <p:cNvSpPr/>
+            <p:nvPr/>
+          </p:nvSpPr>
+          <p:spPr>
+            <a:xfrm>
+              <a:off x="938833" y="1779663"/>
+              <a:ext cx="1296144" cy="360040"/>
+            </a:xfrm>
+            <a:prstGeom prst="roundRect">
+              <a:avLst>
+                <a:gd name="adj" fmla="val 6195"/>
+              </a:avLst>
+            </a:prstGeom>
+            <a:ln/>
+          </p:spPr>
+          <p:style>
+            <a:lnRef idx="2">
+              <a:schemeClr val="dk1"/>
+            </a:lnRef>
+            <a:fillRef idx="1">
+              <a:schemeClr val="lt1"/>
+            </a:fillRef>
+            <a:effectRef idx="0">
+              <a:schemeClr val="dk1"/>
+            </a:effectRef>
+            <a:fontRef idx="minor">
+              <a:schemeClr val="dk1"/>
+            </a:fontRef>
+          </p:style>
+          <p:txBody>
+            <a:bodyPr rtlCol="0" anchor="ctr"/>
+            <a:lstStyle/>
+            <a:p>
+              <a:pPr algn="ctr"/>
+              <a:r>
+                <a:rPr lang="en-US" altLang="ko-KR" sz="1400"/>
+                <a:t>vethxxx</a:t>
+              </a:r>
+              <a:endParaRPr lang="ko-KR" altLang="en-US" sz="1400" dirty="0"/>
+            </a:p>
+          </p:txBody>
+        </p:sp>
+        <p:cxnSp>
+          <p:nvCxnSpPr>
+            <p:cNvPr id="10" name="직선 연결선 9"/>
+            <p:cNvCxnSpPr>
+              <a:stCxn id="7" idx="2"/>
+              <a:endCxn id="8" idx="0"/>
+            </p:cNvCxnSpPr>
+            <p:nvPr/>
+          </p:nvCxnSpPr>
+          <p:spPr>
+            <a:xfrm>
+              <a:off x="1586905" y="1635647"/>
+              <a:ext cx="0" cy="144016"/>
+            </a:xfrm>
+            <a:prstGeom prst="line">
+              <a:avLst/>
+            </a:prstGeom>
+            <a:ln w="19050">
+              <a:solidFill>
+                <a:schemeClr val="tx1"/>
+              </a:solidFill>
+            </a:ln>
+          </p:spPr>
+          <p:style>
+            <a:lnRef idx="1">
+              <a:schemeClr val="accent1"/>
+            </a:lnRef>
+            <a:fillRef idx="0">
+              <a:schemeClr val="accent1"/>
+            </a:fillRef>
+            <a:effectRef idx="0">
+              <a:schemeClr val="accent1"/>
+            </a:effectRef>
+            <a:fontRef idx="minor">
+              <a:schemeClr val="tx1"/>
+            </a:fontRef>
+          </p:style>
+        </p:cxnSp>
+        <p:sp>
+          <p:nvSpPr>
+            <p:cNvPr id="11" name="모서리가 둥근 직사각형 44">
+              <a:extLst>
+                <a:ext uri="{FF2B5EF4-FFF2-40B4-BE49-F238E27FC236}">
+                  <a16:creationId xmlns:a16="http://schemas.microsoft.com/office/drawing/2014/main" id="{2DBA49E2-5203-48AC-9D0B-4B3C58EE231E}"/>
+                </a:ext>
+              </a:extLst>
+            </p:cNvPr>
+            <p:cNvSpPr/>
+            <p:nvPr/>
+          </p:nvSpPr>
+          <p:spPr>
+            <a:xfrm>
+              <a:off x="1874937" y="1306087"/>
+              <a:ext cx="1676975" cy="288032"/>
+            </a:xfrm>
+            <a:prstGeom prst="roundRect">
+              <a:avLst>
+                <a:gd name="adj" fmla="val 6195"/>
+              </a:avLst>
+            </a:prstGeom>
+            <a:noFill/>
+            <a:ln>
+              <a:noFill/>
+            </a:ln>
+          </p:spPr>
+          <p:style>
+            <a:lnRef idx="2">
+              <a:schemeClr val="dk1"/>
+            </a:lnRef>
+            <a:fillRef idx="1">
+              <a:schemeClr val="lt1"/>
+            </a:fillRef>
+            <a:effectRef idx="0">
+              <a:schemeClr val="dk1"/>
+            </a:effectRef>
+            <a:fontRef idx="minor">
+              <a:schemeClr val="dk1"/>
+            </a:fontRef>
+          </p:style>
+          <p:txBody>
+            <a:bodyPr rtlCol="0" anchor="ctr"/>
+            <a:lstStyle/>
+            <a:p>
+              <a:pPr algn="ctr"/>
+              <a:r>
+                <a:rPr lang="en-US" altLang="ko-KR" sz="1400"/>
+                <a:t>10.244.1.2</a:t>
+              </a:r>
+              <a:endParaRPr lang="ko-KR" altLang="en-US" sz="1400" dirty="0"/>
+            </a:p>
+          </p:txBody>
+        </p:sp>
+        <p:sp>
+          <p:nvSpPr>
+            <p:cNvPr id="24" name="모서리가 둥근 직사각형 44">
+              <a:extLst>
+                <a:ext uri="{FF2B5EF4-FFF2-40B4-BE49-F238E27FC236}">
+                  <a16:creationId xmlns:a16="http://schemas.microsoft.com/office/drawing/2014/main" id="{132E9DD2-D948-42DB-82F3-0E457413DD3F}"/>
+                </a:ext>
+              </a:extLst>
+            </p:cNvPr>
+            <p:cNvSpPr/>
+            <p:nvPr/>
+          </p:nvSpPr>
+          <p:spPr>
+            <a:xfrm>
+              <a:off x="2367133" y="1779663"/>
+              <a:ext cx="1296144" cy="360040"/>
+            </a:xfrm>
+            <a:prstGeom prst="roundRect">
+              <a:avLst>
+                <a:gd name="adj" fmla="val 6195"/>
+              </a:avLst>
+            </a:prstGeom>
+            <a:ln/>
+          </p:spPr>
+          <p:style>
+            <a:lnRef idx="2">
+              <a:schemeClr val="dk1"/>
+            </a:lnRef>
+            <a:fillRef idx="1">
+              <a:schemeClr val="lt1"/>
+            </a:fillRef>
+            <a:effectRef idx="0">
+              <a:schemeClr val="dk1"/>
+            </a:effectRef>
+            <a:fontRef idx="minor">
+              <a:schemeClr val="dk1"/>
+            </a:fontRef>
+          </p:style>
+          <p:txBody>
+            <a:bodyPr rtlCol="0" anchor="ctr"/>
+            <a:lstStyle/>
+            <a:p>
+              <a:pPr algn="ctr"/>
+              <a:r>
+                <a:rPr lang="en-US" altLang="ko-KR" sz="1400"/>
+                <a:t>cni0 bridge </a:t>
+              </a:r>
+              <a:endParaRPr lang="ko-KR" altLang="en-US" sz="1400" dirty="0"/>
+            </a:p>
+          </p:txBody>
+        </p:sp>
+        <p:cxnSp>
+          <p:nvCxnSpPr>
+            <p:cNvPr id="25" name="직선 연결선 24">
+              <a:extLst>
+                <a:ext uri="{FF2B5EF4-FFF2-40B4-BE49-F238E27FC236}">
+                  <a16:creationId xmlns:a16="http://schemas.microsoft.com/office/drawing/2014/main" id="{61BD7EEA-19F2-4D88-A764-5AF89984B1EA}"/>
+                </a:ext>
+              </a:extLst>
+            </p:cNvPr>
+            <p:cNvCxnSpPr>
+              <a:cxnSpLocks/>
+              <a:stCxn id="8" idx="3"/>
+              <a:endCxn id="24" idx="1"/>
+            </p:cNvCxnSpPr>
+            <p:nvPr/>
+          </p:nvCxnSpPr>
+          <p:spPr>
+            <a:xfrm>
+              <a:off x="2234977" y="1959683"/>
+              <a:ext cx="132156" cy="0"/>
+            </a:xfrm>
+            <a:prstGeom prst="line">
+              <a:avLst/>
+            </a:prstGeom>
+            <a:ln w="19050">
+              <a:solidFill>
+                <a:schemeClr val="tx1"/>
+              </a:solidFill>
+            </a:ln>
+          </p:spPr>
+          <p:style>
+            <a:lnRef idx="1">
+              <a:schemeClr val="accent1"/>
+            </a:lnRef>
+            <a:fillRef idx="0">
+              <a:schemeClr val="accent1"/>
+            </a:fillRef>
+            <a:effectRef idx="0">
+              <a:schemeClr val="accent1"/>
+            </a:effectRef>
+            <a:fontRef idx="minor">
+              <a:schemeClr val="tx1"/>
+            </a:fontRef>
+          </p:style>
+        </p:cxnSp>
+      </p:grpSp>
+      <p:sp>
+        <p:nvSpPr>
+          <p:cNvPr id="33" name="모서리가 둥근 직사각형 44">
+            <a:extLst>
+              <a:ext uri="{FF2B5EF4-FFF2-40B4-BE49-F238E27FC236}">
+                <a16:creationId xmlns:a16="http://schemas.microsoft.com/office/drawing/2014/main" id="{5D371582-3351-49B0-8D7F-4F129A5F3920}"/>
+              </a:ext>
+            </a:extLst>
+          </p:cNvPr>
+          <p:cNvSpPr/>
+          <p:nvPr/>
+        </p:nvSpPr>
+        <p:spPr>
+          <a:xfrm>
+            <a:off x="1043608" y="3435846"/>
+            <a:ext cx="1428300" cy="360040"/>
+          </a:xfrm>
+          <a:prstGeom prst="roundRect">
+            <a:avLst>
+              <a:gd name="adj" fmla="val 6195"/>
+            </a:avLst>
+          </a:prstGeom>
+          <a:ln/>
+        </p:spPr>
+        <p:style>
+          <a:lnRef idx="2">
+            <a:schemeClr val="dk1"/>
+          </a:lnRef>
+          <a:fillRef idx="1">
+            <a:schemeClr val="lt1"/>
+          </a:fillRef>
+          <a:effectRef idx="0">
+            <a:schemeClr val="dk1"/>
+          </a:effectRef>
+          <a:fontRef idx="minor">
+            <a:schemeClr val="dk1"/>
+          </a:fontRef>
+        </p:style>
+        <p:txBody>
+          <a:bodyPr rtlCol="0" anchor="ctr"/>
+          <a:lstStyle/>
+          <a:p>
+            <a:pPr algn="ctr"/>
+            <a:r>
+              <a:rPr lang="en-US" altLang="ko-KR" sz="1400"/>
+              <a:t>flannel.1 vxlan</a:t>
+            </a:r>
+            <a:endParaRPr lang="ko-KR" altLang="en-US" sz="1400" dirty="0"/>
+          </a:p>
+        </p:txBody>
+      </p:sp>
+      <p:cxnSp>
+        <p:nvCxnSpPr>
+          <p:cNvPr id="38" name="직선 연결선 37">
+            <a:extLst>
+              <a:ext uri="{FF2B5EF4-FFF2-40B4-BE49-F238E27FC236}">
+                <a16:creationId xmlns:a16="http://schemas.microsoft.com/office/drawing/2014/main" id="{09B37B0D-55B5-4976-97E3-0866E1FD8943}"/>
+              </a:ext>
+            </a:extLst>
+          </p:cNvPr>
+          <p:cNvCxnSpPr>
+            <a:cxnSpLocks/>
+            <a:stCxn id="33" idx="2"/>
+            <a:endCxn id="13" idx="1"/>
+          </p:cNvCxnSpPr>
+          <p:nvPr/>
+        </p:nvCxnSpPr>
+        <p:spPr>
+          <a:xfrm>
+            <a:off x="1757758" y="3795886"/>
+            <a:ext cx="1086050" cy="332823"/>
+          </a:xfrm>
+          <a:prstGeom prst="line">
+            <a:avLst/>
+          </a:prstGeom>
+          <a:ln w="19050">
+            <a:solidFill>
+              <a:schemeClr val="tx1"/>
+            </a:solidFill>
+          </a:ln>
+        </p:spPr>
+        <p:style>
+          <a:lnRef idx="1">
+            <a:schemeClr val="accent1"/>
+          </a:lnRef>
+          <a:fillRef idx="0">
+            <a:schemeClr val="accent1"/>
+          </a:fillRef>
+          <a:effectRef idx="0">
+            <a:schemeClr val="accent1"/>
+          </a:effectRef>
+          <a:fontRef idx="minor">
+            <a:schemeClr val="tx1"/>
+          </a:fontRef>
+        </p:style>
+      </p:cxnSp>
+      <p:sp>
+        <p:nvSpPr>
+          <p:cNvPr id="44" name="모서리가 둥근 직사각형 44">
+            <a:extLst>
+              <a:ext uri="{FF2B5EF4-FFF2-40B4-BE49-F238E27FC236}">
+                <a16:creationId xmlns:a16="http://schemas.microsoft.com/office/drawing/2014/main" id="{C893FBBB-D0F7-4073-A0D9-7881714F7899}"/>
+              </a:ext>
+            </a:extLst>
+          </p:cNvPr>
+          <p:cNvSpPr/>
+          <p:nvPr/>
+        </p:nvSpPr>
+        <p:spPr>
+          <a:xfrm>
+            <a:off x="2102937" y="3471851"/>
+            <a:ext cx="1676975" cy="288032"/>
+          </a:xfrm>
+          <a:prstGeom prst="roundRect">
+            <a:avLst>
+              <a:gd name="adj" fmla="val 6195"/>
+            </a:avLst>
+          </a:prstGeom>
+          <a:noFill/>
+          <a:ln>
+            <a:noFill/>
+          </a:ln>
+        </p:spPr>
+        <p:style>
+          <a:lnRef idx="2">
+            <a:schemeClr val="dk1"/>
+          </a:lnRef>
+          <a:fillRef idx="1">
+            <a:schemeClr val="lt1"/>
+          </a:fillRef>
+          <a:effectRef idx="0">
+            <a:schemeClr val="dk1"/>
+          </a:effectRef>
+          <a:fontRef idx="minor">
+            <a:schemeClr val="dk1"/>
+          </a:fontRef>
+        </p:style>
+        <p:txBody>
+          <a:bodyPr rtlCol="0" anchor="ctr"/>
+          <a:lstStyle/>
+          <a:p>
+            <a:pPr algn="ctr"/>
+            <a:r>
+              <a:rPr lang="en-US" altLang="ko-KR" sz="1400"/>
+              <a:t>10.244.1.0</a:t>
+            </a:r>
+            <a:endParaRPr lang="ko-KR" altLang="en-US" sz="1400" dirty="0"/>
+          </a:p>
+        </p:txBody>
+      </p:sp>
+      <p:sp>
+        <p:nvSpPr>
+          <p:cNvPr id="46" name="모서리가 둥근 직사각형 44">
+            <a:extLst>
+              <a:ext uri="{FF2B5EF4-FFF2-40B4-BE49-F238E27FC236}">
+                <a16:creationId xmlns:a16="http://schemas.microsoft.com/office/drawing/2014/main" id="{95B9EDE0-0723-4F2D-BFF7-73B214A5936B}"/>
+              </a:ext>
+            </a:extLst>
+          </p:cNvPr>
+          <p:cNvSpPr/>
+          <p:nvPr/>
+        </p:nvSpPr>
+        <p:spPr>
+          <a:xfrm>
+            <a:off x="6681023" y="3435846"/>
+            <a:ext cx="1428300" cy="360040"/>
+          </a:xfrm>
+          <a:prstGeom prst="roundRect">
+            <a:avLst>
+              <a:gd name="adj" fmla="val 6195"/>
+            </a:avLst>
+          </a:prstGeom>
+          <a:ln/>
+        </p:spPr>
+        <p:style>
+          <a:lnRef idx="2">
+            <a:schemeClr val="dk1"/>
+          </a:lnRef>
+          <a:fillRef idx="1">
+            <a:schemeClr val="lt1"/>
+          </a:fillRef>
+          <a:effectRef idx="0">
+            <a:schemeClr val="dk1"/>
+          </a:effectRef>
+          <a:fontRef idx="minor">
+            <a:schemeClr val="dk1"/>
+          </a:fontRef>
+        </p:style>
+        <p:txBody>
+          <a:bodyPr rtlCol="0" anchor="ctr"/>
+          <a:lstStyle/>
+          <a:p>
+            <a:pPr algn="ctr"/>
+            <a:r>
+              <a:rPr lang="en-US" altLang="ko-KR" sz="1400"/>
+              <a:t>flannel.1 vxlan</a:t>
+            </a:r>
+            <a:endParaRPr lang="ko-KR" altLang="en-US" sz="1400" dirty="0"/>
+          </a:p>
+        </p:txBody>
+      </p:sp>
+      <p:sp>
+        <p:nvSpPr>
+          <p:cNvPr id="47" name="모서리가 둥근 직사각형 44">
+            <a:extLst>
+              <a:ext uri="{FF2B5EF4-FFF2-40B4-BE49-F238E27FC236}">
+                <a16:creationId xmlns:a16="http://schemas.microsoft.com/office/drawing/2014/main" id="{B339626E-B180-444C-BB70-6D6B5F7F937E}"/>
+              </a:ext>
+            </a:extLst>
+          </p:cNvPr>
+          <p:cNvSpPr/>
+          <p:nvPr/>
+        </p:nvSpPr>
+        <p:spPr>
+          <a:xfrm>
+            <a:off x="5364088" y="3471851"/>
+            <a:ext cx="1676975" cy="288032"/>
+          </a:xfrm>
+          <a:prstGeom prst="roundRect">
+            <a:avLst>
+              <a:gd name="adj" fmla="val 6195"/>
+            </a:avLst>
+          </a:prstGeom>
+          <a:noFill/>
+          <a:ln>
+            <a:noFill/>
+          </a:ln>
+        </p:spPr>
+        <p:style>
+          <a:lnRef idx="2">
+            <a:schemeClr val="dk1"/>
+          </a:lnRef>
+          <a:fillRef idx="1">
+            <a:schemeClr val="lt1"/>
+          </a:fillRef>
+          <a:effectRef idx="0">
+            <a:schemeClr val="dk1"/>
+          </a:effectRef>
+          <a:fontRef idx="minor">
+            <a:schemeClr val="dk1"/>
+          </a:fontRef>
+        </p:style>
+        <p:txBody>
+          <a:bodyPr rtlCol="0" anchor="ctr"/>
+          <a:lstStyle/>
+          <a:p>
+            <a:pPr algn="ctr"/>
+            <a:r>
+              <a:rPr lang="en-US" altLang="ko-KR" sz="1400"/>
+              <a:t>10.244.2.0</a:t>
+            </a:r>
+            <a:endParaRPr lang="ko-KR" altLang="en-US" sz="1400" dirty="0"/>
+          </a:p>
+        </p:txBody>
+      </p:sp>
+      <p:cxnSp>
+        <p:nvCxnSpPr>
+          <p:cNvPr id="48" name="직선 연결선 47">
+            <a:extLst>
+              <a:ext uri="{FF2B5EF4-FFF2-40B4-BE49-F238E27FC236}">
+                <a16:creationId xmlns:a16="http://schemas.microsoft.com/office/drawing/2014/main" id="{FB912369-3521-4E97-9D1E-6215FB395FB5}"/>
+              </a:ext>
+            </a:extLst>
+          </p:cNvPr>
+          <p:cNvCxnSpPr>
+            <a:cxnSpLocks/>
+            <a:stCxn id="46" idx="2"/>
+            <a:endCxn id="21" idx="3"/>
+          </p:cNvCxnSpPr>
+          <p:nvPr/>
+        </p:nvCxnSpPr>
+        <p:spPr>
+          <a:xfrm flipH="1">
+            <a:off x="6300192" y="3795886"/>
+            <a:ext cx="1094981" cy="332823"/>
+          </a:xfrm>
+          <a:prstGeom prst="line">
+            <a:avLst/>
+          </a:prstGeom>
+          <a:ln w="19050">
+            <a:solidFill>
+              <a:schemeClr val="tx1"/>
+            </a:solidFill>
+          </a:ln>
+        </p:spPr>
+        <p:style>
+          <a:lnRef idx="1">
+            <a:schemeClr val="accent1"/>
+          </a:lnRef>
+          <a:fillRef idx="0">
+            <a:schemeClr val="accent1"/>
+          </a:fillRef>
+          <a:effectRef idx="0">
+            <a:schemeClr val="accent1"/>
+          </a:effectRef>
+          <a:fontRef idx="minor">
+            <a:schemeClr val="tx1"/>
+          </a:fontRef>
+        </p:style>
+      </p:cxnSp>
+      <p:grpSp>
+        <p:nvGrpSpPr>
+          <p:cNvPr id="65" name="그룹 64">
+            <a:extLst>
+              <a:ext uri="{FF2B5EF4-FFF2-40B4-BE49-F238E27FC236}">
+                <a16:creationId xmlns:a16="http://schemas.microsoft.com/office/drawing/2014/main" id="{6E6B2E12-C7C8-460C-A7BC-847842E9C038}"/>
+              </a:ext>
+            </a:extLst>
+          </p:cNvPr>
+          <p:cNvGrpSpPr/>
+          <p:nvPr/>
+        </p:nvGrpSpPr>
+        <p:grpSpPr>
+          <a:xfrm>
+            <a:off x="5256076" y="843558"/>
+            <a:ext cx="3168352" cy="1224136"/>
+            <a:chOff x="5148064" y="915567"/>
+            <a:chExt cx="3168352" cy="1224136"/>
+          </a:xfrm>
+        </p:grpSpPr>
+        <p:sp>
+          <p:nvSpPr>
+            <p:cNvPr id="15" name="모서리가 둥근 직사각형 44">
+              <a:extLst>
+                <a:ext uri="{FF2B5EF4-FFF2-40B4-BE49-F238E27FC236}">
+                  <a16:creationId xmlns:a16="http://schemas.microsoft.com/office/drawing/2014/main" id="{2DBA49E2-5203-48AC-9D0B-4B3C58EE231E}"/>
+                </a:ext>
+              </a:extLst>
+            </p:cNvPr>
+            <p:cNvSpPr/>
+            <p:nvPr/>
+          </p:nvSpPr>
+          <p:spPr>
+            <a:xfrm>
+              <a:off x="5148064" y="915567"/>
+              <a:ext cx="3168352" cy="720080"/>
+            </a:xfrm>
+            <a:prstGeom prst="roundRect">
+              <a:avLst>
+                <a:gd name="adj" fmla="val 6195"/>
+              </a:avLst>
+            </a:prstGeom>
+            <a:ln/>
+          </p:spPr>
+          <p:style>
+            <a:lnRef idx="2">
+              <a:schemeClr val="dk1"/>
+            </a:lnRef>
+            <a:fillRef idx="1">
+              <a:schemeClr val="lt1"/>
+            </a:fillRef>
+            <a:effectRef idx="0">
+              <a:schemeClr val="dk1"/>
+            </a:effectRef>
+            <a:fontRef idx="minor">
+              <a:schemeClr val="dk1"/>
+            </a:fontRef>
+          </p:style>
+          <p:txBody>
+            <a:bodyPr rtlCol="0" anchor="t"/>
+            <a:lstStyle/>
+            <a:p>
+              <a:pPr algn="ctr"/>
+              <a:r>
+                <a:rPr lang="en-US" altLang="ko-KR" sz="1600" dirty="0"/>
+                <a:t>Container B </a:t>
+              </a:r>
+              <a:endParaRPr lang="ko-KR" altLang="en-US" sz="1600" dirty="0"/>
+            </a:p>
+          </p:txBody>
+        </p:sp>
+        <p:sp>
+          <p:nvSpPr>
+            <p:cNvPr id="17" name="모서리가 둥근 직사각형 44">
+              <a:extLst>
+                <a:ext uri="{FF2B5EF4-FFF2-40B4-BE49-F238E27FC236}">
+                  <a16:creationId xmlns:a16="http://schemas.microsoft.com/office/drawing/2014/main" id="{2DBA49E2-5203-48AC-9D0B-4B3C58EE231E}"/>
+                </a:ext>
+              </a:extLst>
+            </p:cNvPr>
+            <p:cNvSpPr/>
+            <p:nvPr/>
+          </p:nvSpPr>
+          <p:spPr>
+            <a:xfrm>
+              <a:off x="5364088" y="1275607"/>
+              <a:ext cx="1296144" cy="360040"/>
+            </a:xfrm>
+            <a:prstGeom prst="roundRect">
+              <a:avLst>
+                <a:gd name="adj" fmla="val 6195"/>
+              </a:avLst>
+            </a:prstGeom>
+            <a:ln/>
+          </p:spPr>
+          <p:style>
+            <a:lnRef idx="2">
+              <a:schemeClr val="dk1"/>
+            </a:lnRef>
+            <a:fillRef idx="1">
+              <a:schemeClr val="lt1"/>
+            </a:fillRef>
+            <a:effectRef idx="0">
+              <a:schemeClr val="dk1"/>
+            </a:effectRef>
+            <a:fontRef idx="minor">
+              <a:schemeClr val="dk1"/>
+            </a:fontRef>
+          </p:style>
+          <p:txBody>
+            <a:bodyPr rtlCol="0" anchor="ctr"/>
+            <a:lstStyle/>
+            <a:p>
+              <a:pPr algn="ctr"/>
+              <a:r>
+                <a:rPr lang="en-US" altLang="ko-KR" sz="1400" dirty="0" err="1"/>
+                <a:t>eth0</a:t>
+              </a:r>
+              <a:endParaRPr lang="ko-KR" altLang="en-US" sz="1400" dirty="0"/>
+            </a:p>
+          </p:txBody>
+        </p:sp>
+        <p:sp>
+          <p:nvSpPr>
+            <p:cNvPr id="18" name="모서리가 둥근 직사각형 44">
+              <a:extLst>
+                <a:ext uri="{FF2B5EF4-FFF2-40B4-BE49-F238E27FC236}">
+                  <a16:creationId xmlns:a16="http://schemas.microsoft.com/office/drawing/2014/main" id="{2DBA49E2-5203-48AC-9D0B-4B3C58EE231E}"/>
+                </a:ext>
+              </a:extLst>
+            </p:cNvPr>
+            <p:cNvSpPr/>
+            <p:nvPr/>
+          </p:nvSpPr>
+          <p:spPr>
+            <a:xfrm>
+              <a:off x="5364088" y="1779663"/>
+              <a:ext cx="1296144" cy="360040"/>
+            </a:xfrm>
+            <a:prstGeom prst="roundRect">
+              <a:avLst>
+                <a:gd name="adj" fmla="val 6195"/>
+              </a:avLst>
+            </a:prstGeom>
+            <a:ln/>
+          </p:spPr>
+          <p:style>
+            <a:lnRef idx="2">
+              <a:schemeClr val="dk1"/>
+            </a:lnRef>
+            <a:fillRef idx="1">
+              <a:schemeClr val="lt1"/>
+            </a:fillRef>
+            <a:effectRef idx="0">
+              <a:schemeClr val="dk1"/>
+            </a:effectRef>
+            <a:fontRef idx="minor">
+              <a:schemeClr val="dk1"/>
+            </a:fontRef>
+          </p:style>
+          <p:txBody>
+            <a:bodyPr rtlCol="0" anchor="ctr"/>
+            <a:lstStyle/>
+            <a:p>
+              <a:pPr algn="ctr"/>
+              <a:r>
+                <a:rPr lang="en-US" altLang="ko-KR" sz="1400"/>
+                <a:t>vethyyy</a:t>
+              </a:r>
+              <a:endParaRPr lang="ko-KR" altLang="en-US" sz="1400" dirty="0"/>
+            </a:p>
+          </p:txBody>
+        </p:sp>
+        <p:cxnSp>
+          <p:nvCxnSpPr>
+            <p:cNvPr id="19" name="직선 연결선 18"/>
+            <p:cNvCxnSpPr>
+              <a:stCxn id="17" idx="2"/>
+              <a:endCxn id="18" idx="0"/>
+            </p:cNvCxnSpPr>
+            <p:nvPr/>
+          </p:nvCxnSpPr>
+          <p:spPr>
+            <a:xfrm>
+              <a:off x="6012160" y="1635647"/>
+              <a:ext cx="0" cy="144016"/>
+            </a:xfrm>
+            <a:prstGeom prst="line">
+              <a:avLst/>
+            </a:prstGeom>
+            <a:ln w="19050">
+              <a:solidFill>
+                <a:schemeClr val="tx1"/>
+              </a:solidFill>
+            </a:ln>
+          </p:spPr>
+          <p:style>
+            <a:lnRef idx="1">
+              <a:schemeClr val="accent1"/>
+            </a:lnRef>
+            <a:fillRef idx="0">
+              <a:schemeClr val="accent1"/>
+            </a:fillRef>
+            <a:effectRef idx="0">
+              <a:schemeClr val="accent1"/>
+            </a:effectRef>
+            <a:fontRef idx="minor">
+              <a:schemeClr val="tx1"/>
+            </a:fontRef>
+          </p:style>
+        </p:cxnSp>
+        <p:sp>
+          <p:nvSpPr>
+            <p:cNvPr id="20" name="모서리가 둥근 직사각형 44">
+              <a:extLst>
+                <a:ext uri="{FF2B5EF4-FFF2-40B4-BE49-F238E27FC236}">
+                  <a16:creationId xmlns:a16="http://schemas.microsoft.com/office/drawing/2014/main" id="{2DBA49E2-5203-48AC-9D0B-4B3C58EE231E}"/>
+                </a:ext>
+              </a:extLst>
+            </p:cNvPr>
+            <p:cNvSpPr/>
+            <p:nvPr/>
+          </p:nvSpPr>
+          <p:spPr>
+            <a:xfrm>
+              <a:off x="6315405" y="1306087"/>
+              <a:ext cx="1676975" cy="288032"/>
+            </a:xfrm>
+            <a:prstGeom prst="roundRect">
+              <a:avLst>
+                <a:gd name="adj" fmla="val 6195"/>
+              </a:avLst>
+            </a:prstGeom>
+            <a:noFill/>
+            <a:ln>
+              <a:noFill/>
+            </a:ln>
+          </p:spPr>
+          <p:style>
+            <a:lnRef idx="2">
+              <a:schemeClr val="dk1"/>
+            </a:lnRef>
+            <a:fillRef idx="1">
+              <a:schemeClr val="lt1"/>
+            </a:fillRef>
+            <a:effectRef idx="0">
+              <a:schemeClr val="dk1"/>
+            </a:effectRef>
+            <a:fontRef idx="minor">
+              <a:schemeClr val="dk1"/>
+            </a:fontRef>
+          </p:style>
+          <p:txBody>
+            <a:bodyPr rtlCol="0" anchor="ctr"/>
+            <a:lstStyle/>
+            <a:p>
+              <a:pPr algn="ctr"/>
+              <a:r>
+                <a:rPr lang="en-US" altLang="ko-KR" sz="1400"/>
+                <a:t>10.244.2.2</a:t>
+              </a:r>
+              <a:endParaRPr lang="ko-KR" altLang="en-US" sz="1400" dirty="0"/>
+            </a:p>
+          </p:txBody>
+        </p:sp>
+        <p:sp>
+          <p:nvSpPr>
+            <p:cNvPr id="52" name="모서리가 둥근 직사각형 44">
+              <a:extLst>
+                <a:ext uri="{FF2B5EF4-FFF2-40B4-BE49-F238E27FC236}">
+                  <a16:creationId xmlns:a16="http://schemas.microsoft.com/office/drawing/2014/main" id="{9BB562E9-3F81-4003-A260-4B53443A91D6}"/>
+                </a:ext>
+              </a:extLst>
+            </p:cNvPr>
+            <p:cNvSpPr/>
+            <p:nvPr/>
+          </p:nvSpPr>
+          <p:spPr>
+            <a:xfrm>
+              <a:off x="6804248" y="1779663"/>
+              <a:ext cx="1296144" cy="360040"/>
+            </a:xfrm>
+            <a:prstGeom prst="roundRect">
+              <a:avLst>
+                <a:gd name="adj" fmla="val 6195"/>
+              </a:avLst>
+            </a:prstGeom>
+            <a:ln/>
+          </p:spPr>
+          <p:style>
+            <a:lnRef idx="2">
+              <a:schemeClr val="dk1"/>
+            </a:lnRef>
+            <a:fillRef idx="1">
+              <a:schemeClr val="lt1"/>
+            </a:fillRef>
+            <a:effectRef idx="0">
+              <a:schemeClr val="dk1"/>
+            </a:effectRef>
+            <a:fontRef idx="minor">
+              <a:schemeClr val="dk1"/>
+            </a:fontRef>
+          </p:style>
+          <p:txBody>
+            <a:bodyPr rtlCol="0" anchor="ctr"/>
+            <a:lstStyle/>
+            <a:p>
+              <a:pPr algn="ctr"/>
+              <a:r>
+                <a:rPr lang="en-US" altLang="ko-KR" sz="1400"/>
+                <a:t>cni0 bridge </a:t>
+              </a:r>
+              <a:endParaRPr lang="ko-KR" altLang="en-US" sz="1400" dirty="0"/>
+            </a:p>
+          </p:txBody>
+        </p:sp>
+        <p:cxnSp>
+          <p:nvCxnSpPr>
+            <p:cNvPr id="53" name="직선 연결선 52">
+              <a:extLst>
+                <a:ext uri="{FF2B5EF4-FFF2-40B4-BE49-F238E27FC236}">
+                  <a16:creationId xmlns:a16="http://schemas.microsoft.com/office/drawing/2014/main" id="{0321CE52-54E5-4C9F-BAE5-ECEB72DB0B6B}"/>
+                </a:ext>
+              </a:extLst>
+            </p:cNvPr>
+            <p:cNvCxnSpPr>
+              <a:cxnSpLocks/>
+              <a:endCxn id="52" idx="1"/>
+            </p:cNvCxnSpPr>
+            <p:nvPr/>
+          </p:nvCxnSpPr>
+          <p:spPr>
+            <a:xfrm>
+              <a:off x="6672092" y="1959683"/>
+              <a:ext cx="132156" cy="0"/>
+            </a:xfrm>
+            <a:prstGeom prst="line">
+              <a:avLst/>
+            </a:prstGeom>
+            <a:ln w="19050">
+              <a:solidFill>
+                <a:schemeClr val="tx1"/>
+              </a:solidFill>
+            </a:ln>
+          </p:spPr>
+          <p:style>
+            <a:lnRef idx="1">
+              <a:schemeClr val="accent1"/>
+            </a:lnRef>
+            <a:fillRef idx="0">
+              <a:schemeClr val="accent1"/>
+            </a:fillRef>
+            <a:effectRef idx="0">
+              <a:schemeClr val="accent1"/>
+            </a:effectRef>
+            <a:fontRef idx="minor">
+              <a:schemeClr val="tx1"/>
+            </a:fontRef>
+          </p:style>
+        </p:cxnSp>
+      </p:grpSp>
+      <p:graphicFrame>
+        <p:nvGraphicFramePr>
+          <p:cNvPr id="66" name="표 65">
+            <a:extLst>
+              <a:ext uri="{FF2B5EF4-FFF2-40B4-BE49-F238E27FC236}">
+                <a16:creationId xmlns:a16="http://schemas.microsoft.com/office/drawing/2014/main" id="{6150A898-A77A-4648-B2C4-A03ADA5C8CD3}"/>
+              </a:ext>
+            </a:extLst>
+          </p:cNvPr>
+          <p:cNvGraphicFramePr>
+            <a:graphicFrameLocks noGrp="1"/>
+          </p:cNvGraphicFramePr>
+          <p:nvPr>
+            <p:extLst>
+              <p:ext uri="{D42A27DB-BD31-4B8C-83A1-F6EECF244321}">
+                <p14:modId xmlns:p14="http://schemas.microsoft.com/office/powerpoint/2010/main" val="115843330"/>
+              </p:ext>
+            </p:extLst>
+          </p:nvPr>
+        </p:nvGraphicFramePr>
+        <p:xfrm>
+          <a:off x="5169504" y="2389364"/>
+          <a:ext cx="3356356" cy="937683"/>
+        </p:xfrm>
+        <a:graphic>
+          <a:graphicData uri="http://schemas.openxmlformats.org/drawingml/2006/table">
+            <a:tbl>
+              <a:tblPr firstRow="1" bandRow="1">
+                <a:tableStyleId>{2D5ABB26-0587-4C30-8999-92F81FD0307C}</a:tableStyleId>
+              </a:tblPr>
+              <a:tblGrid>
+                <a:gridCol w="1340134">
+                  <a:extLst>
+                    <a:ext uri="{9D8B030D-6E8A-4147-A177-3AD203B41FA5}">
+                      <a16:colId xmlns:a16="http://schemas.microsoft.com/office/drawing/2014/main" val="20000"/>
+                    </a:ext>
+                  </a:extLst>
+                </a:gridCol>
+                <a:gridCol w="1112589">
+                  <a:extLst>
+                    <a:ext uri="{9D8B030D-6E8A-4147-A177-3AD203B41FA5}">
+                      <a16:colId xmlns:a16="http://schemas.microsoft.com/office/drawing/2014/main" val="959866616"/>
+                    </a:ext>
+                  </a:extLst>
+                </a:gridCol>
+                <a:gridCol w="903633">
+                  <a:extLst>
+                    <a:ext uri="{9D8B030D-6E8A-4147-A177-3AD203B41FA5}">
+                      <a16:colId xmlns:a16="http://schemas.microsoft.com/office/drawing/2014/main" val="20001"/>
+                    </a:ext>
+                  </a:extLst>
+                </a:gridCol>
+              </a:tblGrid>
+              <a:tr h="312561">
+                <a:tc>
+                  <a:txBody>
+                    <a:bodyPr/>
+                    <a:lstStyle/>
+                    <a:p>
+                      <a:pPr latinLnBrk="1"/>
+                      <a:r>
+                        <a:rPr lang="en-US" altLang="ko-KR" sz="1400" dirty="0"/>
+                        <a:t>10.0.0.1/24</a:t>
+                      </a:r>
+                      <a:endParaRPr lang="ko-KR" altLang="en-US" sz="1400" dirty="0"/>
+                    </a:p>
+                  </a:txBody>
+                  <a:tcPr>
+                    <a:lnL w="19050" cap="flat" cmpd="sng" algn="ctr">
+                      <a:solidFill>
+                        <a:schemeClr val="tx1"/>
+                      </a:solidFill>
+                      <a:prstDash val="solid"/>
+                      <a:round/>
+                      <a:headEnd type="none" w="med" len="med"/>
+                      <a:tailEnd type="none" w="med" len="med"/>
+                    </a:lnL>
+                    <a:lnR w="19050" cap="flat" cmpd="sng" algn="ctr">
+                      <a:solidFill>
+                        <a:schemeClr val="tx1"/>
+                      </a:solidFill>
+                      <a:prstDash val="solid"/>
+                      <a:round/>
+                      <a:headEnd type="none" w="med" len="med"/>
+                      <a:tailEnd type="none" w="med" len="med"/>
+                    </a:lnR>
+                    <a:lnT w="19050" cap="flat" cmpd="sng" algn="ctr">
+                      <a:solidFill>
+                        <a:schemeClr val="tx1"/>
+                      </a:solidFill>
+                      <a:prstDash val="solid"/>
+                      <a:round/>
+                      <a:headEnd type="none" w="med" len="med"/>
+                      <a:tailEnd type="none" w="med" len="med"/>
+                    </a:lnT>
+                    <a:lnB w="19050" cap="flat" cmpd="sng" algn="ctr">
+                      <a:solidFill>
+                        <a:schemeClr val="tx1"/>
+                      </a:solidFill>
+                      <a:prstDash val="solid"/>
+                      <a:round/>
+                      <a:headEnd type="none" w="med" len="med"/>
+                      <a:tailEnd type="none" w="med" len="med"/>
+                    </a:lnB>
+                  </a:tcPr>
+                </a:tc>
+                <a:tc>
+                  <a:txBody>
+                    <a:bodyPr/>
+                    <a:lstStyle/>
+                    <a:p>
+                      <a:pPr latinLnBrk="1"/>
+                      <a:r>
+                        <a:rPr lang="en-US" altLang="ko-KR" sz="1400"/>
+                        <a:t>0.0.0.0</a:t>
+                      </a:r>
+                      <a:endParaRPr lang="ko-KR" altLang="en-US" sz="1400" dirty="0"/>
+                    </a:p>
+                  </a:txBody>
+                  <a:tcPr>
+                    <a:lnL w="19050" cap="flat" cmpd="sng" algn="ctr">
+                      <a:solidFill>
+                        <a:schemeClr val="tx1"/>
+                      </a:solidFill>
+                      <a:prstDash val="solid"/>
+                      <a:round/>
+                      <a:headEnd type="none" w="med" len="med"/>
+                      <a:tailEnd type="none" w="med" len="med"/>
+                    </a:lnL>
+                    <a:lnR w="19050" cap="flat" cmpd="sng" algn="ctr">
+                      <a:solidFill>
+                        <a:schemeClr val="tx1"/>
+                      </a:solidFill>
+                      <a:prstDash val="solid"/>
+                      <a:round/>
+                      <a:headEnd type="none" w="med" len="med"/>
+                      <a:tailEnd type="none" w="med" len="med"/>
+                    </a:lnR>
+                    <a:lnT w="19050" cap="flat" cmpd="sng" algn="ctr">
+                      <a:solidFill>
+                        <a:schemeClr val="tx1"/>
+                      </a:solidFill>
+                      <a:prstDash val="solid"/>
+                      <a:round/>
+                      <a:headEnd type="none" w="med" len="med"/>
+                      <a:tailEnd type="none" w="med" len="med"/>
+                    </a:lnT>
+                    <a:lnB w="19050" cap="flat" cmpd="sng" algn="ctr">
+                      <a:solidFill>
+                        <a:schemeClr val="tx1"/>
+                      </a:solidFill>
+                      <a:prstDash val="solid"/>
+                      <a:round/>
+                      <a:headEnd type="none" w="med" len="med"/>
+                      <a:tailEnd type="none" w="med" len="med"/>
+                    </a:lnB>
+                  </a:tcPr>
+                </a:tc>
+                <a:tc>
+                  <a:txBody>
+                    <a:bodyPr/>
+                    <a:lstStyle/>
+                    <a:p>
+                      <a:pPr latinLnBrk="1"/>
+                      <a:r>
+                        <a:rPr lang="en-US" altLang="ko-KR" sz="1400" dirty="0" err="1"/>
+                        <a:t>eth0</a:t>
+                      </a:r>
+                      <a:endParaRPr lang="ko-KR" altLang="en-US" sz="1400" dirty="0"/>
+                    </a:p>
+                  </a:txBody>
+                  <a:tcPr>
+                    <a:lnL w="19050" cap="flat" cmpd="sng" algn="ctr">
+                      <a:solidFill>
+                        <a:schemeClr val="tx1"/>
+                      </a:solidFill>
+                      <a:prstDash val="solid"/>
+                      <a:round/>
+                      <a:headEnd type="none" w="med" len="med"/>
+                      <a:tailEnd type="none" w="med" len="med"/>
+                    </a:lnL>
+                    <a:lnR w="19050" cap="flat" cmpd="sng" algn="ctr">
+                      <a:solidFill>
+                        <a:schemeClr val="tx1"/>
+                      </a:solidFill>
+                      <a:prstDash val="solid"/>
+                      <a:round/>
+                      <a:headEnd type="none" w="med" len="med"/>
+                      <a:tailEnd type="none" w="med" len="med"/>
+                    </a:lnR>
+                    <a:lnT w="19050" cap="flat" cmpd="sng" algn="ctr">
+                      <a:solidFill>
+                        <a:schemeClr val="tx1"/>
+                      </a:solidFill>
+                      <a:prstDash val="solid"/>
+                      <a:round/>
+                      <a:headEnd type="none" w="med" len="med"/>
+                      <a:tailEnd type="none" w="med" len="med"/>
+                    </a:lnT>
+                    <a:lnB w="19050" cap="flat" cmpd="sng" algn="ctr">
+                      <a:solidFill>
+                        <a:schemeClr val="tx1"/>
+                      </a:solidFill>
+                      <a:prstDash val="solid"/>
+                      <a:round/>
+                      <a:headEnd type="none" w="med" len="med"/>
+                      <a:tailEnd type="none" w="med" len="med"/>
+                    </a:lnB>
+                  </a:tcPr>
+                </a:tc>
+                <a:extLst>
+                  <a:ext uri="{0D108BD9-81ED-4DB2-BD59-A6C34878D82A}">
+                    <a16:rowId xmlns:a16="http://schemas.microsoft.com/office/drawing/2014/main" val="10000"/>
+                  </a:ext>
+                </a:extLst>
+              </a:tr>
+              <a:tr h="312561">
+                <a:tc>
+                  <a:txBody>
+                    <a:bodyPr/>
+                    <a:lstStyle/>
+                    <a:p>
+                      <a:pPr latinLnBrk="1"/>
+                      <a:r>
+                        <a:rPr lang="en-US" altLang="ko-KR" sz="1400"/>
+                        <a:t>10.244.2.0/24</a:t>
+                      </a:r>
+                      <a:endParaRPr lang="ko-KR" altLang="en-US" sz="1400" dirty="0"/>
+                    </a:p>
+                  </a:txBody>
+                  <a:tcPr>
+                    <a:lnL w="19050" cap="flat" cmpd="sng" algn="ctr">
+                      <a:solidFill>
+                        <a:schemeClr val="tx1"/>
+                      </a:solidFill>
+                      <a:prstDash val="solid"/>
+                      <a:round/>
+                      <a:headEnd type="none" w="med" len="med"/>
+                      <a:tailEnd type="none" w="med" len="med"/>
+                    </a:lnL>
+                    <a:lnR w="19050" cap="flat" cmpd="sng" algn="ctr">
+                      <a:solidFill>
+                        <a:schemeClr val="tx1"/>
+                      </a:solidFill>
+                      <a:prstDash val="solid"/>
+                      <a:round/>
+                      <a:headEnd type="none" w="med" len="med"/>
+                      <a:tailEnd type="none" w="med" len="med"/>
+                    </a:lnR>
+                    <a:lnT w="19050" cap="flat" cmpd="sng" algn="ctr">
+                      <a:solidFill>
+                        <a:schemeClr val="tx1"/>
+                      </a:solidFill>
+                      <a:prstDash val="solid"/>
+                      <a:round/>
+                      <a:headEnd type="none" w="med" len="med"/>
+                      <a:tailEnd type="none" w="med" len="med"/>
+                    </a:lnT>
+                    <a:lnB w="19050" cap="flat" cmpd="sng" algn="ctr">
+                      <a:solidFill>
+                        <a:schemeClr val="tx1"/>
+                      </a:solidFill>
+                      <a:prstDash val="solid"/>
+                      <a:round/>
+                      <a:headEnd type="none" w="med" len="med"/>
+                      <a:tailEnd type="none" w="med" len="med"/>
+                    </a:lnB>
+                  </a:tcPr>
+                </a:tc>
+                <a:tc>
+                  <a:txBody>
+                    <a:bodyPr/>
+                    <a:lstStyle/>
+                    <a:p>
+                      <a:pPr latinLnBrk="1"/>
+                      <a:r>
+                        <a:rPr lang="en-US" altLang="ko-KR" sz="1400"/>
+                        <a:t>0.0.0.0</a:t>
+                      </a:r>
+                      <a:endParaRPr lang="ko-KR" altLang="en-US" sz="1400" dirty="0"/>
+                    </a:p>
+                  </a:txBody>
+                  <a:tcPr>
+                    <a:lnL w="19050" cap="flat" cmpd="sng" algn="ctr">
+                      <a:solidFill>
+                        <a:schemeClr val="tx1"/>
+                      </a:solidFill>
+                      <a:prstDash val="solid"/>
+                      <a:round/>
+                      <a:headEnd type="none" w="med" len="med"/>
+                      <a:tailEnd type="none" w="med" len="med"/>
+                    </a:lnL>
+                    <a:lnR w="19050" cap="flat" cmpd="sng" algn="ctr">
+                      <a:solidFill>
+                        <a:schemeClr val="tx1"/>
+                      </a:solidFill>
+                      <a:prstDash val="solid"/>
+                      <a:round/>
+                      <a:headEnd type="none" w="med" len="med"/>
+                      <a:tailEnd type="none" w="med" len="med"/>
+                    </a:lnR>
+                    <a:lnT w="19050" cap="flat" cmpd="sng" algn="ctr">
+                      <a:solidFill>
+                        <a:schemeClr val="tx1"/>
+                      </a:solidFill>
+                      <a:prstDash val="solid"/>
+                      <a:round/>
+                      <a:headEnd type="none" w="med" len="med"/>
+                      <a:tailEnd type="none" w="med" len="med"/>
+                    </a:lnT>
+                    <a:lnB w="19050" cap="flat" cmpd="sng" algn="ctr">
+                      <a:solidFill>
+                        <a:schemeClr val="tx1"/>
+                      </a:solidFill>
+                      <a:prstDash val="solid"/>
+                      <a:round/>
+                      <a:headEnd type="none" w="med" len="med"/>
+                      <a:tailEnd type="none" w="med" len="med"/>
+                    </a:lnB>
+                  </a:tcPr>
+                </a:tc>
+                <a:tc>
+                  <a:txBody>
+                    <a:bodyPr/>
+                    <a:lstStyle/>
+                    <a:p>
+                      <a:pPr latinLnBrk="1"/>
+                      <a:r>
+                        <a:rPr lang="en-US" altLang="ko-KR" sz="1400"/>
+                        <a:t>cni0</a:t>
+                      </a:r>
+                      <a:endParaRPr lang="ko-KR" altLang="en-US" sz="1400" dirty="0"/>
+                    </a:p>
+                  </a:txBody>
+                  <a:tcPr>
+                    <a:lnL w="19050" cap="flat" cmpd="sng" algn="ctr">
+                      <a:solidFill>
+                        <a:schemeClr val="tx1"/>
+                      </a:solidFill>
+                      <a:prstDash val="solid"/>
+                      <a:round/>
+                      <a:headEnd type="none" w="med" len="med"/>
+                      <a:tailEnd type="none" w="med" len="med"/>
+                    </a:lnL>
+                    <a:lnR w="19050" cap="flat" cmpd="sng" algn="ctr">
+                      <a:solidFill>
+                        <a:schemeClr val="tx1"/>
+                      </a:solidFill>
+                      <a:prstDash val="solid"/>
+                      <a:round/>
+                      <a:headEnd type="none" w="med" len="med"/>
+                      <a:tailEnd type="none" w="med" len="med"/>
+                    </a:lnR>
+                    <a:lnT w="19050" cap="flat" cmpd="sng" algn="ctr">
+                      <a:solidFill>
+                        <a:schemeClr val="tx1"/>
+                      </a:solidFill>
+                      <a:prstDash val="solid"/>
+                      <a:round/>
+                      <a:headEnd type="none" w="med" len="med"/>
+                      <a:tailEnd type="none" w="med" len="med"/>
+                    </a:lnT>
+                    <a:lnB w="19050" cap="flat" cmpd="sng" algn="ctr">
+                      <a:solidFill>
+                        <a:schemeClr val="tx1"/>
+                      </a:solidFill>
+                      <a:prstDash val="solid"/>
+                      <a:round/>
+                      <a:headEnd type="none" w="med" len="med"/>
+                      <a:tailEnd type="none" w="med" len="med"/>
+                    </a:lnB>
+                  </a:tcPr>
+                </a:tc>
+                <a:extLst>
+                  <a:ext uri="{0D108BD9-81ED-4DB2-BD59-A6C34878D82A}">
+                    <a16:rowId xmlns:a16="http://schemas.microsoft.com/office/drawing/2014/main" val="10001"/>
+                  </a:ext>
+                </a:extLst>
+              </a:tr>
+              <a:tr h="312561">
+                <a:tc>
+                  <a:txBody>
+                    <a:bodyPr/>
+                    <a:lstStyle/>
+                    <a:p>
+                      <a:pPr latinLnBrk="1"/>
+                      <a:r>
+                        <a:rPr lang="en-US" altLang="ko-KR" sz="1400"/>
+                        <a:t>10.244.1.0/24</a:t>
+                      </a:r>
+                      <a:endParaRPr lang="ko-KR" altLang="en-US" sz="1400" dirty="0"/>
+                    </a:p>
+                  </a:txBody>
+                  <a:tcPr>
+                    <a:lnL w="19050" cap="flat" cmpd="sng" algn="ctr">
+                      <a:solidFill>
+                        <a:schemeClr val="tx1"/>
+                      </a:solidFill>
+                      <a:prstDash val="solid"/>
+                      <a:round/>
+                      <a:headEnd type="none" w="med" len="med"/>
+                      <a:tailEnd type="none" w="med" len="med"/>
+                    </a:lnL>
+                    <a:lnR w="19050" cap="flat" cmpd="sng" algn="ctr">
+                      <a:solidFill>
+                        <a:schemeClr val="tx1"/>
+                      </a:solidFill>
+                      <a:prstDash val="solid"/>
+                      <a:round/>
+                      <a:headEnd type="none" w="med" len="med"/>
+                      <a:tailEnd type="none" w="med" len="med"/>
+                    </a:lnR>
+                    <a:lnT w="19050" cap="flat" cmpd="sng" algn="ctr">
+                      <a:solidFill>
+                        <a:schemeClr val="tx1"/>
+                      </a:solidFill>
+                      <a:prstDash val="solid"/>
+                      <a:round/>
+                      <a:headEnd type="none" w="med" len="med"/>
+                      <a:tailEnd type="none" w="med" len="med"/>
+                    </a:lnT>
+                    <a:lnB w="19050" cap="flat" cmpd="sng" algn="ctr">
+                      <a:solidFill>
+                        <a:schemeClr val="tx1"/>
+                      </a:solidFill>
+                      <a:prstDash val="solid"/>
+                      <a:round/>
+                      <a:headEnd type="none" w="med" len="med"/>
+                      <a:tailEnd type="none" w="med" len="med"/>
+                    </a:lnB>
+                  </a:tcPr>
+                </a:tc>
+                <a:tc>
+                  <a:txBody>
+                    <a:bodyPr/>
+                    <a:lstStyle/>
+                    <a:p>
+                      <a:pPr latinLnBrk="1"/>
+                      <a:r>
+                        <a:rPr lang="en-US" altLang="ko-KR" sz="1400"/>
+                        <a:t>10.244.1.0</a:t>
+                      </a:r>
+                      <a:endParaRPr lang="ko-KR" altLang="en-US" sz="1400" dirty="0"/>
+                    </a:p>
+                  </a:txBody>
+                  <a:tcPr>
+                    <a:lnL w="19050" cap="flat" cmpd="sng" algn="ctr">
+                      <a:solidFill>
+                        <a:schemeClr val="tx1"/>
+                      </a:solidFill>
+                      <a:prstDash val="solid"/>
+                      <a:round/>
+                      <a:headEnd type="none" w="med" len="med"/>
+                      <a:tailEnd type="none" w="med" len="med"/>
+                    </a:lnL>
+                    <a:lnR w="19050" cap="flat" cmpd="sng" algn="ctr">
+                      <a:solidFill>
+                        <a:schemeClr val="tx1"/>
+                      </a:solidFill>
+                      <a:prstDash val="solid"/>
+                      <a:round/>
+                      <a:headEnd type="none" w="med" len="med"/>
+                      <a:tailEnd type="none" w="med" len="med"/>
+                    </a:lnR>
+                    <a:lnT w="19050" cap="flat" cmpd="sng" algn="ctr">
+                      <a:solidFill>
+                        <a:schemeClr val="tx1"/>
+                      </a:solidFill>
+                      <a:prstDash val="solid"/>
+                      <a:round/>
+                      <a:headEnd type="none" w="med" len="med"/>
+                      <a:tailEnd type="none" w="med" len="med"/>
+                    </a:lnT>
+                    <a:lnB w="19050" cap="flat" cmpd="sng" algn="ctr">
+                      <a:solidFill>
+                        <a:schemeClr val="tx1"/>
+                      </a:solidFill>
+                      <a:prstDash val="solid"/>
+                      <a:round/>
+                      <a:headEnd type="none" w="med" len="med"/>
+                      <a:tailEnd type="none" w="med" len="med"/>
+                    </a:lnB>
+                  </a:tcPr>
+                </a:tc>
+                <a:tc>
+                  <a:txBody>
+                    <a:bodyPr/>
+                    <a:lstStyle/>
+                    <a:p>
+                      <a:pPr latinLnBrk="1"/>
+                      <a:r>
+                        <a:rPr lang="en-US" altLang="ko-KR" sz="1400"/>
+                        <a:t>flannel.1</a:t>
+                      </a:r>
+                      <a:endParaRPr lang="ko-KR" altLang="en-US" sz="1400" dirty="0"/>
+                    </a:p>
+                  </a:txBody>
+                  <a:tcPr>
+                    <a:lnL w="19050" cap="flat" cmpd="sng" algn="ctr">
+                      <a:solidFill>
+                        <a:schemeClr val="tx1"/>
+                      </a:solidFill>
+                      <a:prstDash val="solid"/>
+                      <a:round/>
+                      <a:headEnd type="none" w="med" len="med"/>
+                      <a:tailEnd type="none" w="med" len="med"/>
+                    </a:lnL>
+                    <a:lnR w="19050" cap="flat" cmpd="sng" algn="ctr">
+                      <a:solidFill>
+                        <a:schemeClr val="tx1"/>
+                      </a:solidFill>
+                      <a:prstDash val="solid"/>
+                      <a:round/>
+                      <a:headEnd type="none" w="med" len="med"/>
+                      <a:tailEnd type="none" w="med" len="med"/>
+                    </a:lnR>
+                    <a:lnT w="19050" cap="flat" cmpd="sng" algn="ctr">
+                      <a:solidFill>
+                        <a:schemeClr val="tx1"/>
+                      </a:solidFill>
+                      <a:prstDash val="solid"/>
+                      <a:round/>
+                      <a:headEnd type="none" w="med" len="med"/>
+                      <a:tailEnd type="none" w="med" len="med"/>
+                    </a:lnT>
+                    <a:lnB w="19050" cap="flat" cmpd="sng" algn="ctr">
+                      <a:solidFill>
+                        <a:schemeClr val="tx1"/>
+                      </a:solidFill>
+                      <a:prstDash val="solid"/>
+                      <a:round/>
+                      <a:headEnd type="none" w="med" len="med"/>
+                      <a:tailEnd type="none" w="med" len="med"/>
+                    </a:lnB>
+                  </a:tcPr>
+                </a:tc>
+                <a:extLst>
+                  <a:ext uri="{0D108BD9-81ED-4DB2-BD59-A6C34878D82A}">
+                    <a16:rowId xmlns:a16="http://schemas.microsoft.com/office/drawing/2014/main" val="10002"/>
+                  </a:ext>
+                </a:extLst>
+              </a:tr>
+            </a:tbl>
+          </a:graphicData>
+        </a:graphic>
+      </p:graphicFrame>
+      <p:sp>
+        <p:nvSpPr>
+          <p:cNvPr id="67" name="모서리가 둥근 직사각형 44">
+            <a:extLst>
+              <a:ext uri="{FF2B5EF4-FFF2-40B4-BE49-F238E27FC236}">
+                <a16:creationId xmlns:a16="http://schemas.microsoft.com/office/drawing/2014/main" id="{F7C0FDFB-B441-4E04-A1DC-B1A1A3FB9868}"/>
+              </a:ext>
+            </a:extLst>
+          </p:cNvPr>
+          <p:cNvSpPr/>
+          <p:nvPr/>
+        </p:nvSpPr>
+        <p:spPr>
+          <a:xfrm>
+            <a:off x="2174945" y="2067694"/>
+            <a:ext cx="1676975" cy="288032"/>
+          </a:xfrm>
+          <a:prstGeom prst="roundRect">
+            <a:avLst>
+              <a:gd name="adj" fmla="val 6195"/>
+            </a:avLst>
+          </a:prstGeom>
+          <a:noFill/>
+          <a:ln>
+            <a:noFill/>
+          </a:ln>
+        </p:spPr>
+        <p:style>
+          <a:lnRef idx="2">
+            <a:schemeClr val="dk1"/>
+          </a:lnRef>
+          <a:fillRef idx="1">
+            <a:schemeClr val="lt1"/>
+          </a:fillRef>
+          <a:effectRef idx="0">
+            <a:schemeClr val="dk1"/>
+          </a:effectRef>
+          <a:fontRef idx="minor">
+            <a:schemeClr val="dk1"/>
+          </a:fontRef>
+        </p:style>
+        <p:txBody>
+          <a:bodyPr rtlCol="0" anchor="ctr"/>
+          <a:lstStyle/>
+          <a:p>
+            <a:pPr algn="ctr"/>
+            <a:r>
+              <a:rPr lang="en-US" altLang="ko-KR" sz="1400"/>
+              <a:t>10.244.1.1</a:t>
+            </a:r>
+            <a:endParaRPr lang="ko-KR" altLang="en-US" sz="1400" dirty="0"/>
+          </a:p>
+        </p:txBody>
+      </p:sp>
+      <p:sp>
+        <p:nvSpPr>
+          <p:cNvPr id="68" name="모서리가 둥근 직사각형 44">
+            <a:extLst>
+              <a:ext uri="{FF2B5EF4-FFF2-40B4-BE49-F238E27FC236}">
+                <a16:creationId xmlns:a16="http://schemas.microsoft.com/office/drawing/2014/main" id="{27B03ADC-F842-458F-99ED-B4C5CBBABF52}"/>
+              </a:ext>
+            </a:extLst>
+          </p:cNvPr>
+          <p:cNvSpPr/>
+          <p:nvPr/>
+        </p:nvSpPr>
+        <p:spPr>
+          <a:xfrm>
+            <a:off x="6719224" y="2067694"/>
+            <a:ext cx="1676975" cy="288032"/>
+          </a:xfrm>
+          <a:prstGeom prst="roundRect">
+            <a:avLst>
+              <a:gd name="adj" fmla="val 6195"/>
+            </a:avLst>
+          </a:prstGeom>
+          <a:noFill/>
+          <a:ln>
+            <a:noFill/>
+          </a:ln>
+        </p:spPr>
+        <p:style>
+          <a:lnRef idx="2">
+            <a:schemeClr val="dk1"/>
+          </a:lnRef>
+          <a:fillRef idx="1">
+            <a:schemeClr val="lt1"/>
+          </a:fillRef>
+          <a:effectRef idx="0">
+            <a:schemeClr val="dk1"/>
+          </a:effectRef>
+          <a:fontRef idx="minor">
+            <a:schemeClr val="dk1"/>
+          </a:fontRef>
+        </p:style>
+        <p:txBody>
+          <a:bodyPr rtlCol="0" anchor="ctr"/>
+          <a:lstStyle/>
+          <a:p>
+            <a:pPr algn="ctr"/>
+            <a:r>
+              <a:rPr lang="en-US" altLang="ko-KR" sz="1400"/>
+              <a:t>10.244.2.1</a:t>
             </a:r>
             <a:endParaRPr lang="ko-KR" altLang="en-US" sz="1400" dirty="0"/>
           </a:p>

--- a/images/theory_analysis/Kubernetes_Flannel_Plugin/Kubernetes_Flannel_Plugin.pptx
+++ b/images/theory_analysis/Kubernetes_Flannel_Plugin/Kubernetes_Flannel_Plugin.pptx
@@ -111,7 +111,7 @@
   </p:defaultTextStyle>
   <p:extLst>
     <p:ext uri="{EFAFB233-063F-42B5-8137-9DF3F51BA10A}">
-      <p15:sldGuideLst xmlns:p15="http://schemas.microsoft.com/office/powerpoint/2012/main">
+      <p15:sldGuideLst xmlns:p15="http://schemas.microsoft.com/office/powerpoint/2012/main" xmlns="">
         <p15:guide id="1" orient="horz" pos="2160">
           <p15:clr>
             <a:srgbClr val="A4A3A4"/>
@@ -215,7 +215,7 @@
           <a:p>
             <a:fld id="{6CD5550B-26C4-49A9-A5BA-636EF7BE6CE9}" type="datetimeFigureOut">
               <a:rPr lang="ko-KR" altLang="en-US" smtClean="0"/>
-              <a:t>2018-08-26</a:t>
+              <a:t>2018-08-28</a:t>
             </a:fld>
             <a:endParaRPr lang="ko-KR" altLang="en-US"/>
           </a:p>
@@ -913,7 +913,7 @@
           <a:p>
             <a:fld id="{FB30EDBD-1C2D-4C1E-B459-B60219FAB484}" type="datetimeFigureOut">
               <a:rPr lang="ko-KR" altLang="en-US" smtClean="0"/>
-              <a:t>2018-08-26</a:t>
+              <a:t>2018-08-28</a:t>
             </a:fld>
             <a:endParaRPr lang="ko-KR" altLang="en-US"/>
           </a:p>
@@ -1076,7 +1076,7 @@
           <a:p>
             <a:fld id="{FB30EDBD-1C2D-4C1E-B459-B60219FAB484}" type="datetimeFigureOut">
               <a:rPr lang="ko-KR" altLang="en-US" smtClean="0"/>
-              <a:t>2018-08-26</a:t>
+              <a:t>2018-08-28</a:t>
             </a:fld>
             <a:endParaRPr lang="ko-KR" altLang="en-US"/>
           </a:p>
@@ -1249,7 +1249,7 @@
           <a:p>
             <a:fld id="{FB30EDBD-1C2D-4C1E-B459-B60219FAB484}" type="datetimeFigureOut">
               <a:rPr lang="ko-KR" altLang="en-US" smtClean="0"/>
-              <a:t>2018-08-26</a:t>
+              <a:t>2018-08-28</a:t>
             </a:fld>
             <a:endParaRPr lang="ko-KR" altLang="en-US"/>
           </a:p>
@@ -1412,7 +1412,7 @@
           <a:p>
             <a:fld id="{FB30EDBD-1C2D-4C1E-B459-B60219FAB484}" type="datetimeFigureOut">
               <a:rPr lang="ko-KR" altLang="en-US" smtClean="0"/>
-              <a:t>2018-08-26</a:t>
+              <a:t>2018-08-28</a:t>
             </a:fld>
             <a:endParaRPr lang="ko-KR" altLang="en-US"/>
           </a:p>
@@ -1652,7 +1652,7 @@
           <a:p>
             <a:fld id="{FB30EDBD-1C2D-4C1E-B459-B60219FAB484}" type="datetimeFigureOut">
               <a:rPr lang="ko-KR" altLang="en-US" smtClean="0"/>
-              <a:t>2018-08-26</a:t>
+              <a:t>2018-08-28</a:t>
             </a:fld>
             <a:endParaRPr lang="ko-KR" altLang="en-US"/>
           </a:p>
@@ -1932,7 +1932,7 @@
           <a:p>
             <a:fld id="{FB30EDBD-1C2D-4C1E-B459-B60219FAB484}" type="datetimeFigureOut">
               <a:rPr lang="ko-KR" altLang="en-US" smtClean="0"/>
-              <a:t>2018-08-26</a:t>
+              <a:t>2018-08-28</a:t>
             </a:fld>
             <a:endParaRPr lang="ko-KR" altLang="en-US"/>
           </a:p>
@@ -2346,7 +2346,7 @@
           <a:p>
             <a:fld id="{FB30EDBD-1C2D-4C1E-B459-B60219FAB484}" type="datetimeFigureOut">
               <a:rPr lang="ko-KR" altLang="en-US" smtClean="0"/>
-              <a:t>2018-08-26</a:t>
+              <a:t>2018-08-28</a:t>
             </a:fld>
             <a:endParaRPr lang="ko-KR" altLang="en-US"/>
           </a:p>
@@ -2458,7 +2458,7 @@
           <a:p>
             <a:fld id="{FB30EDBD-1C2D-4C1E-B459-B60219FAB484}" type="datetimeFigureOut">
               <a:rPr lang="ko-KR" altLang="en-US" smtClean="0"/>
-              <a:t>2018-08-26</a:t>
+              <a:t>2018-08-28</a:t>
             </a:fld>
             <a:endParaRPr lang="ko-KR" altLang="en-US"/>
           </a:p>
@@ -2548,7 +2548,7 @@
           <a:p>
             <a:fld id="{FB30EDBD-1C2D-4C1E-B459-B60219FAB484}" type="datetimeFigureOut">
               <a:rPr lang="ko-KR" altLang="en-US" smtClean="0"/>
-              <a:t>2018-08-26</a:t>
+              <a:t>2018-08-28</a:t>
             </a:fld>
             <a:endParaRPr lang="ko-KR" altLang="en-US"/>
           </a:p>
@@ -2818,7 +2818,7 @@
           <a:p>
             <a:fld id="{FB30EDBD-1C2D-4C1E-B459-B60219FAB484}" type="datetimeFigureOut">
               <a:rPr lang="ko-KR" altLang="en-US" smtClean="0"/>
-              <a:t>2018-08-26</a:t>
+              <a:t>2018-08-28</a:t>
             </a:fld>
             <a:endParaRPr lang="ko-KR" altLang="en-US"/>
           </a:p>
@@ -3065,7 +3065,7 @@
           <a:p>
             <a:fld id="{FB30EDBD-1C2D-4C1E-B459-B60219FAB484}" type="datetimeFigureOut">
               <a:rPr lang="ko-KR" altLang="en-US" smtClean="0"/>
-              <a:t>2018-08-26</a:t>
+              <a:t>2018-08-28</a:t>
             </a:fld>
             <a:endParaRPr lang="ko-KR" altLang="en-US"/>
           </a:p>
@@ -3271,7 +3271,7 @@
           <a:p>
             <a:fld id="{FB30EDBD-1C2D-4C1E-B459-B60219FAB484}" type="datetimeFigureOut">
               <a:rPr lang="ko-KR" altLang="en-US" smtClean="0"/>
-              <a:t>2018-08-26</a:t>
+              <a:t>2018-08-28</a:t>
             </a:fld>
             <a:endParaRPr lang="ko-KR" altLang="en-US"/>
           </a:p>
@@ -3676,7 +3676,7 @@
           <p:cNvPr id="24" name="모서리가 둥근 직사각형 44">
             <a:extLst>
               <a:ext uri="{FF2B5EF4-FFF2-40B4-BE49-F238E27FC236}">
-                <a16:creationId xmlns:a16="http://schemas.microsoft.com/office/drawing/2014/main" id="{2DBA49E2-5203-48AC-9D0B-4B3C58EE231E}"/>
+                <a16:creationId xmlns:a16="http://schemas.microsoft.com/office/drawing/2014/main" xmlns="" id="{2DBA49E2-5203-48AC-9D0B-4B3C58EE231E}"/>
               </a:ext>
             </a:extLst>
           </p:cNvPr>
@@ -3727,7 +3727,7 @@
           <p:cNvPr id="27" name="모서리가 둥근 직사각형 55">
             <a:extLst>
               <a:ext uri="{FF2B5EF4-FFF2-40B4-BE49-F238E27FC236}">
-                <a16:creationId xmlns:a16="http://schemas.microsoft.com/office/drawing/2014/main" id="{0FB88AC0-5E25-4C22-9F9F-FF062E2DDB6A}"/>
+                <a16:creationId xmlns:a16="http://schemas.microsoft.com/office/drawing/2014/main" xmlns="" id="{0FB88AC0-5E25-4C22-9F9F-FF062E2DDB6A}"/>
               </a:ext>
             </a:extLst>
           </p:cNvPr>
@@ -3792,7 +3792,7 @@
           <p:cNvPr id="46" name="모서리가 둥근 직사각형 75">
             <a:extLst>
               <a:ext uri="{FF2B5EF4-FFF2-40B4-BE49-F238E27FC236}">
-                <a16:creationId xmlns:a16="http://schemas.microsoft.com/office/drawing/2014/main" id="{2EBEE14D-89BD-4822-AD15-7105D7141912}"/>
+                <a16:creationId xmlns:a16="http://schemas.microsoft.com/office/drawing/2014/main" xmlns="" id="{2EBEE14D-89BD-4822-AD15-7105D7141912}"/>
               </a:ext>
             </a:extLst>
           </p:cNvPr>
@@ -3843,7 +3843,7 @@
           <p:cNvPr id="8" name="모서리가 둥근 직사각형 75">
             <a:extLst>
               <a:ext uri="{FF2B5EF4-FFF2-40B4-BE49-F238E27FC236}">
-                <a16:creationId xmlns:a16="http://schemas.microsoft.com/office/drawing/2014/main" id="{9DEDB479-C1E5-4779-9F62-829F1D8593EE}"/>
+                <a16:creationId xmlns:a16="http://schemas.microsoft.com/office/drawing/2014/main" xmlns="" id="{9DEDB479-C1E5-4779-9F62-829F1D8593EE}"/>
               </a:ext>
             </a:extLst>
           </p:cNvPr>
@@ -3935,7 +3935,7 @@
           <p:cNvPr id="18" name="모서리가 둥근 직사각형 44">
             <a:extLst>
               <a:ext uri="{FF2B5EF4-FFF2-40B4-BE49-F238E27FC236}">
-                <a16:creationId xmlns:a16="http://schemas.microsoft.com/office/drawing/2014/main" id="{0518FDB4-43E9-46EA-87A2-948622A90385}"/>
+                <a16:creationId xmlns:a16="http://schemas.microsoft.com/office/drawing/2014/main" xmlns="" id="{0518FDB4-43E9-46EA-87A2-948622A90385}"/>
               </a:ext>
             </a:extLst>
           </p:cNvPr>
@@ -3986,7 +3986,7 @@
           <p:cNvPr id="19" name="모서리가 둥근 직사각형 55">
             <a:extLst>
               <a:ext uri="{FF2B5EF4-FFF2-40B4-BE49-F238E27FC236}">
-                <a16:creationId xmlns:a16="http://schemas.microsoft.com/office/drawing/2014/main" id="{E4943E0F-A5A9-421D-87BC-2FEE69A6BC70}"/>
+                <a16:creationId xmlns:a16="http://schemas.microsoft.com/office/drawing/2014/main" xmlns="" id="{E4943E0F-A5A9-421D-87BC-2FEE69A6BC70}"/>
               </a:ext>
             </a:extLst>
           </p:cNvPr>
@@ -4051,7 +4051,7 @@
           <p:cNvPr id="20" name="모서리가 둥근 직사각형 75">
             <a:extLst>
               <a:ext uri="{FF2B5EF4-FFF2-40B4-BE49-F238E27FC236}">
-                <a16:creationId xmlns:a16="http://schemas.microsoft.com/office/drawing/2014/main" id="{6B09E18D-5232-497D-B8C8-D333B06EF142}"/>
+                <a16:creationId xmlns:a16="http://schemas.microsoft.com/office/drawing/2014/main" xmlns="" id="{6B09E18D-5232-497D-B8C8-D333B06EF142}"/>
               </a:ext>
             </a:extLst>
           </p:cNvPr>
@@ -4211,7 +4211,7 @@
           <p:cNvPr id="3" name="모서리가 둥근 직사각형 44">
             <a:extLst>
               <a:ext uri="{FF2B5EF4-FFF2-40B4-BE49-F238E27FC236}">
-                <a16:creationId xmlns:a16="http://schemas.microsoft.com/office/drawing/2014/main" id="{2DBA49E2-5203-48AC-9D0B-4B3C58EE231E}"/>
+                <a16:creationId xmlns:a16="http://schemas.microsoft.com/office/drawing/2014/main" xmlns="" id="{2DBA49E2-5203-48AC-9D0B-4B3C58EE231E}"/>
               </a:ext>
             </a:extLst>
           </p:cNvPr>
@@ -4271,7 +4271,7 @@
           <p:nvPr>
             <p:extLst>
               <p:ext uri="{D42A27DB-BD31-4B8C-83A1-F6EECF244321}">
-                <p14:modId xmlns:p14="http://schemas.microsoft.com/office/powerpoint/2010/main" val="867162018"/>
+                <p14:modId xmlns:p14="http://schemas.microsoft.com/office/powerpoint/2010/main" val="447069705"/>
               </p:ext>
             </p:extLst>
           </p:nvPr>
@@ -4290,21 +4290,21 @@
                 <a:gridCol w="1340134">
                   <a:extLst>
                     <a:ext uri="{9D8B030D-6E8A-4147-A177-3AD203B41FA5}">
-                      <a16:colId xmlns:a16="http://schemas.microsoft.com/office/drawing/2014/main" val="20000"/>
+                      <a16:colId xmlns:a16="http://schemas.microsoft.com/office/drawing/2014/main" xmlns="" val="20000"/>
                     </a:ext>
                   </a:extLst>
                 </a:gridCol>
                 <a:gridCol w="1112589">
                   <a:extLst>
                     <a:ext uri="{9D8B030D-6E8A-4147-A177-3AD203B41FA5}">
-                      <a16:colId xmlns:a16="http://schemas.microsoft.com/office/drawing/2014/main" val="959866616"/>
+                      <a16:colId xmlns:a16="http://schemas.microsoft.com/office/drawing/2014/main" xmlns="" val="959866616"/>
                     </a:ext>
                   </a:extLst>
                 </a:gridCol>
                 <a:gridCol w="903633">
                   <a:extLst>
                     <a:ext uri="{9D8B030D-6E8A-4147-A177-3AD203B41FA5}">
-                      <a16:colId xmlns:a16="http://schemas.microsoft.com/office/drawing/2014/main" val="20001"/>
+                      <a16:colId xmlns:a16="http://schemas.microsoft.com/office/drawing/2014/main" xmlns="" val="20001"/>
                     </a:ext>
                   </a:extLst>
                 </a:gridCol>
@@ -4317,8 +4317,8 @@
                     <a:p>
                       <a:pPr latinLnBrk="1"/>
                       <a:r>
-                        <a:rPr lang="en-US" altLang="ko-KR" sz="1400" dirty="0"/>
-                        <a:t>10.0.0.1/24</a:t>
+                        <a:rPr lang="en-US" altLang="ko-KR" sz="1400" dirty="0" smtClean="0"/>
+                        <a:t>10.0.0.0/24</a:t>
                       </a:r>
                       <a:endParaRPr lang="ko-KR" altLang="en-US" sz="1400" dirty="0"/>
                     </a:p>
@@ -4468,7 +4468,7 @@
                 </a:tc>
                 <a:extLst>
                   <a:ext uri="{0D108BD9-81ED-4DB2-BD59-A6C34878D82A}">
-                    <a16:rowId xmlns:a16="http://schemas.microsoft.com/office/drawing/2014/main" val="10000"/>
+                    <a16:rowId xmlns:a16="http://schemas.microsoft.com/office/drawing/2014/main" xmlns="" val="10000"/>
                   </a:ext>
                 </a:extLst>
               </a:tr>
@@ -4631,7 +4631,7 @@
                 </a:tc>
                 <a:extLst>
                   <a:ext uri="{0D108BD9-81ED-4DB2-BD59-A6C34878D82A}">
-                    <a16:rowId xmlns:a16="http://schemas.microsoft.com/office/drawing/2014/main" val="10001"/>
+                    <a16:rowId xmlns:a16="http://schemas.microsoft.com/office/drawing/2014/main" xmlns="" val="10001"/>
                   </a:ext>
                 </a:extLst>
               </a:tr>
@@ -4794,7 +4794,7 @@
                 </a:tc>
                 <a:extLst>
                   <a:ext uri="{0D108BD9-81ED-4DB2-BD59-A6C34878D82A}">
-                    <a16:rowId xmlns:a16="http://schemas.microsoft.com/office/drawing/2014/main" val="10002"/>
+                    <a16:rowId xmlns:a16="http://schemas.microsoft.com/office/drawing/2014/main" xmlns="" val="10002"/>
                   </a:ext>
                 </a:extLst>
               </a:tr>
@@ -4807,7 +4807,7 @@
           <p:cNvPr id="13" name="모서리가 둥근 직사각형 44">
             <a:extLst>
               <a:ext uri="{FF2B5EF4-FFF2-40B4-BE49-F238E27FC236}">
-                <a16:creationId xmlns:a16="http://schemas.microsoft.com/office/drawing/2014/main" id="{2DBA49E2-5203-48AC-9D0B-4B3C58EE231E}"/>
+                <a16:creationId xmlns:a16="http://schemas.microsoft.com/office/drawing/2014/main" xmlns="" id="{2DBA49E2-5203-48AC-9D0B-4B3C58EE231E}"/>
               </a:ext>
             </a:extLst>
           </p:cNvPr>
@@ -4858,7 +4858,7 @@
           <p:cNvPr id="14" name="모서리가 둥근 직사각형 44">
             <a:extLst>
               <a:ext uri="{FF2B5EF4-FFF2-40B4-BE49-F238E27FC236}">
-                <a16:creationId xmlns:a16="http://schemas.microsoft.com/office/drawing/2014/main" id="{2DBA49E2-5203-48AC-9D0B-4B3C58EE231E}"/>
+                <a16:creationId xmlns:a16="http://schemas.microsoft.com/office/drawing/2014/main" xmlns="" id="{2DBA49E2-5203-48AC-9D0B-4B3C58EE231E}"/>
               </a:ext>
             </a:extLst>
           </p:cNvPr>
@@ -4916,7 +4916,7 @@
           <p:cNvPr id="21" name="모서리가 둥근 직사각형 44">
             <a:extLst>
               <a:ext uri="{FF2B5EF4-FFF2-40B4-BE49-F238E27FC236}">
-                <a16:creationId xmlns:a16="http://schemas.microsoft.com/office/drawing/2014/main" id="{2DBA49E2-5203-48AC-9D0B-4B3C58EE231E}"/>
+                <a16:creationId xmlns:a16="http://schemas.microsoft.com/office/drawing/2014/main" xmlns="" id="{2DBA49E2-5203-48AC-9D0B-4B3C58EE231E}"/>
               </a:ext>
             </a:extLst>
           </p:cNvPr>
@@ -5006,7 +5006,7 @@
           <p:cNvPr id="27" name="모서리가 둥근 직사각형 44">
             <a:extLst>
               <a:ext uri="{FF2B5EF4-FFF2-40B4-BE49-F238E27FC236}">
-                <a16:creationId xmlns:a16="http://schemas.microsoft.com/office/drawing/2014/main" id="{2DBA49E2-5203-48AC-9D0B-4B3C58EE231E}"/>
+                <a16:creationId xmlns:a16="http://schemas.microsoft.com/office/drawing/2014/main" xmlns="" id="{2DBA49E2-5203-48AC-9D0B-4B3C58EE231E}"/>
               </a:ext>
             </a:extLst>
           </p:cNvPr>
@@ -5060,7 +5060,7 @@
           <p:cNvPr id="30" name="모서리가 둥근 직사각형 44">
             <a:extLst>
               <a:ext uri="{FF2B5EF4-FFF2-40B4-BE49-F238E27FC236}">
-                <a16:creationId xmlns:a16="http://schemas.microsoft.com/office/drawing/2014/main" id="{2DBA49E2-5203-48AC-9D0B-4B3C58EE231E}"/>
+                <a16:creationId xmlns:a16="http://schemas.microsoft.com/office/drawing/2014/main" xmlns="" id="{2DBA49E2-5203-48AC-9D0B-4B3C58EE231E}"/>
               </a:ext>
             </a:extLst>
           </p:cNvPr>
@@ -5114,7 +5114,7 @@
           <p:cNvPr id="31" name="모서리가 둥근 직사각형 44">
             <a:extLst>
               <a:ext uri="{FF2B5EF4-FFF2-40B4-BE49-F238E27FC236}">
-                <a16:creationId xmlns:a16="http://schemas.microsoft.com/office/drawing/2014/main" id="{2DBA49E2-5203-48AC-9D0B-4B3C58EE231E}"/>
+                <a16:creationId xmlns:a16="http://schemas.microsoft.com/office/drawing/2014/main" xmlns="" id="{2DBA49E2-5203-48AC-9D0B-4B3C58EE231E}"/>
               </a:ext>
             </a:extLst>
           </p:cNvPr>
@@ -5185,7 +5185,7 @@
           <p:cNvPr id="64" name="그룹 63">
             <a:extLst>
               <a:ext uri="{FF2B5EF4-FFF2-40B4-BE49-F238E27FC236}">
-                <a16:creationId xmlns:a16="http://schemas.microsoft.com/office/drawing/2014/main" id="{10774F19-BC79-4638-A196-328E0CBB560D}"/>
+                <a16:creationId xmlns:a16="http://schemas.microsoft.com/office/drawing/2014/main" xmlns="" id="{10774F19-BC79-4638-A196-328E0CBB560D}"/>
               </a:ext>
             </a:extLst>
           </p:cNvPr>
@@ -5205,7 +5205,7 @@
             <p:cNvPr id="4" name="모서리가 둥근 직사각형 44">
               <a:extLst>
                 <a:ext uri="{FF2B5EF4-FFF2-40B4-BE49-F238E27FC236}">
-                  <a16:creationId xmlns:a16="http://schemas.microsoft.com/office/drawing/2014/main" id="{2DBA49E2-5203-48AC-9D0B-4B3C58EE231E}"/>
+                  <a16:creationId xmlns:a16="http://schemas.microsoft.com/office/drawing/2014/main" xmlns="" id="{2DBA49E2-5203-48AC-9D0B-4B3C58EE231E}"/>
                 </a:ext>
               </a:extLst>
             </p:cNvPr>
@@ -5256,7 +5256,7 @@
             <p:cNvPr id="7" name="모서리가 둥근 직사각형 44">
               <a:extLst>
                 <a:ext uri="{FF2B5EF4-FFF2-40B4-BE49-F238E27FC236}">
-                  <a16:creationId xmlns:a16="http://schemas.microsoft.com/office/drawing/2014/main" id="{2DBA49E2-5203-48AC-9D0B-4B3C58EE231E}"/>
+                  <a16:creationId xmlns:a16="http://schemas.microsoft.com/office/drawing/2014/main" xmlns="" id="{2DBA49E2-5203-48AC-9D0B-4B3C58EE231E}"/>
                 </a:ext>
               </a:extLst>
             </p:cNvPr>
@@ -5307,7 +5307,7 @@
             <p:cNvPr id="8" name="모서리가 둥근 직사각형 44">
               <a:extLst>
                 <a:ext uri="{FF2B5EF4-FFF2-40B4-BE49-F238E27FC236}">
-                  <a16:creationId xmlns:a16="http://schemas.microsoft.com/office/drawing/2014/main" id="{2DBA49E2-5203-48AC-9D0B-4B3C58EE231E}"/>
+                  <a16:creationId xmlns:a16="http://schemas.microsoft.com/office/drawing/2014/main" xmlns="" id="{2DBA49E2-5203-48AC-9D0B-4B3C58EE231E}"/>
                 </a:ext>
               </a:extLst>
             </p:cNvPr>
@@ -5396,7 +5396,7 @@
             <p:cNvPr id="11" name="모서리가 둥근 직사각형 44">
               <a:extLst>
                 <a:ext uri="{FF2B5EF4-FFF2-40B4-BE49-F238E27FC236}">
-                  <a16:creationId xmlns:a16="http://schemas.microsoft.com/office/drawing/2014/main" id="{2DBA49E2-5203-48AC-9D0B-4B3C58EE231E}"/>
+                  <a16:creationId xmlns:a16="http://schemas.microsoft.com/office/drawing/2014/main" xmlns="" id="{2DBA49E2-5203-48AC-9D0B-4B3C58EE231E}"/>
                 </a:ext>
               </a:extLst>
             </p:cNvPr>
@@ -5450,7 +5450,7 @@
             <p:cNvPr id="24" name="모서리가 둥근 직사각형 44">
               <a:extLst>
                 <a:ext uri="{FF2B5EF4-FFF2-40B4-BE49-F238E27FC236}">
-                  <a16:creationId xmlns:a16="http://schemas.microsoft.com/office/drawing/2014/main" id="{132E9DD2-D948-42DB-82F3-0E457413DD3F}"/>
+                  <a16:creationId xmlns:a16="http://schemas.microsoft.com/office/drawing/2014/main" xmlns="" id="{132E9DD2-D948-42DB-82F3-0E457413DD3F}"/>
                 </a:ext>
               </a:extLst>
             </p:cNvPr>
@@ -5501,7 +5501,7 @@
             <p:cNvPr id="25" name="직선 연결선 24">
               <a:extLst>
                 <a:ext uri="{FF2B5EF4-FFF2-40B4-BE49-F238E27FC236}">
-                  <a16:creationId xmlns:a16="http://schemas.microsoft.com/office/drawing/2014/main" id="{61BD7EEA-19F2-4D88-A764-5AF89984B1EA}"/>
+                  <a16:creationId xmlns:a16="http://schemas.microsoft.com/office/drawing/2014/main" xmlns="" id="{61BD7EEA-19F2-4D88-A764-5AF89984B1EA}"/>
                 </a:ext>
               </a:extLst>
             </p:cNvPr>
@@ -5547,7 +5547,7 @@
           <p:cNvPr id="65" name="그룹 64">
             <a:extLst>
               <a:ext uri="{FF2B5EF4-FFF2-40B4-BE49-F238E27FC236}">
-                <a16:creationId xmlns:a16="http://schemas.microsoft.com/office/drawing/2014/main" id="{6E6B2E12-C7C8-460C-A7BC-847842E9C038}"/>
+                <a16:creationId xmlns:a16="http://schemas.microsoft.com/office/drawing/2014/main" xmlns="" id="{6E6B2E12-C7C8-460C-A7BC-847842E9C038}"/>
               </a:ext>
             </a:extLst>
           </p:cNvPr>
@@ -5567,7 +5567,7 @@
             <p:cNvPr id="15" name="모서리가 둥근 직사각형 44">
               <a:extLst>
                 <a:ext uri="{FF2B5EF4-FFF2-40B4-BE49-F238E27FC236}">
-                  <a16:creationId xmlns:a16="http://schemas.microsoft.com/office/drawing/2014/main" id="{2DBA49E2-5203-48AC-9D0B-4B3C58EE231E}"/>
+                  <a16:creationId xmlns:a16="http://schemas.microsoft.com/office/drawing/2014/main" xmlns="" id="{2DBA49E2-5203-48AC-9D0B-4B3C58EE231E}"/>
                 </a:ext>
               </a:extLst>
             </p:cNvPr>
@@ -5618,7 +5618,7 @@
             <p:cNvPr id="17" name="모서리가 둥근 직사각형 44">
               <a:extLst>
                 <a:ext uri="{FF2B5EF4-FFF2-40B4-BE49-F238E27FC236}">
-                  <a16:creationId xmlns:a16="http://schemas.microsoft.com/office/drawing/2014/main" id="{2DBA49E2-5203-48AC-9D0B-4B3C58EE231E}"/>
+                  <a16:creationId xmlns:a16="http://schemas.microsoft.com/office/drawing/2014/main" xmlns="" id="{2DBA49E2-5203-48AC-9D0B-4B3C58EE231E}"/>
                 </a:ext>
               </a:extLst>
             </p:cNvPr>
@@ -5669,7 +5669,7 @@
             <p:cNvPr id="18" name="모서리가 둥근 직사각형 44">
               <a:extLst>
                 <a:ext uri="{FF2B5EF4-FFF2-40B4-BE49-F238E27FC236}">
-                  <a16:creationId xmlns:a16="http://schemas.microsoft.com/office/drawing/2014/main" id="{2DBA49E2-5203-48AC-9D0B-4B3C58EE231E}"/>
+                  <a16:creationId xmlns:a16="http://schemas.microsoft.com/office/drawing/2014/main" xmlns="" id="{2DBA49E2-5203-48AC-9D0B-4B3C58EE231E}"/>
                 </a:ext>
               </a:extLst>
             </p:cNvPr>
@@ -5758,7 +5758,7 @@
             <p:cNvPr id="20" name="모서리가 둥근 직사각형 44">
               <a:extLst>
                 <a:ext uri="{FF2B5EF4-FFF2-40B4-BE49-F238E27FC236}">
-                  <a16:creationId xmlns:a16="http://schemas.microsoft.com/office/drawing/2014/main" id="{2DBA49E2-5203-48AC-9D0B-4B3C58EE231E}"/>
+                  <a16:creationId xmlns:a16="http://schemas.microsoft.com/office/drawing/2014/main" xmlns="" id="{2DBA49E2-5203-48AC-9D0B-4B3C58EE231E}"/>
                 </a:ext>
               </a:extLst>
             </p:cNvPr>
@@ -5812,7 +5812,7 @@
             <p:cNvPr id="52" name="모서리가 둥근 직사각형 44">
               <a:extLst>
                 <a:ext uri="{FF2B5EF4-FFF2-40B4-BE49-F238E27FC236}">
-                  <a16:creationId xmlns:a16="http://schemas.microsoft.com/office/drawing/2014/main" id="{9BB562E9-3F81-4003-A260-4B53443A91D6}"/>
+                  <a16:creationId xmlns:a16="http://schemas.microsoft.com/office/drawing/2014/main" xmlns="" id="{9BB562E9-3F81-4003-A260-4B53443A91D6}"/>
                 </a:ext>
               </a:extLst>
             </p:cNvPr>
@@ -5863,7 +5863,7 @@
             <p:cNvPr id="53" name="직선 연결선 52">
               <a:extLst>
                 <a:ext uri="{FF2B5EF4-FFF2-40B4-BE49-F238E27FC236}">
-                  <a16:creationId xmlns:a16="http://schemas.microsoft.com/office/drawing/2014/main" id="{0321CE52-54E5-4C9F-BAE5-ECEB72DB0B6B}"/>
+                  <a16:creationId xmlns:a16="http://schemas.microsoft.com/office/drawing/2014/main" xmlns="" id="{0321CE52-54E5-4C9F-BAE5-ECEB72DB0B6B}"/>
                 </a:ext>
               </a:extLst>
             </p:cNvPr>
@@ -5908,7 +5908,7 @@
           <p:cNvPr id="66" name="표 65">
             <a:extLst>
               <a:ext uri="{FF2B5EF4-FFF2-40B4-BE49-F238E27FC236}">
-                <a16:creationId xmlns:a16="http://schemas.microsoft.com/office/drawing/2014/main" id="{6150A898-A77A-4648-B2C4-A03ADA5C8CD3}"/>
+                <a16:creationId xmlns:a16="http://schemas.microsoft.com/office/drawing/2014/main" xmlns="" id="{6150A898-A77A-4648-B2C4-A03ADA5C8CD3}"/>
               </a:ext>
             </a:extLst>
           </p:cNvPr>
@@ -5918,7 +5918,7 @@
           <p:nvPr>
             <p:extLst>
               <p:ext uri="{D42A27DB-BD31-4B8C-83A1-F6EECF244321}">
-                <p14:modId xmlns:p14="http://schemas.microsoft.com/office/powerpoint/2010/main" val="2589299287"/>
+                <p14:modId xmlns:p14="http://schemas.microsoft.com/office/powerpoint/2010/main" val="1469325341"/>
               </p:ext>
             </p:extLst>
           </p:nvPr>
@@ -5937,21 +5937,21 @@
                 <a:gridCol w="1340134">
                   <a:extLst>
                     <a:ext uri="{9D8B030D-6E8A-4147-A177-3AD203B41FA5}">
-                      <a16:colId xmlns:a16="http://schemas.microsoft.com/office/drawing/2014/main" val="20000"/>
+                      <a16:colId xmlns:a16="http://schemas.microsoft.com/office/drawing/2014/main" xmlns="" val="20000"/>
                     </a:ext>
                   </a:extLst>
                 </a:gridCol>
                 <a:gridCol w="1112589">
                   <a:extLst>
                     <a:ext uri="{9D8B030D-6E8A-4147-A177-3AD203B41FA5}">
-                      <a16:colId xmlns:a16="http://schemas.microsoft.com/office/drawing/2014/main" val="959866616"/>
+                      <a16:colId xmlns:a16="http://schemas.microsoft.com/office/drawing/2014/main" xmlns="" val="959866616"/>
                     </a:ext>
                   </a:extLst>
                 </a:gridCol>
                 <a:gridCol w="903633">
                   <a:extLst>
                     <a:ext uri="{9D8B030D-6E8A-4147-A177-3AD203B41FA5}">
-                      <a16:colId xmlns:a16="http://schemas.microsoft.com/office/drawing/2014/main" val="20001"/>
+                      <a16:colId xmlns:a16="http://schemas.microsoft.com/office/drawing/2014/main" xmlns="" val="20001"/>
                     </a:ext>
                   </a:extLst>
                 </a:gridCol>
@@ -5964,8 +5964,8 @@
                     <a:p>
                       <a:pPr latinLnBrk="1"/>
                       <a:r>
-                        <a:rPr lang="en-US" altLang="ko-KR" sz="1400" dirty="0"/>
-                        <a:t>10.0.0.1/24</a:t>
+                        <a:rPr lang="en-US" altLang="ko-KR" sz="1400" dirty="0" smtClean="0"/>
+                        <a:t>10.0.0.0/24</a:t>
                       </a:r>
                       <a:endParaRPr lang="ko-KR" altLang="en-US" sz="1400" dirty="0"/>
                     </a:p>
@@ -6115,7 +6115,7 @@
                 </a:tc>
                 <a:extLst>
                   <a:ext uri="{0D108BD9-81ED-4DB2-BD59-A6C34878D82A}">
-                    <a16:rowId xmlns:a16="http://schemas.microsoft.com/office/drawing/2014/main" val="10000"/>
+                    <a16:rowId xmlns:a16="http://schemas.microsoft.com/office/drawing/2014/main" xmlns="" val="10000"/>
                   </a:ext>
                 </a:extLst>
               </a:tr>
@@ -6278,7 +6278,7 @@
                 </a:tc>
                 <a:extLst>
                   <a:ext uri="{0D108BD9-81ED-4DB2-BD59-A6C34878D82A}">
-                    <a16:rowId xmlns:a16="http://schemas.microsoft.com/office/drawing/2014/main" val="10001"/>
+                    <a16:rowId xmlns:a16="http://schemas.microsoft.com/office/drawing/2014/main" xmlns="" val="10001"/>
                   </a:ext>
                 </a:extLst>
               </a:tr>
@@ -6441,7 +6441,7 @@
                 </a:tc>
                 <a:extLst>
                   <a:ext uri="{0D108BD9-81ED-4DB2-BD59-A6C34878D82A}">
-                    <a16:rowId xmlns:a16="http://schemas.microsoft.com/office/drawing/2014/main" val="10002"/>
+                    <a16:rowId xmlns:a16="http://schemas.microsoft.com/office/drawing/2014/main" xmlns="" val="10002"/>
                   </a:ext>
                 </a:extLst>
               </a:tr>
@@ -6454,7 +6454,7 @@
           <p:cNvPr id="67" name="모서리가 둥근 직사각형 44">
             <a:extLst>
               <a:ext uri="{FF2B5EF4-FFF2-40B4-BE49-F238E27FC236}">
-                <a16:creationId xmlns:a16="http://schemas.microsoft.com/office/drawing/2014/main" id="{F7C0FDFB-B441-4E04-A1DC-B1A1A3FB9868}"/>
+                <a16:creationId xmlns:a16="http://schemas.microsoft.com/office/drawing/2014/main" xmlns="" id="{F7C0FDFB-B441-4E04-A1DC-B1A1A3FB9868}"/>
               </a:ext>
             </a:extLst>
           </p:cNvPr>
@@ -6508,7 +6508,7 @@
           <p:cNvPr id="68" name="모서리가 둥근 직사각형 44">
             <a:extLst>
               <a:ext uri="{FF2B5EF4-FFF2-40B4-BE49-F238E27FC236}">
-                <a16:creationId xmlns:a16="http://schemas.microsoft.com/office/drawing/2014/main" id="{27B03ADC-F842-458F-99ED-B4C5CBBABF52}"/>
+                <a16:creationId xmlns:a16="http://schemas.microsoft.com/office/drawing/2014/main" xmlns="" id="{27B03ADC-F842-458F-99ED-B4C5CBBABF52}"/>
               </a:ext>
             </a:extLst>
           </p:cNvPr>
@@ -6630,7 +6630,7 @@
           <p:cNvPr id="3" name="모서리가 둥근 직사각형 44">
             <a:extLst>
               <a:ext uri="{FF2B5EF4-FFF2-40B4-BE49-F238E27FC236}">
-                <a16:creationId xmlns:a16="http://schemas.microsoft.com/office/drawing/2014/main" id="{2DBA49E2-5203-48AC-9D0B-4B3C58EE231E}"/>
+                <a16:creationId xmlns:a16="http://schemas.microsoft.com/office/drawing/2014/main" xmlns="" id="{2DBA49E2-5203-48AC-9D0B-4B3C58EE231E}"/>
               </a:ext>
             </a:extLst>
           </p:cNvPr>
@@ -6690,7 +6690,7 @@
           <p:nvPr>
             <p:extLst>
               <p:ext uri="{D42A27DB-BD31-4B8C-83A1-F6EECF244321}">
-                <p14:modId xmlns:p14="http://schemas.microsoft.com/office/powerpoint/2010/main" val="4106359287"/>
+                <p14:modId xmlns:p14="http://schemas.microsoft.com/office/powerpoint/2010/main" val="2826470150"/>
               </p:ext>
             </p:extLst>
           </p:nvPr>
@@ -6709,21 +6709,21 @@
                 <a:gridCol w="1340134">
                   <a:extLst>
                     <a:ext uri="{9D8B030D-6E8A-4147-A177-3AD203B41FA5}">
-                      <a16:colId xmlns:a16="http://schemas.microsoft.com/office/drawing/2014/main" val="20000"/>
+                      <a16:colId xmlns:a16="http://schemas.microsoft.com/office/drawing/2014/main" xmlns="" val="20000"/>
                     </a:ext>
                   </a:extLst>
                 </a:gridCol>
                 <a:gridCol w="1112589">
                   <a:extLst>
                     <a:ext uri="{9D8B030D-6E8A-4147-A177-3AD203B41FA5}">
-                      <a16:colId xmlns:a16="http://schemas.microsoft.com/office/drawing/2014/main" val="959866616"/>
+                      <a16:colId xmlns:a16="http://schemas.microsoft.com/office/drawing/2014/main" xmlns="" val="959866616"/>
                     </a:ext>
                   </a:extLst>
                 </a:gridCol>
                 <a:gridCol w="903633">
                   <a:extLst>
                     <a:ext uri="{9D8B030D-6E8A-4147-A177-3AD203B41FA5}">
-                      <a16:colId xmlns:a16="http://schemas.microsoft.com/office/drawing/2014/main" val="20001"/>
+                      <a16:colId xmlns:a16="http://schemas.microsoft.com/office/drawing/2014/main" xmlns="" val="20001"/>
                     </a:ext>
                   </a:extLst>
                 </a:gridCol>
@@ -6736,8 +6736,8 @@
                     <a:p>
                       <a:pPr latinLnBrk="1"/>
                       <a:r>
-                        <a:rPr lang="en-US" altLang="ko-KR" sz="1400" dirty="0"/>
-                        <a:t>10.0.0.1/24</a:t>
+                        <a:rPr lang="en-US" altLang="ko-KR" sz="1400" dirty="0" smtClean="0"/>
+                        <a:t>10.0.0.0/24</a:t>
                       </a:r>
                       <a:endParaRPr lang="ko-KR" altLang="en-US" sz="1400" dirty="0"/>
                     </a:p>
@@ -6887,7 +6887,7 @@
                 </a:tc>
                 <a:extLst>
                   <a:ext uri="{0D108BD9-81ED-4DB2-BD59-A6C34878D82A}">
-                    <a16:rowId xmlns:a16="http://schemas.microsoft.com/office/drawing/2014/main" val="10000"/>
+                    <a16:rowId xmlns:a16="http://schemas.microsoft.com/office/drawing/2014/main" xmlns="" val="10000"/>
                   </a:ext>
                 </a:extLst>
               </a:tr>
@@ -7050,7 +7050,7 @@
                 </a:tc>
                 <a:extLst>
                   <a:ext uri="{0D108BD9-81ED-4DB2-BD59-A6C34878D82A}">
-                    <a16:rowId xmlns:a16="http://schemas.microsoft.com/office/drawing/2014/main" val="10001"/>
+                    <a16:rowId xmlns:a16="http://schemas.microsoft.com/office/drawing/2014/main" xmlns="" val="10001"/>
                   </a:ext>
                 </a:extLst>
               </a:tr>
@@ -7213,7 +7213,7 @@
                 </a:tc>
                 <a:extLst>
                   <a:ext uri="{0D108BD9-81ED-4DB2-BD59-A6C34878D82A}">
-                    <a16:rowId xmlns:a16="http://schemas.microsoft.com/office/drawing/2014/main" val="10002"/>
+                    <a16:rowId xmlns:a16="http://schemas.microsoft.com/office/drawing/2014/main" xmlns="" val="10002"/>
                   </a:ext>
                 </a:extLst>
               </a:tr>
@@ -7226,7 +7226,7 @@
           <p:cNvPr id="13" name="모서리가 둥근 직사각형 44">
             <a:extLst>
               <a:ext uri="{FF2B5EF4-FFF2-40B4-BE49-F238E27FC236}">
-                <a16:creationId xmlns:a16="http://schemas.microsoft.com/office/drawing/2014/main" id="{2DBA49E2-5203-48AC-9D0B-4B3C58EE231E}"/>
+                <a16:creationId xmlns:a16="http://schemas.microsoft.com/office/drawing/2014/main" xmlns="" id="{2DBA49E2-5203-48AC-9D0B-4B3C58EE231E}"/>
               </a:ext>
             </a:extLst>
           </p:cNvPr>
@@ -7277,7 +7277,7 @@
           <p:cNvPr id="14" name="모서리가 둥근 직사각형 44">
             <a:extLst>
               <a:ext uri="{FF2B5EF4-FFF2-40B4-BE49-F238E27FC236}">
-                <a16:creationId xmlns:a16="http://schemas.microsoft.com/office/drawing/2014/main" id="{2DBA49E2-5203-48AC-9D0B-4B3C58EE231E}"/>
+                <a16:creationId xmlns:a16="http://schemas.microsoft.com/office/drawing/2014/main" xmlns="" id="{2DBA49E2-5203-48AC-9D0B-4B3C58EE231E}"/>
               </a:ext>
             </a:extLst>
           </p:cNvPr>
@@ -7335,7 +7335,7 @@
           <p:cNvPr id="21" name="모서리가 둥근 직사각형 44">
             <a:extLst>
               <a:ext uri="{FF2B5EF4-FFF2-40B4-BE49-F238E27FC236}">
-                <a16:creationId xmlns:a16="http://schemas.microsoft.com/office/drawing/2014/main" id="{2DBA49E2-5203-48AC-9D0B-4B3C58EE231E}"/>
+                <a16:creationId xmlns:a16="http://schemas.microsoft.com/office/drawing/2014/main" xmlns="" id="{2DBA49E2-5203-48AC-9D0B-4B3C58EE231E}"/>
               </a:ext>
             </a:extLst>
           </p:cNvPr>
@@ -7425,7 +7425,7 @@
           <p:cNvPr id="27" name="모서리가 둥근 직사각형 44">
             <a:extLst>
               <a:ext uri="{FF2B5EF4-FFF2-40B4-BE49-F238E27FC236}">
-                <a16:creationId xmlns:a16="http://schemas.microsoft.com/office/drawing/2014/main" id="{2DBA49E2-5203-48AC-9D0B-4B3C58EE231E}"/>
+                <a16:creationId xmlns:a16="http://schemas.microsoft.com/office/drawing/2014/main" xmlns="" id="{2DBA49E2-5203-48AC-9D0B-4B3C58EE231E}"/>
               </a:ext>
             </a:extLst>
           </p:cNvPr>
@@ -7479,7 +7479,7 @@
           <p:cNvPr id="30" name="모서리가 둥근 직사각형 44">
             <a:extLst>
               <a:ext uri="{FF2B5EF4-FFF2-40B4-BE49-F238E27FC236}">
-                <a16:creationId xmlns:a16="http://schemas.microsoft.com/office/drawing/2014/main" id="{2DBA49E2-5203-48AC-9D0B-4B3C58EE231E}"/>
+                <a16:creationId xmlns:a16="http://schemas.microsoft.com/office/drawing/2014/main" xmlns="" id="{2DBA49E2-5203-48AC-9D0B-4B3C58EE231E}"/>
               </a:ext>
             </a:extLst>
           </p:cNvPr>
@@ -7533,7 +7533,7 @@
           <p:cNvPr id="31" name="모서리가 둥근 직사각형 44">
             <a:extLst>
               <a:ext uri="{FF2B5EF4-FFF2-40B4-BE49-F238E27FC236}">
-                <a16:creationId xmlns:a16="http://schemas.microsoft.com/office/drawing/2014/main" id="{2DBA49E2-5203-48AC-9D0B-4B3C58EE231E}"/>
+                <a16:creationId xmlns:a16="http://schemas.microsoft.com/office/drawing/2014/main" xmlns="" id="{2DBA49E2-5203-48AC-9D0B-4B3C58EE231E}"/>
               </a:ext>
             </a:extLst>
           </p:cNvPr>
@@ -7604,7 +7604,7 @@
           <p:cNvPr id="64" name="그룹 63">
             <a:extLst>
               <a:ext uri="{FF2B5EF4-FFF2-40B4-BE49-F238E27FC236}">
-                <a16:creationId xmlns:a16="http://schemas.microsoft.com/office/drawing/2014/main" id="{10774F19-BC79-4638-A196-328E0CBB560D}"/>
+                <a16:creationId xmlns:a16="http://schemas.microsoft.com/office/drawing/2014/main" xmlns="" id="{10774F19-BC79-4638-A196-328E0CBB560D}"/>
               </a:ext>
             </a:extLst>
           </p:cNvPr>
@@ -7624,7 +7624,7 @@
             <p:cNvPr id="4" name="모서리가 둥근 직사각형 44">
               <a:extLst>
                 <a:ext uri="{FF2B5EF4-FFF2-40B4-BE49-F238E27FC236}">
-                  <a16:creationId xmlns:a16="http://schemas.microsoft.com/office/drawing/2014/main" id="{2DBA49E2-5203-48AC-9D0B-4B3C58EE231E}"/>
+                  <a16:creationId xmlns:a16="http://schemas.microsoft.com/office/drawing/2014/main" xmlns="" id="{2DBA49E2-5203-48AC-9D0B-4B3C58EE231E}"/>
                 </a:ext>
               </a:extLst>
             </p:cNvPr>
@@ -7675,7 +7675,7 @@
             <p:cNvPr id="7" name="모서리가 둥근 직사각형 44">
               <a:extLst>
                 <a:ext uri="{FF2B5EF4-FFF2-40B4-BE49-F238E27FC236}">
-                  <a16:creationId xmlns:a16="http://schemas.microsoft.com/office/drawing/2014/main" id="{2DBA49E2-5203-48AC-9D0B-4B3C58EE231E}"/>
+                  <a16:creationId xmlns:a16="http://schemas.microsoft.com/office/drawing/2014/main" xmlns="" id="{2DBA49E2-5203-48AC-9D0B-4B3C58EE231E}"/>
                 </a:ext>
               </a:extLst>
             </p:cNvPr>
@@ -7726,7 +7726,7 @@
             <p:cNvPr id="8" name="모서리가 둥근 직사각형 44">
               <a:extLst>
                 <a:ext uri="{FF2B5EF4-FFF2-40B4-BE49-F238E27FC236}">
-                  <a16:creationId xmlns:a16="http://schemas.microsoft.com/office/drawing/2014/main" id="{2DBA49E2-5203-48AC-9D0B-4B3C58EE231E}"/>
+                  <a16:creationId xmlns:a16="http://schemas.microsoft.com/office/drawing/2014/main" xmlns="" id="{2DBA49E2-5203-48AC-9D0B-4B3C58EE231E}"/>
                 </a:ext>
               </a:extLst>
             </p:cNvPr>
@@ -7815,7 +7815,7 @@
             <p:cNvPr id="11" name="모서리가 둥근 직사각형 44">
               <a:extLst>
                 <a:ext uri="{FF2B5EF4-FFF2-40B4-BE49-F238E27FC236}">
-                  <a16:creationId xmlns:a16="http://schemas.microsoft.com/office/drawing/2014/main" id="{2DBA49E2-5203-48AC-9D0B-4B3C58EE231E}"/>
+                  <a16:creationId xmlns:a16="http://schemas.microsoft.com/office/drawing/2014/main" xmlns="" id="{2DBA49E2-5203-48AC-9D0B-4B3C58EE231E}"/>
                 </a:ext>
               </a:extLst>
             </p:cNvPr>
@@ -7869,7 +7869,7 @@
             <p:cNvPr id="24" name="모서리가 둥근 직사각형 44">
               <a:extLst>
                 <a:ext uri="{FF2B5EF4-FFF2-40B4-BE49-F238E27FC236}">
-                  <a16:creationId xmlns:a16="http://schemas.microsoft.com/office/drawing/2014/main" id="{132E9DD2-D948-42DB-82F3-0E457413DD3F}"/>
+                  <a16:creationId xmlns:a16="http://schemas.microsoft.com/office/drawing/2014/main" xmlns="" id="{132E9DD2-D948-42DB-82F3-0E457413DD3F}"/>
                 </a:ext>
               </a:extLst>
             </p:cNvPr>
@@ -7920,7 +7920,7 @@
             <p:cNvPr id="25" name="직선 연결선 24">
               <a:extLst>
                 <a:ext uri="{FF2B5EF4-FFF2-40B4-BE49-F238E27FC236}">
-                  <a16:creationId xmlns:a16="http://schemas.microsoft.com/office/drawing/2014/main" id="{61BD7EEA-19F2-4D88-A764-5AF89984B1EA}"/>
+                  <a16:creationId xmlns:a16="http://schemas.microsoft.com/office/drawing/2014/main" xmlns="" id="{61BD7EEA-19F2-4D88-A764-5AF89984B1EA}"/>
                 </a:ext>
               </a:extLst>
             </p:cNvPr>
@@ -7966,7 +7966,7 @@
           <p:cNvPr id="33" name="모서리가 둥근 직사각형 44">
             <a:extLst>
               <a:ext uri="{FF2B5EF4-FFF2-40B4-BE49-F238E27FC236}">
-                <a16:creationId xmlns:a16="http://schemas.microsoft.com/office/drawing/2014/main" id="{5D371582-3351-49B0-8D7F-4F129A5F3920}"/>
+                <a16:creationId xmlns:a16="http://schemas.microsoft.com/office/drawing/2014/main" xmlns="" id="{5D371582-3351-49B0-8D7F-4F129A5F3920}"/>
               </a:ext>
             </a:extLst>
           </p:cNvPr>
@@ -8017,7 +8017,7 @@
           <p:cNvPr id="38" name="직선 연결선 37">
             <a:extLst>
               <a:ext uri="{FF2B5EF4-FFF2-40B4-BE49-F238E27FC236}">
-                <a16:creationId xmlns:a16="http://schemas.microsoft.com/office/drawing/2014/main" id="{09B37B0D-55B5-4976-97E3-0866E1FD8943}"/>
+                <a16:creationId xmlns:a16="http://schemas.microsoft.com/office/drawing/2014/main" xmlns="" id="{09B37B0D-55B5-4976-97E3-0866E1FD8943}"/>
               </a:ext>
             </a:extLst>
           </p:cNvPr>
@@ -8062,7 +8062,7 @@
           <p:cNvPr id="44" name="모서리가 둥근 직사각형 44">
             <a:extLst>
               <a:ext uri="{FF2B5EF4-FFF2-40B4-BE49-F238E27FC236}">
-                <a16:creationId xmlns:a16="http://schemas.microsoft.com/office/drawing/2014/main" id="{C893FBBB-D0F7-4073-A0D9-7881714F7899}"/>
+                <a16:creationId xmlns:a16="http://schemas.microsoft.com/office/drawing/2014/main" xmlns="" id="{C893FBBB-D0F7-4073-A0D9-7881714F7899}"/>
               </a:ext>
             </a:extLst>
           </p:cNvPr>
@@ -8116,7 +8116,7 @@
           <p:cNvPr id="46" name="모서리가 둥근 직사각형 44">
             <a:extLst>
               <a:ext uri="{FF2B5EF4-FFF2-40B4-BE49-F238E27FC236}">
-                <a16:creationId xmlns:a16="http://schemas.microsoft.com/office/drawing/2014/main" id="{95B9EDE0-0723-4F2D-BFF7-73B214A5936B}"/>
+                <a16:creationId xmlns:a16="http://schemas.microsoft.com/office/drawing/2014/main" xmlns="" id="{95B9EDE0-0723-4F2D-BFF7-73B214A5936B}"/>
               </a:ext>
             </a:extLst>
           </p:cNvPr>
@@ -8167,7 +8167,7 @@
           <p:cNvPr id="47" name="모서리가 둥근 직사각형 44">
             <a:extLst>
               <a:ext uri="{FF2B5EF4-FFF2-40B4-BE49-F238E27FC236}">
-                <a16:creationId xmlns:a16="http://schemas.microsoft.com/office/drawing/2014/main" id="{B339626E-B180-444C-BB70-6D6B5F7F937E}"/>
+                <a16:creationId xmlns:a16="http://schemas.microsoft.com/office/drawing/2014/main" xmlns="" id="{B339626E-B180-444C-BB70-6D6B5F7F937E}"/>
               </a:ext>
             </a:extLst>
           </p:cNvPr>
@@ -8221,7 +8221,7 @@
           <p:cNvPr id="48" name="직선 연결선 47">
             <a:extLst>
               <a:ext uri="{FF2B5EF4-FFF2-40B4-BE49-F238E27FC236}">
-                <a16:creationId xmlns:a16="http://schemas.microsoft.com/office/drawing/2014/main" id="{FB912369-3521-4E97-9D1E-6215FB395FB5}"/>
+                <a16:creationId xmlns:a16="http://schemas.microsoft.com/office/drawing/2014/main" xmlns="" id="{FB912369-3521-4E97-9D1E-6215FB395FB5}"/>
               </a:ext>
             </a:extLst>
           </p:cNvPr>
@@ -8266,7 +8266,7 @@
           <p:cNvPr id="65" name="그룹 64">
             <a:extLst>
               <a:ext uri="{FF2B5EF4-FFF2-40B4-BE49-F238E27FC236}">
-                <a16:creationId xmlns:a16="http://schemas.microsoft.com/office/drawing/2014/main" id="{6E6B2E12-C7C8-460C-A7BC-847842E9C038}"/>
+                <a16:creationId xmlns:a16="http://schemas.microsoft.com/office/drawing/2014/main" xmlns="" id="{6E6B2E12-C7C8-460C-A7BC-847842E9C038}"/>
               </a:ext>
             </a:extLst>
           </p:cNvPr>
@@ -8286,7 +8286,7 @@
             <p:cNvPr id="15" name="모서리가 둥근 직사각형 44">
               <a:extLst>
                 <a:ext uri="{FF2B5EF4-FFF2-40B4-BE49-F238E27FC236}">
-                  <a16:creationId xmlns:a16="http://schemas.microsoft.com/office/drawing/2014/main" id="{2DBA49E2-5203-48AC-9D0B-4B3C58EE231E}"/>
+                  <a16:creationId xmlns:a16="http://schemas.microsoft.com/office/drawing/2014/main" xmlns="" id="{2DBA49E2-5203-48AC-9D0B-4B3C58EE231E}"/>
                 </a:ext>
               </a:extLst>
             </p:cNvPr>
@@ -8337,7 +8337,7 @@
             <p:cNvPr id="17" name="모서리가 둥근 직사각형 44">
               <a:extLst>
                 <a:ext uri="{FF2B5EF4-FFF2-40B4-BE49-F238E27FC236}">
-                  <a16:creationId xmlns:a16="http://schemas.microsoft.com/office/drawing/2014/main" id="{2DBA49E2-5203-48AC-9D0B-4B3C58EE231E}"/>
+                  <a16:creationId xmlns:a16="http://schemas.microsoft.com/office/drawing/2014/main" xmlns="" id="{2DBA49E2-5203-48AC-9D0B-4B3C58EE231E}"/>
                 </a:ext>
               </a:extLst>
             </p:cNvPr>
@@ -8388,7 +8388,7 @@
             <p:cNvPr id="18" name="모서리가 둥근 직사각형 44">
               <a:extLst>
                 <a:ext uri="{FF2B5EF4-FFF2-40B4-BE49-F238E27FC236}">
-                  <a16:creationId xmlns:a16="http://schemas.microsoft.com/office/drawing/2014/main" id="{2DBA49E2-5203-48AC-9D0B-4B3C58EE231E}"/>
+                  <a16:creationId xmlns:a16="http://schemas.microsoft.com/office/drawing/2014/main" xmlns="" id="{2DBA49E2-5203-48AC-9D0B-4B3C58EE231E}"/>
                 </a:ext>
               </a:extLst>
             </p:cNvPr>
@@ -8477,7 +8477,7 @@
             <p:cNvPr id="20" name="모서리가 둥근 직사각형 44">
               <a:extLst>
                 <a:ext uri="{FF2B5EF4-FFF2-40B4-BE49-F238E27FC236}">
-                  <a16:creationId xmlns:a16="http://schemas.microsoft.com/office/drawing/2014/main" id="{2DBA49E2-5203-48AC-9D0B-4B3C58EE231E}"/>
+                  <a16:creationId xmlns:a16="http://schemas.microsoft.com/office/drawing/2014/main" xmlns="" id="{2DBA49E2-5203-48AC-9D0B-4B3C58EE231E}"/>
                 </a:ext>
               </a:extLst>
             </p:cNvPr>
@@ -8531,7 +8531,7 @@
             <p:cNvPr id="52" name="모서리가 둥근 직사각형 44">
               <a:extLst>
                 <a:ext uri="{FF2B5EF4-FFF2-40B4-BE49-F238E27FC236}">
-                  <a16:creationId xmlns:a16="http://schemas.microsoft.com/office/drawing/2014/main" id="{9BB562E9-3F81-4003-A260-4B53443A91D6}"/>
+                  <a16:creationId xmlns:a16="http://schemas.microsoft.com/office/drawing/2014/main" xmlns="" id="{9BB562E9-3F81-4003-A260-4B53443A91D6}"/>
                 </a:ext>
               </a:extLst>
             </p:cNvPr>
@@ -8582,7 +8582,7 @@
             <p:cNvPr id="53" name="직선 연결선 52">
               <a:extLst>
                 <a:ext uri="{FF2B5EF4-FFF2-40B4-BE49-F238E27FC236}">
-                  <a16:creationId xmlns:a16="http://schemas.microsoft.com/office/drawing/2014/main" id="{0321CE52-54E5-4C9F-BAE5-ECEB72DB0B6B}"/>
+                  <a16:creationId xmlns:a16="http://schemas.microsoft.com/office/drawing/2014/main" xmlns="" id="{0321CE52-54E5-4C9F-BAE5-ECEB72DB0B6B}"/>
                 </a:ext>
               </a:extLst>
             </p:cNvPr>
@@ -8627,7 +8627,7 @@
           <p:cNvPr id="66" name="표 65">
             <a:extLst>
               <a:ext uri="{FF2B5EF4-FFF2-40B4-BE49-F238E27FC236}">
-                <a16:creationId xmlns:a16="http://schemas.microsoft.com/office/drawing/2014/main" id="{6150A898-A77A-4648-B2C4-A03ADA5C8CD3}"/>
+                <a16:creationId xmlns:a16="http://schemas.microsoft.com/office/drawing/2014/main" xmlns="" id="{6150A898-A77A-4648-B2C4-A03ADA5C8CD3}"/>
               </a:ext>
             </a:extLst>
           </p:cNvPr>
@@ -8637,7 +8637,7 @@
           <p:nvPr>
             <p:extLst>
               <p:ext uri="{D42A27DB-BD31-4B8C-83A1-F6EECF244321}">
-                <p14:modId xmlns:p14="http://schemas.microsoft.com/office/powerpoint/2010/main" val="115843330"/>
+                <p14:modId xmlns:p14="http://schemas.microsoft.com/office/powerpoint/2010/main" val="3501965007"/>
               </p:ext>
             </p:extLst>
           </p:nvPr>
@@ -8656,21 +8656,21 @@
                 <a:gridCol w="1340134">
                   <a:extLst>
                     <a:ext uri="{9D8B030D-6E8A-4147-A177-3AD203B41FA5}">
-                      <a16:colId xmlns:a16="http://schemas.microsoft.com/office/drawing/2014/main" val="20000"/>
+                      <a16:colId xmlns:a16="http://schemas.microsoft.com/office/drawing/2014/main" xmlns="" val="20000"/>
                     </a:ext>
                   </a:extLst>
                 </a:gridCol>
                 <a:gridCol w="1112589">
                   <a:extLst>
                     <a:ext uri="{9D8B030D-6E8A-4147-A177-3AD203B41FA5}">
-                      <a16:colId xmlns:a16="http://schemas.microsoft.com/office/drawing/2014/main" val="959866616"/>
+                      <a16:colId xmlns:a16="http://schemas.microsoft.com/office/drawing/2014/main" xmlns="" val="959866616"/>
                     </a:ext>
                   </a:extLst>
                 </a:gridCol>
                 <a:gridCol w="903633">
                   <a:extLst>
                     <a:ext uri="{9D8B030D-6E8A-4147-A177-3AD203B41FA5}">
-                      <a16:colId xmlns:a16="http://schemas.microsoft.com/office/drawing/2014/main" val="20001"/>
+                      <a16:colId xmlns:a16="http://schemas.microsoft.com/office/drawing/2014/main" xmlns="" val="20001"/>
                     </a:ext>
                   </a:extLst>
                 </a:gridCol>
@@ -8683,8 +8683,8 @@
                     <a:p>
                       <a:pPr latinLnBrk="1"/>
                       <a:r>
-                        <a:rPr lang="en-US" altLang="ko-KR" sz="1400" dirty="0"/>
-                        <a:t>10.0.0.1/24</a:t>
+                        <a:rPr lang="en-US" altLang="ko-KR" sz="1400" dirty="0" smtClean="0"/>
+                        <a:t>10.0.0.0/24</a:t>
                       </a:r>
                       <a:endParaRPr lang="ko-KR" altLang="en-US" sz="1400" dirty="0"/>
                     </a:p>
@@ -8834,7 +8834,7 @@
                 </a:tc>
                 <a:extLst>
                   <a:ext uri="{0D108BD9-81ED-4DB2-BD59-A6C34878D82A}">
-                    <a16:rowId xmlns:a16="http://schemas.microsoft.com/office/drawing/2014/main" val="10000"/>
+                    <a16:rowId xmlns:a16="http://schemas.microsoft.com/office/drawing/2014/main" xmlns="" val="10000"/>
                   </a:ext>
                 </a:extLst>
               </a:tr>
@@ -8997,7 +8997,7 @@
                 </a:tc>
                 <a:extLst>
                   <a:ext uri="{0D108BD9-81ED-4DB2-BD59-A6C34878D82A}">
-                    <a16:rowId xmlns:a16="http://schemas.microsoft.com/office/drawing/2014/main" val="10001"/>
+                    <a16:rowId xmlns:a16="http://schemas.microsoft.com/office/drawing/2014/main" xmlns="" val="10001"/>
                   </a:ext>
                 </a:extLst>
               </a:tr>
@@ -9160,7 +9160,7 @@
                 </a:tc>
                 <a:extLst>
                   <a:ext uri="{0D108BD9-81ED-4DB2-BD59-A6C34878D82A}">
-                    <a16:rowId xmlns:a16="http://schemas.microsoft.com/office/drawing/2014/main" val="10002"/>
+                    <a16:rowId xmlns:a16="http://schemas.microsoft.com/office/drawing/2014/main" xmlns="" val="10002"/>
                   </a:ext>
                 </a:extLst>
               </a:tr>
@@ -9173,7 +9173,7 @@
           <p:cNvPr id="67" name="모서리가 둥근 직사각형 44">
             <a:extLst>
               <a:ext uri="{FF2B5EF4-FFF2-40B4-BE49-F238E27FC236}">
-                <a16:creationId xmlns:a16="http://schemas.microsoft.com/office/drawing/2014/main" id="{F7C0FDFB-B441-4E04-A1DC-B1A1A3FB9868}"/>
+                <a16:creationId xmlns:a16="http://schemas.microsoft.com/office/drawing/2014/main" xmlns="" id="{F7C0FDFB-B441-4E04-A1DC-B1A1A3FB9868}"/>
               </a:ext>
             </a:extLst>
           </p:cNvPr>
@@ -9227,7 +9227,7 @@
           <p:cNvPr id="68" name="모서리가 둥근 직사각형 44">
             <a:extLst>
               <a:ext uri="{FF2B5EF4-FFF2-40B4-BE49-F238E27FC236}">
-                <a16:creationId xmlns:a16="http://schemas.microsoft.com/office/drawing/2014/main" id="{27B03ADC-F842-458F-99ED-B4C5CBBABF52}"/>
+                <a16:creationId xmlns:a16="http://schemas.microsoft.com/office/drawing/2014/main" xmlns="" id="{27B03ADC-F842-458F-99ED-B4C5CBBABF52}"/>
               </a:ext>
             </a:extLst>
           </p:cNvPr>
